--- a/docs/part2os/03_SystemCalls/OS_Lecture_03.pptx
+++ b/docs/part2os/03_SystemCalls/OS_Lecture_03.pptx
@@ -5,52 +5,53 @@
     <p:sldMasterId id="2147483648" r:id="rId1"/>
   </p:sldMasterIdLst>
   <p:notesMasterIdLst>
-    <p:notesMasterId r:id="rId42"/>
+    <p:notesMasterId r:id="rId43"/>
   </p:notesMasterIdLst>
   <p:handoutMasterIdLst>
-    <p:handoutMasterId r:id="rId43"/>
+    <p:handoutMasterId r:id="rId44"/>
   </p:handoutMasterIdLst>
   <p:sldIdLst>
     <p:sldId id="256" r:id="rId2"/>
     <p:sldId id="312" r:id="rId3"/>
     <p:sldId id="313" r:id="rId4"/>
     <p:sldId id="314" r:id="rId5"/>
-    <p:sldId id="273" r:id="rId6"/>
-    <p:sldId id="274" r:id="rId7"/>
-    <p:sldId id="275" r:id="rId8"/>
-    <p:sldId id="276" r:id="rId9"/>
-    <p:sldId id="309" r:id="rId10"/>
-    <p:sldId id="278" r:id="rId11"/>
-    <p:sldId id="310" r:id="rId12"/>
-    <p:sldId id="280" r:id="rId13"/>
-    <p:sldId id="281" r:id="rId14"/>
-    <p:sldId id="282" r:id="rId15"/>
-    <p:sldId id="283" r:id="rId16"/>
-    <p:sldId id="284" r:id="rId17"/>
-    <p:sldId id="285" r:id="rId18"/>
-    <p:sldId id="286" r:id="rId19"/>
-    <p:sldId id="287" r:id="rId20"/>
-    <p:sldId id="288" r:id="rId21"/>
-    <p:sldId id="289" r:id="rId22"/>
-    <p:sldId id="290" r:id="rId23"/>
-    <p:sldId id="291" r:id="rId24"/>
-    <p:sldId id="292" r:id="rId25"/>
-    <p:sldId id="293" r:id="rId26"/>
-    <p:sldId id="294" r:id="rId27"/>
-    <p:sldId id="295" r:id="rId28"/>
-    <p:sldId id="296" r:id="rId29"/>
-    <p:sldId id="297" r:id="rId30"/>
-    <p:sldId id="311" r:id="rId31"/>
-    <p:sldId id="299" r:id="rId32"/>
-    <p:sldId id="300" r:id="rId33"/>
-    <p:sldId id="301" r:id="rId34"/>
-    <p:sldId id="302" r:id="rId35"/>
-    <p:sldId id="308" r:id="rId36"/>
-    <p:sldId id="304" r:id="rId37"/>
-    <p:sldId id="305" r:id="rId38"/>
-    <p:sldId id="306" r:id="rId39"/>
-    <p:sldId id="307" r:id="rId40"/>
-    <p:sldId id="272" r:id="rId41"/>
+    <p:sldId id="315" r:id="rId6"/>
+    <p:sldId id="273" r:id="rId7"/>
+    <p:sldId id="274" r:id="rId8"/>
+    <p:sldId id="275" r:id="rId9"/>
+    <p:sldId id="276" r:id="rId10"/>
+    <p:sldId id="309" r:id="rId11"/>
+    <p:sldId id="278" r:id="rId12"/>
+    <p:sldId id="310" r:id="rId13"/>
+    <p:sldId id="280" r:id="rId14"/>
+    <p:sldId id="281" r:id="rId15"/>
+    <p:sldId id="282" r:id="rId16"/>
+    <p:sldId id="283" r:id="rId17"/>
+    <p:sldId id="284" r:id="rId18"/>
+    <p:sldId id="285" r:id="rId19"/>
+    <p:sldId id="286" r:id="rId20"/>
+    <p:sldId id="287" r:id="rId21"/>
+    <p:sldId id="288" r:id="rId22"/>
+    <p:sldId id="289" r:id="rId23"/>
+    <p:sldId id="290" r:id="rId24"/>
+    <p:sldId id="291" r:id="rId25"/>
+    <p:sldId id="292" r:id="rId26"/>
+    <p:sldId id="293" r:id="rId27"/>
+    <p:sldId id="294" r:id="rId28"/>
+    <p:sldId id="295" r:id="rId29"/>
+    <p:sldId id="296" r:id="rId30"/>
+    <p:sldId id="297" r:id="rId31"/>
+    <p:sldId id="311" r:id="rId32"/>
+    <p:sldId id="299" r:id="rId33"/>
+    <p:sldId id="300" r:id="rId34"/>
+    <p:sldId id="301" r:id="rId35"/>
+    <p:sldId id="302" r:id="rId36"/>
+    <p:sldId id="308" r:id="rId37"/>
+    <p:sldId id="304" r:id="rId38"/>
+    <p:sldId id="305" r:id="rId39"/>
+    <p:sldId id="306" r:id="rId40"/>
+    <p:sldId id="307" r:id="rId41"/>
+    <p:sldId id="272" r:id="rId42"/>
   </p:sldIdLst>
   <p:sldSz cx="12192000" cy="6858000"/>
   <p:notesSz cx="6858000" cy="9144000"/>
@@ -151,7 +152,7 @@
   </p:defaultTextStyle>
   <p:extLst>
     <p:ext uri="{EFAFB233-063F-42B5-8137-9DF3F51BA10A}">
-      <p15:sldGuideLst xmlns="" xmlns:p15="http://schemas.microsoft.com/office/powerpoint/2012/main">
+      <p15:sldGuideLst xmlns:p15="http://schemas.microsoft.com/office/powerpoint/2012/main" xmlns="">
         <p15:guide id="1" orient="horz" pos="2160">
           <p15:clr>
             <a:srgbClr val="A4A3A4"/>
@@ -165,7 +166,7 @@
       </p15:sldGuideLst>
     </p:ext>
     <p:ext uri="{2D200454-40CA-4A62-9FC3-DE9A4176ACB9}">
-      <p15:notesGuideLst xmlns="" xmlns:p15="http://schemas.microsoft.com/office/powerpoint/2012/main">
+      <p15:notesGuideLst xmlns:p15="http://schemas.microsoft.com/office/powerpoint/2012/main" xmlns="">
         <p15:guide id="1" orient="horz" pos="2880">
           <p15:clr>
             <a:srgbClr val="A4A3A4"/>
@@ -349,7 +350,7 @@
     </p:spTree>
     <p:extLst>
       <p:ext uri="{BB962C8B-B14F-4D97-AF65-F5344CB8AC3E}">
-        <p14:creationId xmlns="" xmlns:p14="http://schemas.microsoft.com/office/powerpoint/2010/main" val="827279973"/>
+        <p14:creationId xmlns:p14="http://schemas.microsoft.com/office/powerpoint/2010/main" xmlns="" val="827279973"/>
       </p:ext>
     </p:extLst>
   </p:cSld>
@@ -610,7 +611,7 @@
     </p:spTree>
     <p:extLst>
       <p:ext uri="{BB962C8B-B14F-4D97-AF65-F5344CB8AC3E}">
-        <p14:creationId xmlns="" xmlns:p14="http://schemas.microsoft.com/office/powerpoint/2010/main" val="3865021395"/>
+        <p14:creationId xmlns:p14="http://schemas.microsoft.com/office/powerpoint/2010/main" xmlns="" val="3865021395"/>
       </p:ext>
     </p:extLst>
   </p:cSld>
@@ -824,7 +825,7 @@
     </p:spTree>
     <p:extLst>
       <p:ext uri="{BB962C8B-B14F-4D97-AF65-F5344CB8AC3E}">
-        <p14:creationId xmlns="" xmlns:p14="http://schemas.microsoft.com/office/powerpoint/2010/main" val="2381791527"/>
+        <p14:creationId xmlns:p14="http://schemas.microsoft.com/office/powerpoint/2010/main" xmlns="" val="2381791527"/>
       </p:ext>
     </p:extLst>
   </p:cSld>
@@ -871,7 +872,7 @@
             <a:fld id="{B3BC8BC8-5C5B-4656-9226-C0E76ED38141}" type="slidenum">
               <a:rPr lang="en-US" smtClean="0"/>
               <a:pPr/>
-              <a:t>12</a:t>
+              <a:t>13</a:t>
             </a:fld>
             <a:endParaRPr lang="en-US" smtClean="0"/>
           </a:p>
@@ -960,7 +961,7 @@
             <a:fld id="{5269D9B0-DE7A-4100-A63D-B2743CE121B6}" type="slidenum">
               <a:rPr lang="en-US" smtClean="0"/>
               <a:pPr/>
-              <a:t>13</a:t>
+              <a:t>14</a:t>
             </a:fld>
             <a:endParaRPr lang="en-US" smtClean="0"/>
           </a:p>
@@ -1049,7 +1050,7 @@
             <a:fld id="{C51F57CF-E018-4B10-8EA9-38636F9BFACC}" type="slidenum">
               <a:rPr lang="en-US" smtClean="0"/>
               <a:pPr/>
-              <a:t>14</a:t>
+              <a:t>15</a:t>
             </a:fld>
             <a:endParaRPr lang="en-US" smtClean="0"/>
           </a:p>
@@ -1138,7 +1139,7 @@
             <a:fld id="{A571E69E-48EE-4767-B9EC-E1BBDBA492C3}" type="slidenum">
               <a:rPr lang="en-US" smtClean="0"/>
               <a:pPr/>
-              <a:t>15</a:t>
+              <a:t>16</a:t>
             </a:fld>
             <a:endParaRPr lang="en-US" smtClean="0"/>
           </a:p>
@@ -1290,7 +1291,7 @@
             <a:fld id="{99AC8DEA-5CF5-42D5-B59B-B4F9205B3494}" type="slidenum">
               <a:rPr lang="en-US" smtClean="0"/>
               <a:pPr/>
-              <a:t>17</a:t>
+              <a:t>18</a:t>
             </a:fld>
             <a:endParaRPr lang="en-US" smtClean="0"/>
           </a:p>
@@ -1379,7 +1380,7 @@
             <a:fld id="{BEE2889D-DA6C-487B-92ED-F24080A36D78}" type="slidenum">
               <a:rPr lang="en-US" smtClean="0"/>
               <a:pPr/>
-              <a:t>20</a:t>
+              <a:t>21</a:t>
             </a:fld>
             <a:endParaRPr lang="en-US" smtClean="0"/>
           </a:p>
@@ -1468,7 +1469,7 @@
             <a:fld id="{5EBC6757-3189-4510-90BC-6B0F3EAB6A96}" type="slidenum">
               <a:rPr lang="en-US" smtClean="0"/>
               <a:pPr/>
-              <a:t>21</a:t>
+              <a:t>22</a:t>
             </a:fld>
             <a:endParaRPr lang="en-US" smtClean="0"/>
           </a:p>
@@ -1557,7 +1558,7 @@
             <a:fld id="{3A7111C3-FE35-42B4-AB53-E3E6F9F9EE11}" type="slidenum">
               <a:rPr lang="en-US" smtClean="0"/>
               <a:pPr/>
-              <a:t>22</a:t>
+              <a:t>23</a:t>
             </a:fld>
             <a:endParaRPr lang="en-US" smtClean="0"/>
           </a:p>
@@ -1646,7 +1647,7 @@
             <a:fld id="{B9E799B9-770F-444F-93DD-8295831065DC}" type="slidenum">
               <a:rPr lang="en-US" smtClean="0"/>
               <a:pPr/>
-              <a:t>23</a:t>
+              <a:t>24</a:t>
             </a:fld>
             <a:endParaRPr lang="en-US" smtClean="0"/>
           </a:p>
@@ -1745,7 +1746,7 @@
         <p:nvSpPr>
           <p:cNvPr id="63491" name="Rectangle 2"/>
           <p:cNvSpPr>
-            <a:spLocks noChangeArrowheads="1" noTextEdit="1"/>
+            <a:spLocks noGrp="1" noRot="1" noChangeAspect="1" noChangeArrowheads="1" noTextEdit="1"/>
           </p:cNvSpPr>
           <p:nvPr>
             <p:ph type="sldImg"/>
@@ -1824,7 +1825,7 @@
             <a:fld id="{B0B68356-4EF5-46F5-BCAC-093C25F65175}" type="slidenum">
               <a:rPr lang="en-US" smtClean="0"/>
               <a:pPr/>
-              <a:t>24</a:t>
+              <a:t>25</a:t>
             </a:fld>
             <a:endParaRPr lang="en-US" smtClean="0"/>
           </a:p>
@@ -1913,7 +1914,7 @@
             <a:fld id="{7B37FEA2-E65F-4B6E-94F1-8785A7660B50}" type="slidenum">
               <a:rPr lang="en-US" smtClean="0"/>
               <a:pPr/>
-              <a:t>25</a:t>
+              <a:t>26</a:t>
             </a:fld>
             <a:endParaRPr lang="en-US" smtClean="0"/>
           </a:p>
@@ -2002,7 +2003,7 @@
             <a:fld id="{307F6FCB-94F3-4465-9412-2A589780D92A}" type="slidenum">
               <a:rPr lang="en-US" smtClean="0"/>
               <a:pPr/>
-              <a:t>26</a:t>
+              <a:t>27</a:t>
             </a:fld>
             <a:endParaRPr lang="en-US" smtClean="0"/>
           </a:p>
@@ -2091,7 +2092,7 @@
             <a:fld id="{680CAC87-EE5D-4DB1-8EA8-8864F250EAF6}" type="slidenum">
               <a:rPr lang="en-US" smtClean="0"/>
               <a:pPr/>
-              <a:t>28</a:t>
+              <a:t>29</a:t>
             </a:fld>
             <a:endParaRPr lang="en-US" smtClean="0"/>
           </a:p>
@@ -2180,7 +2181,7 @@
             <a:fld id="{A68CB1DD-DB27-4142-A69C-479D27836F6C}" type="slidenum">
               <a:rPr lang="en-US" smtClean="0"/>
               <a:pPr/>
-              <a:t>29</a:t>
+              <a:t>30</a:t>
             </a:fld>
             <a:endParaRPr lang="en-US" smtClean="0"/>
           </a:p>
@@ -2269,7 +2270,7 @@
             <a:fld id="{D97C2BAA-31E3-42A3-944C-29682AF27D19}" type="slidenum">
               <a:rPr lang="en-US" smtClean="0"/>
               <a:pPr/>
-              <a:t>31</a:t>
+              <a:t>32</a:t>
             </a:fld>
             <a:endParaRPr lang="en-US" smtClean="0"/>
           </a:p>
@@ -2358,7 +2359,7 @@
             <a:fld id="{00C4B1A9-714C-44CC-B254-C3E379E40070}" type="slidenum">
               <a:rPr lang="en-US" smtClean="0"/>
               <a:pPr/>
-              <a:t>32</a:t>
+              <a:t>33</a:t>
             </a:fld>
             <a:endParaRPr lang="en-US" smtClean="0"/>
           </a:p>
@@ -2447,7 +2448,7 @@
             <a:fld id="{059E0D24-6758-4492-89B8-A8E9C94A5133}" type="slidenum">
               <a:rPr lang="en-US" smtClean="0"/>
               <a:pPr/>
-              <a:t>33</a:t>
+              <a:t>34</a:t>
             </a:fld>
             <a:endParaRPr lang="en-US" smtClean="0"/>
           </a:p>
@@ -2536,7 +2537,7 @@
             <a:fld id="{77E63562-1952-4C9E-B14F-0417C5E0B3E5}" type="slidenum">
               <a:rPr lang="en-US" smtClean="0"/>
               <a:pPr/>
-              <a:t>34</a:t>
+              <a:t>35</a:t>
             </a:fld>
             <a:endParaRPr lang="en-US" smtClean="0"/>
           </a:p>
@@ -2625,7 +2626,7 @@
             <a:fld id="{87A62AF8-7D39-4130-B790-ED37AE669C5C}" type="slidenum">
               <a:rPr lang="en-US" smtClean="0"/>
               <a:pPr/>
-              <a:t>36</a:t>
+              <a:t>37</a:t>
             </a:fld>
             <a:endParaRPr lang="en-US" smtClean="0"/>
           </a:p>
@@ -2724,7 +2725,7 @@
         <p:nvSpPr>
           <p:cNvPr id="64515" name="Rectangle 2"/>
           <p:cNvSpPr>
-            <a:spLocks noChangeArrowheads="1" noTextEdit="1"/>
+            <a:spLocks noGrp="1" noRot="1" noChangeAspect="1" noChangeArrowheads="1" noTextEdit="1"/>
           </p:cNvSpPr>
           <p:nvPr>
             <p:ph type="sldImg"/>
@@ -2803,7 +2804,7 @@
             <a:fld id="{BB2D738C-E6B8-4421-A94F-C3F924C01A4F}" type="slidenum">
               <a:rPr lang="en-US" smtClean="0"/>
               <a:pPr/>
-              <a:t>38</a:t>
+              <a:t>39</a:t>
             </a:fld>
             <a:endParaRPr lang="en-US" smtClean="0"/>
           </a:p>
@@ -2892,7 +2893,7 @@
             <a:fld id="{1D42B85F-3A7B-400A-9355-6982715DF61E}" type="slidenum">
               <a:rPr lang="en-US" smtClean="0"/>
               <a:pPr/>
-              <a:t>39</a:t>
+              <a:t>40</a:t>
             </a:fld>
             <a:endParaRPr lang="en-US" smtClean="0"/>
           </a:p>
@@ -3048,7 +3049,7 @@
             <a:fld id="{5583B3A5-99BF-45D9-956B-DC57CC23AD97}" type="slidenum">
               <a:rPr lang="ru-RU" smtClean="0"/>
               <a:pPr/>
-              <a:t>40</a:t>
+              <a:t>41</a:t>
             </a:fld>
             <a:endParaRPr lang="ru-RU"/>
           </a:p>
@@ -3057,7 +3058,7 @@
     </p:spTree>
     <p:extLst>
       <p:ext uri="{BB962C8B-B14F-4D97-AF65-F5344CB8AC3E}">
-        <p14:creationId xmlns="" xmlns:p14="http://schemas.microsoft.com/office/powerpoint/2010/main" val="1915950851"/>
+        <p14:creationId xmlns:p14="http://schemas.microsoft.com/office/powerpoint/2010/main" xmlns="" val="1915950851"/>
       </p:ext>
     </p:extLst>
   </p:cSld>
@@ -3114,7 +3115,7 @@
         <p:nvSpPr>
           <p:cNvPr id="65539" name="Rectangle 2"/>
           <p:cNvSpPr>
-            <a:spLocks noChangeArrowheads="1" noTextEdit="1"/>
+            <a:spLocks noGrp="1" noRot="1" noChangeAspect="1" noChangeArrowheads="1" noTextEdit="1"/>
           </p:cNvSpPr>
           <p:nvPr>
             <p:ph type="sldImg"/>
@@ -3193,7 +3194,7 @@
             <a:fld id="{B5EBE654-A4AB-448F-ACE4-2C87B44488B1}" type="slidenum">
               <a:rPr lang="en-US" smtClean="0"/>
               <a:pPr/>
-              <a:t>5</a:t>
+              <a:t>6</a:t>
             </a:fld>
             <a:endParaRPr lang="en-US" smtClean="0"/>
           </a:p>
@@ -3282,7 +3283,7 @@
             <a:fld id="{A9D4288F-2393-4B36-B7AB-1EAAEB4A94C6}" type="slidenum">
               <a:rPr lang="en-US" smtClean="0"/>
               <a:pPr/>
-              <a:t>6</a:t>
+              <a:t>7</a:t>
             </a:fld>
             <a:endParaRPr lang="en-US" smtClean="0"/>
           </a:p>
@@ -3371,7 +3372,7 @@
             <a:fld id="{E5AF0E7D-0C28-4D4D-9D0D-ED7552CBB4B5}" type="slidenum">
               <a:rPr lang="en-US" smtClean="0"/>
               <a:pPr/>
-              <a:t>7</a:t>
+              <a:t>8</a:t>
             </a:fld>
             <a:endParaRPr lang="en-US" smtClean="0"/>
           </a:p>
@@ -3460,7 +3461,7 @@
             <a:fld id="{80353FCC-78B9-443F-BFBA-9B9E9F093CF1}" type="slidenum">
               <a:rPr lang="en-US" smtClean="0"/>
               <a:pPr/>
-              <a:t>8</a:t>
+              <a:t>9</a:t>
             </a:fld>
             <a:endParaRPr lang="en-US" smtClean="0"/>
           </a:p>
@@ -3549,7 +3550,7 @@
             <a:fld id="{F97119D1-F7D5-4FC5-AD44-2B16B12E8527}" type="slidenum">
               <a:rPr lang="en-US" smtClean="0"/>
               <a:pPr/>
-              <a:t>10</a:t>
+              <a:t>11</a:t>
             </a:fld>
             <a:endParaRPr lang="en-US" smtClean="0"/>
           </a:p>
@@ -3851,7 +3852,7 @@
     </p:spTree>
     <p:extLst>
       <p:ext uri="{BB962C8B-B14F-4D97-AF65-F5344CB8AC3E}">
-        <p14:creationId xmlns="" xmlns:p14="http://schemas.microsoft.com/office/powerpoint/2010/main" val="322455162"/>
+        <p14:creationId xmlns:p14="http://schemas.microsoft.com/office/powerpoint/2010/main" xmlns="" val="322455162"/>
       </p:ext>
     </p:extLst>
   </p:cSld>
@@ -4025,7 +4026,7 @@
     </p:spTree>
     <p:extLst>
       <p:ext uri="{BB962C8B-B14F-4D97-AF65-F5344CB8AC3E}">
-        <p14:creationId xmlns="" xmlns:p14="http://schemas.microsoft.com/office/powerpoint/2010/main" val="971117636"/>
+        <p14:creationId xmlns:p14="http://schemas.microsoft.com/office/powerpoint/2010/main" xmlns="" val="971117636"/>
       </p:ext>
     </p:extLst>
   </p:cSld>
@@ -4202,7 +4203,7 @@
     </p:spTree>
     <p:extLst>
       <p:ext uri="{BB962C8B-B14F-4D97-AF65-F5344CB8AC3E}">
-        <p14:creationId xmlns="" xmlns:p14="http://schemas.microsoft.com/office/powerpoint/2010/main" val="3348877825"/>
+        <p14:creationId xmlns:p14="http://schemas.microsoft.com/office/powerpoint/2010/main" xmlns="" val="3348877825"/>
       </p:ext>
     </p:extLst>
   </p:cSld>
@@ -4527,7 +4528,7 @@
     </p:spTree>
     <p:extLst>
       <p:ext uri="{BB962C8B-B14F-4D97-AF65-F5344CB8AC3E}">
-        <p14:creationId xmlns="" xmlns:p14="http://schemas.microsoft.com/office/powerpoint/2010/main" val="3256953994"/>
+        <p14:creationId xmlns:p14="http://schemas.microsoft.com/office/powerpoint/2010/main" xmlns="" val="3256953994"/>
       </p:ext>
     </p:extLst>
   </p:cSld>
@@ -4777,7 +4778,7 @@
     </p:spTree>
     <p:extLst>
       <p:ext uri="{BB962C8B-B14F-4D97-AF65-F5344CB8AC3E}">
-        <p14:creationId xmlns="" xmlns:p14="http://schemas.microsoft.com/office/powerpoint/2010/main" val="3067076846"/>
+        <p14:creationId xmlns:p14="http://schemas.microsoft.com/office/powerpoint/2010/main" xmlns="" val="3067076846"/>
       </p:ext>
     </p:extLst>
   </p:cSld>
@@ -5013,7 +5014,7 @@
     </p:spTree>
     <p:extLst>
       <p:ext uri="{BB962C8B-B14F-4D97-AF65-F5344CB8AC3E}">
-        <p14:creationId xmlns="" xmlns:p14="http://schemas.microsoft.com/office/powerpoint/2010/main" val="3710015975"/>
+        <p14:creationId xmlns:p14="http://schemas.microsoft.com/office/powerpoint/2010/main" xmlns="" val="3710015975"/>
       </p:ext>
     </p:extLst>
   </p:cSld>
@@ -5384,7 +5385,7 @@
     </p:spTree>
     <p:extLst>
       <p:ext uri="{BB962C8B-B14F-4D97-AF65-F5344CB8AC3E}">
-        <p14:creationId xmlns="" xmlns:p14="http://schemas.microsoft.com/office/powerpoint/2010/main" val="4075590966"/>
+        <p14:creationId xmlns:p14="http://schemas.microsoft.com/office/powerpoint/2010/main" xmlns="" val="4075590966"/>
       </p:ext>
     </p:extLst>
   </p:cSld>
@@ -5506,7 +5507,7 @@
     </p:spTree>
     <p:extLst>
       <p:ext uri="{BB962C8B-B14F-4D97-AF65-F5344CB8AC3E}">
-        <p14:creationId xmlns="" xmlns:p14="http://schemas.microsoft.com/office/powerpoint/2010/main" val="2889604898"/>
+        <p14:creationId xmlns:p14="http://schemas.microsoft.com/office/powerpoint/2010/main" xmlns="" val="2889604898"/>
       </p:ext>
     </p:extLst>
   </p:cSld>
@@ -5605,7 +5606,7 @@
     </p:spTree>
     <p:extLst>
       <p:ext uri="{BB962C8B-B14F-4D97-AF65-F5344CB8AC3E}">
-        <p14:creationId xmlns="" xmlns:p14="http://schemas.microsoft.com/office/powerpoint/2010/main" val="152384765"/>
+        <p14:creationId xmlns:p14="http://schemas.microsoft.com/office/powerpoint/2010/main" xmlns="" val="152384765"/>
       </p:ext>
     </p:extLst>
   </p:cSld>
@@ -5886,7 +5887,7 @@
     </p:spTree>
     <p:extLst>
       <p:ext uri="{BB962C8B-B14F-4D97-AF65-F5344CB8AC3E}">
-        <p14:creationId xmlns="" xmlns:p14="http://schemas.microsoft.com/office/powerpoint/2010/main" val="2127791886"/>
+        <p14:creationId xmlns:p14="http://schemas.microsoft.com/office/powerpoint/2010/main" xmlns="" val="2127791886"/>
       </p:ext>
     </p:extLst>
   </p:cSld>
@@ -6143,7 +6144,7 @@
     </p:spTree>
     <p:extLst>
       <p:ext uri="{BB962C8B-B14F-4D97-AF65-F5344CB8AC3E}">
-        <p14:creationId xmlns="" xmlns:p14="http://schemas.microsoft.com/office/powerpoint/2010/main" val="1752705130"/>
+        <p14:creationId xmlns:p14="http://schemas.microsoft.com/office/powerpoint/2010/main" xmlns="" val="1752705130"/>
       </p:ext>
     </p:extLst>
   </p:cSld>
@@ -6396,7 +6397,7 @@
     </p:spTree>
     <p:extLst>
       <p:ext uri="{BB962C8B-B14F-4D97-AF65-F5344CB8AC3E}">
-        <p14:creationId xmlns="" xmlns:p14="http://schemas.microsoft.com/office/powerpoint/2010/main" val="968833914"/>
+        <p14:creationId xmlns:p14="http://schemas.microsoft.com/office/powerpoint/2010/main" xmlns="" val="968833914"/>
       </p:ext>
     </p:extLst>
   </p:cSld>
@@ -6779,11 +6780,15 @@
             </a:r>
             <a:r>
               <a:rPr lang="ru-RU" b="1" dirty="0" smtClean="0"/>
-              <a:t>2</a:t>
+              <a:t>3</a:t>
             </a:r>
             <a:r>
               <a:rPr lang="en-US" b="1" dirty="0" smtClean="0"/>
-              <a:t>: The C Programming Language</a:t>
+              <a:t>: </a:t>
+            </a:r>
+            <a:r>
+              <a:rPr lang="en-US" b="1" smtClean="0"/>
+              <a:t>System Calls</a:t>
             </a:r>
             <a:endParaRPr lang="en-US" b="1" dirty="0"/>
           </a:p>
@@ -6886,7 +6891,7 @@
     </p:spTree>
     <p:extLst>
       <p:ext uri="{BB962C8B-B14F-4D97-AF65-F5344CB8AC3E}">
-        <p14:creationId xmlns="" xmlns:p14="http://schemas.microsoft.com/office/powerpoint/2010/main" val="2492894732"/>
+        <p14:creationId xmlns:p14="http://schemas.microsoft.com/office/powerpoint/2010/main" xmlns="" val="2492894732"/>
       </p:ext>
     </p:extLst>
   </p:cSld>
@@ -6922,224 +6927,7 @@
       </p:grpSpPr>
       <p:sp>
         <p:nvSpPr>
-          <p:cNvPr id="20482" name="Rectangle 2"/>
-          <p:cNvSpPr>
-            <a:spLocks noGrp="1" noChangeArrowheads="1"/>
-          </p:cNvSpPr>
-          <p:nvPr>
-            <p:ph type="title"/>
-          </p:nvPr>
-        </p:nvSpPr>
-        <p:spPr>
-          <a:xfrm>
-            <a:off x="1310218" y="198438"/>
-            <a:ext cx="10272183" cy="576262"/>
-          </a:xfrm>
-        </p:spPr>
-        <p:txBody>
-          <a:bodyPr>
-            <a:normAutofit fontScale="90000"/>
-          </a:bodyPr>
-          <a:lstStyle/>
-          <a:p>
-            <a:pPr eaLnBrk="1" hangingPunct="1"/>
-            <a:r>
-              <a:rPr lang="en-US" smtClean="0"/>
-              <a:t>System Call Parameter Passing</a:t>
-            </a:r>
-          </a:p>
-        </p:txBody>
-      </p:sp>
-      <p:sp>
-        <p:nvSpPr>
-          <p:cNvPr id="20483" name="Rectangle 3"/>
-          <p:cNvSpPr>
-            <a:spLocks noGrp="1" noChangeArrowheads="1"/>
-          </p:cNvSpPr>
-          <p:nvPr>
-            <p:ph type="body" idx="1"/>
-          </p:nvPr>
-        </p:nvSpPr>
-        <p:spPr>
-          <a:xfrm>
-            <a:off x="837760" y="1102860"/>
-            <a:ext cx="10693179" cy="5535445"/>
-          </a:xfrm>
-        </p:spPr>
-        <p:txBody>
-          <a:bodyPr>
-            <a:normAutofit fontScale="92500" lnSpcReduction="20000"/>
-          </a:bodyPr>
-          <a:lstStyle/>
-          <a:p>
-            <a:pPr>
-              <a:lnSpc>
-                <a:spcPct val="90000"/>
-              </a:lnSpc>
-            </a:pPr>
-            <a:r>
-              <a:rPr lang="en-US" dirty="0" smtClean="0"/>
-              <a:t>Often, more information is required than simply identity of desired system call</a:t>
-            </a:r>
-          </a:p>
-          <a:p>
-            <a:pPr lvl="1">
-              <a:lnSpc>
-                <a:spcPct val="90000"/>
-              </a:lnSpc>
-            </a:pPr>
-            <a:r>
-              <a:rPr lang="en-US" dirty="0" smtClean="0"/>
-              <a:t>Exact type and amount of information vary according to OS and call</a:t>
-            </a:r>
-            <a:endParaRPr lang="en-US" sz="900" dirty="0" smtClean="0"/>
-          </a:p>
-          <a:p>
-            <a:pPr>
-              <a:lnSpc>
-                <a:spcPct val="90000"/>
-              </a:lnSpc>
-            </a:pPr>
-            <a:r>
-              <a:rPr lang="en-US" dirty="0" smtClean="0"/>
-              <a:t>Three general methods used to pass parameters to the OS</a:t>
-            </a:r>
-          </a:p>
-          <a:p>
-            <a:pPr lvl="1">
-              <a:lnSpc>
-                <a:spcPct val="90000"/>
-              </a:lnSpc>
-            </a:pPr>
-            <a:r>
-              <a:rPr lang="en-US" dirty="0" smtClean="0"/>
-              <a:t>Simplest:  pass the parameters in registers</a:t>
-            </a:r>
-          </a:p>
-          <a:p>
-            <a:pPr lvl="2">
-              <a:lnSpc>
-                <a:spcPct val="90000"/>
-              </a:lnSpc>
-            </a:pPr>
-            <a:r>
-              <a:rPr lang="en-US" sz="2600" dirty="0" smtClean="0"/>
-              <a:t> In some cases, may be more parameters than registers</a:t>
-            </a:r>
-          </a:p>
-          <a:p>
-            <a:pPr lvl="1">
-              <a:lnSpc>
-                <a:spcPct val="90000"/>
-              </a:lnSpc>
-            </a:pPr>
-            <a:r>
-              <a:rPr lang="en-US" dirty="0" smtClean="0"/>
-              <a:t>Parameters stored in a block</a:t>
-            </a:r>
-            <a:r>
-              <a:rPr lang="en-US" i="1" dirty="0" smtClean="0"/>
-              <a:t>, </a:t>
-            </a:r>
-            <a:r>
-              <a:rPr lang="en-US" dirty="0" smtClean="0"/>
-              <a:t>or table, in memory, and address of block passed as a parameter in a register </a:t>
-            </a:r>
-          </a:p>
-          <a:p>
-            <a:pPr lvl="2">
-              <a:lnSpc>
-                <a:spcPct val="90000"/>
-              </a:lnSpc>
-            </a:pPr>
-            <a:r>
-              <a:rPr lang="en-US" dirty="0" smtClean="0"/>
-              <a:t>This approach taken by Linux and Solaris</a:t>
-            </a:r>
-          </a:p>
-          <a:p>
-            <a:pPr lvl="1">
-              <a:lnSpc>
-                <a:spcPct val="90000"/>
-              </a:lnSpc>
-            </a:pPr>
-            <a:r>
-              <a:rPr lang="en-US" dirty="0" smtClean="0"/>
-              <a:t>Parameters placed, or </a:t>
-            </a:r>
-            <a:r>
-              <a:rPr lang="en-US" b="1" dirty="0" smtClean="0">
-                <a:solidFill>
-                  <a:srgbClr val="F7B217"/>
-                </a:solidFill>
-              </a:rPr>
-              <a:t>pushed</a:t>
-            </a:r>
-            <a:r>
-              <a:rPr lang="en-US" i="1" dirty="0" smtClean="0"/>
-              <a:t>, </a:t>
-            </a:r>
-            <a:r>
-              <a:rPr lang="en-US" dirty="0" smtClean="0"/>
-              <a:t>onto the </a:t>
-            </a:r>
-            <a:r>
-              <a:rPr lang="en-US" b="1" dirty="0" smtClean="0">
-                <a:solidFill>
-                  <a:srgbClr val="F7B217"/>
-                </a:solidFill>
-              </a:rPr>
-              <a:t>stack</a:t>
-            </a:r>
-            <a:r>
-              <a:rPr lang="en-US" i="1" dirty="0" smtClean="0"/>
-              <a:t> </a:t>
-            </a:r>
-            <a:r>
-              <a:rPr lang="en-US" dirty="0" smtClean="0"/>
-              <a:t>by the program and </a:t>
-            </a:r>
-            <a:r>
-              <a:rPr lang="en-US" b="1" dirty="0" smtClean="0">
-                <a:solidFill>
-                  <a:srgbClr val="F7B217"/>
-                </a:solidFill>
-              </a:rPr>
-              <a:t>popped</a:t>
-            </a:r>
-            <a:r>
-              <a:rPr lang="en-US" i="1" dirty="0" smtClean="0"/>
-              <a:t> </a:t>
-            </a:r>
-            <a:r>
-              <a:rPr lang="en-US" dirty="0" smtClean="0"/>
-              <a:t>off the stack by the operating system</a:t>
-            </a:r>
-          </a:p>
-          <a:p>
-            <a:pPr lvl="1">
-              <a:lnSpc>
-                <a:spcPct val="90000"/>
-              </a:lnSpc>
-            </a:pPr>
-            <a:r>
-              <a:rPr lang="en-US" dirty="0" smtClean="0"/>
-              <a:t>Block and stack methods do not limit the number or length of parameters being passed</a:t>
-            </a:r>
-          </a:p>
-          <a:p>
-            <a:pPr lvl="1">
-              <a:lnSpc>
-                <a:spcPct val="90000"/>
-              </a:lnSpc>
-            </a:pPr>
-            <a:endParaRPr lang="en-US" dirty="0" smtClean="0"/>
-          </a:p>
-        </p:txBody>
-      </p:sp>
-      <p:sp>
-        <p:nvSpPr>
-          <p:cNvPr id="4" name="Номер слайда 2"/>
+          <p:cNvPr id="3" name="Номер слайда 2"/>
           <p:cNvSpPr>
             <a:spLocks noGrp="1"/>
           </p:cNvSpPr>
@@ -7147,12 +6935,7 @@
             <p:ph type="sldNum" sz="quarter" idx="12"/>
           </p:nvPr>
         </p:nvSpPr>
-        <p:spPr>
-          <a:xfrm>
-            <a:off x="10776031" y="6190938"/>
-            <a:ext cx="594673" cy="479419"/>
-          </a:xfrm>
-        </p:spPr>
+        <p:spPr/>
         <p:txBody>
           <a:bodyPr/>
           <a:lstStyle/>
@@ -7167,6 +6950,61 @@
           </a:p>
         </p:txBody>
       </p:sp>
+      <p:sp>
+        <p:nvSpPr>
+          <p:cNvPr id="4" name="Заголовок 3"/>
+          <p:cNvSpPr>
+            <a:spLocks noGrp="1"/>
+          </p:cNvSpPr>
+          <p:nvPr>
+            <p:ph type="title"/>
+          </p:nvPr>
+        </p:nvSpPr>
+        <p:spPr/>
+        <p:txBody>
+          <a:bodyPr/>
+          <a:lstStyle/>
+          <a:p>
+            <a:r>
+              <a:rPr lang="en-US" dirty="0" smtClean="0"/>
+              <a:t>API – System Call – OS Relationship</a:t>
+            </a:r>
+            <a:endParaRPr lang="ru-RU" dirty="0"/>
+          </a:p>
+        </p:txBody>
+      </p:sp>
+      <p:pic>
+        <p:nvPicPr>
+          <p:cNvPr id="5" name="Picture 5" descr="2"/>
+          <p:cNvPicPr>
+            <a:picLocks noChangeAspect="1" noChangeArrowheads="1"/>
+          </p:cNvPicPr>
+          <p:nvPr/>
+        </p:nvPicPr>
+        <p:blipFill>
+          <a:blip r:embed="rId2" cstate="print"/>
+          <a:srcRect/>
+          <a:stretch>
+            <a:fillRect/>
+          </a:stretch>
+        </p:blipFill>
+        <p:spPr bwMode="auto">
+          <a:xfrm>
+            <a:off x="1706801" y="1211816"/>
+            <a:ext cx="8750808" cy="5358384"/>
+          </a:xfrm>
+          <a:prstGeom prst="rect">
+            <a:avLst/>
+          </a:prstGeom>
+          <a:noFill/>
+          <a:ln w="9525">
+            <a:noFill/>
+            <a:miter lim="800000"/>
+            <a:headEnd/>
+            <a:tailEnd/>
+          </a:ln>
+        </p:spPr>
+      </p:pic>
     </p:spTree>
   </p:cSld>
   <p:clrMapOvr>
@@ -7194,7 +7032,224 @@
       </p:grpSpPr>
       <p:sp>
         <p:nvSpPr>
-          <p:cNvPr id="3" name="Номер слайда 2"/>
+          <p:cNvPr id="20482" name="Rectangle 2"/>
+          <p:cNvSpPr>
+            <a:spLocks noGrp="1" noChangeArrowheads="1"/>
+          </p:cNvSpPr>
+          <p:nvPr>
+            <p:ph type="title"/>
+          </p:nvPr>
+        </p:nvSpPr>
+        <p:spPr>
+          <a:xfrm>
+            <a:off x="1310218" y="198438"/>
+            <a:ext cx="10272183" cy="576262"/>
+          </a:xfrm>
+        </p:spPr>
+        <p:txBody>
+          <a:bodyPr>
+            <a:normAutofit fontScale="90000"/>
+          </a:bodyPr>
+          <a:lstStyle/>
+          <a:p>
+            <a:pPr eaLnBrk="1" hangingPunct="1"/>
+            <a:r>
+              <a:rPr lang="en-US" smtClean="0"/>
+              <a:t>System Call Parameter Passing</a:t>
+            </a:r>
+          </a:p>
+        </p:txBody>
+      </p:sp>
+      <p:sp>
+        <p:nvSpPr>
+          <p:cNvPr id="20483" name="Rectangle 3"/>
+          <p:cNvSpPr>
+            <a:spLocks noGrp="1" noChangeArrowheads="1"/>
+          </p:cNvSpPr>
+          <p:nvPr>
+            <p:ph type="body" idx="1"/>
+          </p:nvPr>
+        </p:nvSpPr>
+        <p:spPr>
+          <a:xfrm>
+            <a:off x="837760" y="1102860"/>
+            <a:ext cx="10693179" cy="5535445"/>
+          </a:xfrm>
+        </p:spPr>
+        <p:txBody>
+          <a:bodyPr>
+            <a:normAutofit fontScale="92500" lnSpcReduction="20000"/>
+          </a:bodyPr>
+          <a:lstStyle/>
+          <a:p>
+            <a:pPr>
+              <a:lnSpc>
+                <a:spcPct val="90000"/>
+              </a:lnSpc>
+            </a:pPr>
+            <a:r>
+              <a:rPr lang="en-US" dirty="0" smtClean="0"/>
+              <a:t>Often, more information is required than simply identity of desired system call</a:t>
+            </a:r>
+          </a:p>
+          <a:p>
+            <a:pPr lvl="1">
+              <a:lnSpc>
+                <a:spcPct val="90000"/>
+              </a:lnSpc>
+            </a:pPr>
+            <a:r>
+              <a:rPr lang="en-US" dirty="0" smtClean="0"/>
+              <a:t>Exact type and amount of information vary according to OS and call</a:t>
+            </a:r>
+            <a:endParaRPr lang="en-US" sz="900" dirty="0" smtClean="0"/>
+          </a:p>
+          <a:p>
+            <a:pPr>
+              <a:lnSpc>
+                <a:spcPct val="90000"/>
+              </a:lnSpc>
+            </a:pPr>
+            <a:r>
+              <a:rPr lang="en-US" dirty="0" smtClean="0"/>
+              <a:t>Three general methods used to pass parameters to the OS</a:t>
+            </a:r>
+          </a:p>
+          <a:p>
+            <a:pPr lvl="1">
+              <a:lnSpc>
+                <a:spcPct val="90000"/>
+              </a:lnSpc>
+            </a:pPr>
+            <a:r>
+              <a:rPr lang="en-US" dirty="0" smtClean="0"/>
+              <a:t>Simplest:  pass the parameters in registers</a:t>
+            </a:r>
+          </a:p>
+          <a:p>
+            <a:pPr lvl="2">
+              <a:lnSpc>
+                <a:spcPct val="90000"/>
+              </a:lnSpc>
+            </a:pPr>
+            <a:r>
+              <a:rPr lang="en-US" sz="2600" dirty="0" smtClean="0"/>
+              <a:t> In some cases, may be more parameters than registers</a:t>
+            </a:r>
+          </a:p>
+          <a:p>
+            <a:pPr lvl="1">
+              <a:lnSpc>
+                <a:spcPct val="90000"/>
+              </a:lnSpc>
+            </a:pPr>
+            <a:r>
+              <a:rPr lang="en-US" dirty="0" smtClean="0"/>
+              <a:t>Parameters stored in a block</a:t>
+            </a:r>
+            <a:r>
+              <a:rPr lang="en-US" i="1" dirty="0" smtClean="0"/>
+              <a:t>, </a:t>
+            </a:r>
+            <a:r>
+              <a:rPr lang="en-US" dirty="0" smtClean="0"/>
+              <a:t>or table, in memory, and address of block passed as a parameter in a register </a:t>
+            </a:r>
+          </a:p>
+          <a:p>
+            <a:pPr lvl="2">
+              <a:lnSpc>
+                <a:spcPct val="90000"/>
+              </a:lnSpc>
+            </a:pPr>
+            <a:r>
+              <a:rPr lang="en-US" dirty="0" smtClean="0"/>
+              <a:t>This approach taken by Linux and Solaris</a:t>
+            </a:r>
+          </a:p>
+          <a:p>
+            <a:pPr lvl="1">
+              <a:lnSpc>
+                <a:spcPct val="90000"/>
+              </a:lnSpc>
+            </a:pPr>
+            <a:r>
+              <a:rPr lang="en-US" dirty="0" smtClean="0"/>
+              <a:t>Parameters placed, or </a:t>
+            </a:r>
+            <a:r>
+              <a:rPr lang="en-US" b="1" dirty="0" smtClean="0">
+                <a:solidFill>
+                  <a:srgbClr val="F7B217"/>
+                </a:solidFill>
+              </a:rPr>
+              <a:t>pushed</a:t>
+            </a:r>
+            <a:r>
+              <a:rPr lang="en-US" i="1" dirty="0" smtClean="0"/>
+              <a:t>, </a:t>
+            </a:r>
+            <a:r>
+              <a:rPr lang="en-US" dirty="0" smtClean="0"/>
+              <a:t>onto the </a:t>
+            </a:r>
+            <a:r>
+              <a:rPr lang="en-US" b="1" dirty="0" smtClean="0">
+                <a:solidFill>
+                  <a:srgbClr val="F7B217"/>
+                </a:solidFill>
+              </a:rPr>
+              <a:t>stack</a:t>
+            </a:r>
+            <a:r>
+              <a:rPr lang="en-US" i="1" dirty="0" smtClean="0"/>
+              <a:t> </a:t>
+            </a:r>
+            <a:r>
+              <a:rPr lang="en-US" dirty="0" smtClean="0"/>
+              <a:t>by the program and </a:t>
+            </a:r>
+            <a:r>
+              <a:rPr lang="en-US" b="1" dirty="0" smtClean="0">
+                <a:solidFill>
+                  <a:srgbClr val="F7B217"/>
+                </a:solidFill>
+              </a:rPr>
+              <a:t>popped</a:t>
+            </a:r>
+            <a:r>
+              <a:rPr lang="en-US" i="1" dirty="0" smtClean="0"/>
+              <a:t> </a:t>
+            </a:r>
+            <a:r>
+              <a:rPr lang="en-US" dirty="0" smtClean="0"/>
+              <a:t>off the stack by the operating system</a:t>
+            </a:r>
+          </a:p>
+          <a:p>
+            <a:pPr lvl="1">
+              <a:lnSpc>
+                <a:spcPct val="90000"/>
+              </a:lnSpc>
+            </a:pPr>
+            <a:r>
+              <a:rPr lang="en-US" dirty="0" smtClean="0"/>
+              <a:t>Block and stack methods do not limit the number or length of parameters being passed</a:t>
+            </a:r>
+          </a:p>
+          <a:p>
+            <a:pPr lvl="1">
+              <a:lnSpc>
+                <a:spcPct val="90000"/>
+              </a:lnSpc>
+            </a:pPr>
+            <a:endParaRPr lang="en-US" dirty="0" smtClean="0"/>
+          </a:p>
+        </p:txBody>
+      </p:sp>
+      <p:sp>
+        <p:nvSpPr>
+          <p:cNvPr id="4" name="Номер слайда 2"/>
           <p:cNvSpPr>
             <a:spLocks noGrp="1"/>
           </p:cNvSpPr>
@@ -7202,7 +7257,12 @@
             <p:ph type="sldNum" sz="quarter" idx="12"/>
           </p:nvPr>
         </p:nvSpPr>
-        <p:spPr/>
+        <p:spPr>
+          <a:xfrm>
+            <a:off x="10776031" y="6190938"/>
+            <a:ext cx="594673" cy="479419"/>
+          </a:xfrm>
+        </p:spPr>
         <p:txBody>
           <a:bodyPr/>
           <a:lstStyle/>
@@ -7217,61 +7277,6 @@
           </a:p>
         </p:txBody>
       </p:sp>
-      <p:sp>
-        <p:nvSpPr>
-          <p:cNvPr id="4" name="Заголовок 3"/>
-          <p:cNvSpPr>
-            <a:spLocks noGrp="1"/>
-          </p:cNvSpPr>
-          <p:nvPr>
-            <p:ph type="title"/>
-          </p:nvPr>
-        </p:nvSpPr>
-        <p:spPr/>
-        <p:txBody>
-          <a:bodyPr/>
-          <a:lstStyle/>
-          <a:p>
-            <a:r>
-              <a:rPr lang="en-US" dirty="0" smtClean="0"/>
-              <a:t>Parameter Passing via Table</a:t>
-            </a:r>
-            <a:endParaRPr lang="ru-RU" dirty="0"/>
-          </a:p>
-        </p:txBody>
-      </p:sp>
-      <p:pic>
-        <p:nvPicPr>
-          <p:cNvPr id="5" name="Picture 7" descr="2"/>
-          <p:cNvPicPr>
-            <a:picLocks noChangeAspect="1" noChangeArrowheads="1"/>
-          </p:cNvPicPr>
-          <p:nvPr/>
-        </p:nvPicPr>
-        <p:blipFill>
-          <a:blip r:embed="rId2" cstate="print"/>
-          <a:srcRect/>
-          <a:stretch>
-            <a:fillRect/>
-          </a:stretch>
-        </p:blipFill>
-        <p:spPr bwMode="auto">
-          <a:xfrm>
-            <a:off x="1295782" y="1319056"/>
-            <a:ext cx="9469526" cy="4970678"/>
-          </a:xfrm>
-          <a:prstGeom prst="rect">
-            <a:avLst/>
-          </a:prstGeom>
-          <a:noFill/>
-          <a:ln w="9525">
-            <a:noFill/>
-            <a:miter lim="800000"/>
-            <a:headEnd/>
-            <a:tailEnd/>
-          </a:ln>
-        </p:spPr>
-      </p:pic>
     </p:spTree>
   </p:cSld>
   <p:clrMapOvr>
@@ -7299,164 +7304,7 @@
       </p:grpSpPr>
       <p:sp>
         <p:nvSpPr>
-          <p:cNvPr id="22530" name="Rectangle 2"/>
-          <p:cNvSpPr>
-            <a:spLocks noGrp="1" noChangeArrowheads="1"/>
-          </p:cNvSpPr>
-          <p:nvPr>
-            <p:ph type="title"/>
-          </p:nvPr>
-        </p:nvSpPr>
-        <p:spPr>
-          <a:xfrm>
-            <a:off x="630767" y="214313"/>
-            <a:ext cx="10972800" cy="576262"/>
-          </a:xfrm>
-        </p:spPr>
-        <p:txBody>
-          <a:bodyPr>
-            <a:normAutofit fontScale="90000"/>
-          </a:bodyPr>
-          <a:lstStyle/>
-          <a:p>
-            <a:pPr eaLnBrk="1" hangingPunct="1"/>
-            <a:r>
-              <a:rPr lang="en-US" smtClean="0"/>
-              <a:t>Types of System Calls</a:t>
-            </a:r>
-          </a:p>
-        </p:txBody>
-      </p:sp>
-      <p:sp>
-        <p:nvSpPr>
-          <p:cNvPr id="22531" name="Rectangle 4"/>
-          <p:cNvSpPr>
-            <a:spLocks noGrp="1" noChangeArrowheads="1"/>
-          </p:cNvSpPr>
-          <p:nvPr>
-            <p:ph type="body" idx="1"/>
-          </p:nvPr>
-        </p:nvSpPr>
-        <p:spPr>
-          <a:xfrm>
-            <a:off x="878774" y="1138239"/>
-            <a:ext cx="10497787" cy="5238810"/>
-          </a:xfrm>
-        </p:spPr>
-        <p:txBody>
-          <a:bodyPr>
-            <a:normAutofit fontScale="92500" lnSpcReduction="10000"/>
-          </a:bodyPr>
-          <a:lstStyle/>
-          <a:p>
-            <a:r>
-              <a:rPr lang="en-US" dirty="0" smtClean="0"/>
-              <a:t>Process control</a:t>
-            </a:r>
-          </a:p>
-          <a:p>
-            <a:pPr lvl="1"/>
-            <a:r>
-              <a:rPr lang="en-US" dirty="0" smtClean="0"/>
-              <a:t>create process, terminate process</a:t>
-            </a:r>
-          </a:p>
-          <a:p>
-            <a:pPr lvl="1"/>
-            <a:r>
-              <a:rPr lang="en-US" dirty="0" smtClean="0"/>
-              <a:t>end, abort</a:t>
-            </a:r>
-          </a:p>
-          <a:p>
-            <a:pPr lvl="1"/>
-            <a:r>
-              <a:rPr lang="en-US" dirty="0" smtClean="0"/>
-              <a:t>load, execute</a:t>
-            </a:r>
-          </a:p>
-          <a:p>
-            <a:pPr lvl="1"/>
-            <a:r>
-              <a:rPr lang="en-US" dirty="0" smtClean="0"/>
-              <a:t>get process attributes, set process attributes</a:t>
-            </a:r>
-          </a:p>
-          <a:p>
-            <a:pPr lvl="1"/>
-            <a:r>
-              <a:rPr lang="en-US" dirty="0" smtClean="0"/>
-              <a:t>wait for time</a:t>
-            </a:r>
-          </a:p>
-          <a:p>
-            <a:pPr lvl="1"/>
-            <a:r>
-              <a:rPr lang="en-US" dirty="0" smtClean="0"/>
-              <a:t>wait event, signal event</a:t>
-            </a:r>
-          </a:p>
-          <a:p>
-            <a:pPr lvl="1"/>
-            <a:r>
-              <a:rPr lang="en-US" dirty="0" smtClean="0"/>
-              <a:t>allocate and free memory</a:t>
-            </a:r>
-          </a:p>
-          <a:p>
-            <a:pPr lvl="1"/>
-            <a:r>
-              <a:rPr lang="en-US" dirty="0" smtClean="0"/>
-              <a:t>Dump memory if error</a:t>
-            </a:r>
-          </a:p>
-          <a:p>
-            <a:pPr lvl="1"/>
-            <a:r>
-              <a:rPr lang="en-US" b="1" dirty="0" smtClean="0">
-                <a:solidFill>
-                  <a:srgbClr val="3366FF"/>
-                </a:solidFill>
-              </a:rPr>
-              <a:t>Debugger</a:t>
-            </a:r>
-            <a:r>
-              <a:rPr lang="en-US" dirty="0" smtClean="0"/>
-              <a:t> for determining </a:t>
-            </a:r>
-            <a:r>
-              <a:rPr lang="en-US" b="1" dirty="0" smtClean="0">
-                <a:solidFill>
-                  <a:srgbClr val="3366FF"/>
-                </a:solidFill>
-              </a:rPr>
-              <a:t>bugs, single step </a:t>
-            </a:r>
-            <a:r>
-              <a:rPr lang="en-US" dirty="0" smtClean="0"/>
-              <a:t>execution</a:t>
-            </a:r>
-          </a:p>
-          <a:p>
-            <a:pPr lvl="1"/>
-            <a:r>
-              <a:rPr lang="en-US" b="1" dirty="0" smtClean="0">
-                <a:solidFill>
-                  <a:srgbClr val="3366FF"/>
-                </a:solidFill>
-              </a:rPr>
-              <a:t>Locks</a:t>
-            </a:r>
-            <a:r>
-              <a:rPr lang="en-US" dirty="0" smtClean="0"/>
-              <a:t> for managing access to shared data between processes</a:t>
-            </a:r>
-          </a:p>
-        </p:txBody>
-      </p:sp>
-      <p:sp>
-        <p:nvSpPr>
-          <p:cNvPr id="4" name="Номер слайда 2"/>
+          <p:cNvPr id="3" name="Номер слайда 2"/>
           <p:cNvSpPr>
             <a:spLocks noGrp="1"/>
           </p:cNvSpPr>
@@ -7464,12 +7312,7 @@
             <p:ph type="sldNum" sz="quarter" idx="12"/>
           </p:nvPr>
         </p:nvSpPr>
-        <p:spPr>
-          <a:xfrm>
-            <a:off x="10776031" y="6190938"/>
-            <a:ext cx="594673" cy="479419"/>
-          </a:xfrm>
-        </p:spPr>
+        <p:spPr/>
         <p:txBody>
           <a:bodyPr/>
           <a:lstStyle/>
@@ -7484,6 +7327,61 @@
           </a:p>
         </p:txBody>
       </p:sp>
+      <p:sp>
+        <p:nvSpPr>
+          <p:cNvPr id="4" name="Заголовок 3"/>
+          <p:cNvSpPr>
+            <a:spLocks noGrp="1"/>
+          </p:cNvSpPr>
+          <p:nvPr>
+            <p:ph type="title"/>
+          </p:nvPr>
+        </p:nvSpPr>
+        <p:spPr/>
+        <p:txBody>
+          <a:bodyPr/>
+          <a:lstStyle/>
+          <a:p>
+            <a:r>
+              <a:rPr lang="en-US" dirty="0" smtClean="0"/>
+              <a:t>Parameter Passing via Table</a:t>
+            </a:r>
+            <a:endParaRPr lang="ru-RU" dirty="0"/>
+          </a:p>
+        </p:txBody>
+      </p:sp>
+      <p:pic>
+        <p:nvPicPr>
+          <p:cNvPr id="5" name="Picture 7" descr="2"/>
+          <p:cNvPicPr>
+            <a:picLocks noChangeAspect="1" noChangeArrowheads="1"/>
+          </p:cNvPicPr>
+          <p:nvPr/>
+        </p:nvPicPr>
+        <p:blipFill>
+          <a:blip r:embed="rId2" cstate="print"/>
+          <a:srcRect/>
+          <a:stretch>
+            <a:fillRect/>
+          </a:stretch>
+        </p:blipFill>
+        <p:spPr bwMode="auto">
+          <a:xfrm>
+            <a:off x="1295782" y="1319056"/>
+            <a:ext cx="9469526" cy="4970678"/>
+          </a:xfrm>
+          <a:prstGeom prst="rect">
+            <a:avLst/>
+          </a:prstGeom>
+          <a:noFill/>
+          <a:ln w="9525">
+            <a:noFill/>
+            <a:miter lim="800000"/>
+            <a:headEnd/>
+            <a:tailEnd/>
+          </a:ln>
+        </p:spPr>
+      </p:pic>
     </p:spTree>
   </p:cSld>
   <p:clrMapOvr>
@@ -7511,7 +7409,7 @@
       </p:grpSpPr>
       <p:sp>
         <p:nvSpPr>
-          <p:cNvPr id="23554" name="Rectangle 2"/>
+          <p:cNvPr id="22530" name="Rectangle 2"/>
           <p:cNvSpPr>
             <a:spLocks noGrp="1" noChangeArrowheads="1"/>
           </p:cNvSpPr>
@@ -7521,7 +7419,7 @@
         </p:nvSpPr>
         <p:spPr>
           <a:xfrm>
-            <a:off x="609600" y="198438"/>
+            <a:off x="630767" y="214313"/>
             <a:ext cx="10972800" cy="576262"/>
           </a:xfrm>
         </p:spPr>
@@ -7541,7 +7439,7 @@
       </p:sp>
       <p:sp>
         <p:nvSpPr>
-          <p:cNvPr id="23555" name="Rectangle 4"/>
+          <p:cNvPr id="22531" name="Rectangle 4"/>
           <p:cNvSpPr>
             <a:spLocks noGrp="1" noChangeArrowheads="1"/>
           </p:cNvSpPr>
@@ -7551,86 +7449,118 @@
         </p:nvSpPr>
         <p:spPr>
           <a:xfrm>
-            <a:off x="838200" y="1178052"/>
-            <a:ext cx="10515600" cy="5436503"/>
+            <a:off x="878774" y="1138239"/>
+            <a:ext cx="10497787" cy="5238810"/>
           </a:xfrm>
         </p:spPr>
         <p:txBody>
           <a:bodyPr>
-            <a:normAutofit/>
+            <a:normAutofit fontScale="92500" lnSpcReduction="10000"/>
           </a:bodyPr>
           <a:lstStyle/>
           <a:p>
             <a:r>
               <a:rPr lang="en-US" dirty="0" smtClean="0"/>
-              <a:t>File management</a:t>
+              <a:t>Process control</a:t>
             </a:r>
           </a:p>
           <a:p>
             <a:pPr lvl="1"/>
             <a:r>
               <a:rPr lang="en-US" dirty="0" smtClean="0"/>
-              <a:t>create file, delete file</a:t>
+              <a:t>create process, terminate process</a:t>
             </a:r>
           </a:p>
           <a:p>
             <a:pPr lvl="1"/>
             <a:r>
               <a:rPr lang="en-US" dirty="0" smtClean="0"/>
-              <a:t>open, close file</a:t>
+              <a:t>end, abort</a:t>
             </a:r>
           </a:p>
           <a:p>
             <a:pPr lvl="1"/>
             <a:r>
               <a:rPr lang="en-US" dirty="0" smtClean="0"/>
-              <a:t>read, write, reposition</a:t>
+              <a:t>load, execute</a:t>
             </a:r>
           </a:p>
           <a:p>
             <a:pPr lvl="1"/>
             <a:r>
               <a:rPr lang="en-US" dirty="0" smtClean="0"/>
-              <a:t>get and set file attributes</a:t>
-            </a:r>
-          </a:p>
-          <a:p>
-            <a:r>
-              <a:rPr lang="en-US" dirty="0" smtClean="0"/>
-              <a:t>Device management</a:t>
+              <a:t>get process attributes, set process attributes</a:t>
             </a:r>
           </a:p>
           <a:p>
             <a:pPr lvl="1"/>
             <a:r>
               <a:rPr lang="en-US" dirty="0" smtClean="0"/>
-              <a:t>request device, release device</a:t>
+              <a:t>wait for time</a:t>
             </a:r>
           </a:p>
           <a:p>
             <a:pPr lvl="1"/>
             <a:r>
               <a:rPr lang="en-US" dirty="0" smtClean="0"/>
-              <a:t>read, write, reposition</a:t>
+              <a:t>wait event, signal event</a:t>
             </a:r>
           </a:p>
           <a:p>
             <a:pPr lvl="1"/>
             <a:r>
               <a:rPr lang="en-US" dirty="0" smtClean="0"/>
-              <a:t>get device attributes, set device attributes</a:t>
+              <a:t>allocate and free memory</a:t>
             </a:r>
           </a:p>
           <a:p>
             <a:pPr lvl="1"/>
             <a:r>
               <a:rPr lang="en-US" dirty="0" smtClean="0"/>
-              <a:t>logically attach or detach devices</a:t>
+              <a:t>Dump memory if error</a:t>
             </a:r>
           </a:p>
           <a:p>
             <a:pPr lvl="1"/>
-            <a:endParaRPr lang="en-US" dirty="0" smtClean="0"/>
+            <a:r>
+              <a:rPr lang="en-US" b="1" dirty="0" smtClean="0">
+                <a:solidFill>
+                  <a:srgbClr val="3366FF"/>
+                </a:solidFill>
+              </a:rPr>
+              <a:t>Debugger</a:t>
+            </a:r>
+            <a:r>
+              <a:rPr lang="en-US" dirty="0" smtClean="0"/>
+              <a:t> for determining </a:t>
+            </a:r>
+            <a:r>
+              <a:rPr lang="en-US" b="1" dirty="0" smtClean="0">
+                <a:solidFill>
+                  <a:srgbClr val="3366FF"/>
+                </a:solidFill>
+              </a:rPr>
+              <a:t>bugs, single step </a:t>
+            </a:r>
+            <a:r>
+              <a:rPr lang="en-US" dirty="0" smtClean="0"/>
+              <a:t>execution</a:t>
+            </a:r>
+          </a:p>
+          <a:p>
+            <a:pPr lvl="1"/>
+            <a:r>
+              <a:rPr lang="en-US" b="1" dirty="0" smtClean="0">
+                <a:solidFill>
+                  <a:srgbClr val="3366FF"/>
+                </a:solidFill>
+              </a:rPr>
+              <a:t>Locks</a:t>
+            </a:r>
+            <a:r>
+              <a:rPr lang="en-US" dirty="0" smtClean="0"/>
+              <a:t> for managing access to shared data between processes</a:t>
+            </a:r>
           </a:p>
         </p:txBody>
       </p:sp>
@@ -7691,7 +7621,7 @@
       </p:grpSpPr>
       <p:sp>
         <p:nvSpPr>
-          <p:cNvPr id="24578" name="Rectangle 2"/>
+          <p:cNvPr id="23554" name="Rectangle 2"/>
           <p:cNvSpPr>
             <a:spLocks noGrp="1" noChangeArrowheads="1"/>
           </p:cNvSpPr>
@@ -7701,7 +7631,7 @@
         </p:nvSpPr>
         <p:spPr>
           <a:xfrm>
-            <a:off x="715433" y="198438"/>
+            <a:off x="609600" y="198438"/>
             <a:ext cx="10972800" cy="576262"/>
           </a:xfrm>
         </p:spPr>
@@ -7714,14 +7644,14 @@
             <a:pPr eaLnBrk="1" hangingPunct="1"/>
             <a:r>
               <a:rPr lang="en-US" smtClean="0"/>
-              <a:t>Types of System Calls (Cont.)</a:t>
-            </a:r>
-          </a:p>
-        </p:txBody>
-      </p:sp>
-      <p:sp>
-        <p:nvSpPr>
-          <p:cNvPr id="24579" name="Rectangle 4"/>
+              <a:t>Types of System Calls</a:t>
+            </a:r>
+          </a:p>
+        </p:txBody>
+      </p:sp>
+      <p:sp>
+        <p:nvSpPr>
+          <p:cNvPr id="23555" name="Rectangle 4"/>
           <p:cNvSpPr>
             <a:spLocks noGrp="1" noChangeArrowheads="1"/>
           </p:cNvSpPr>
@@ -7731,225 +7661,92 @@
         </p:nvSpPr>
         <p:spPr>
           <a:xfrm>
-            <a:off x="760024" y="997529"/>
-            <a:ext cx="10865922" cy="5801096"/>
+            <a:off x="838200" y="1178052"/>
+            <a:ext cx="10515600" cy="5436503"/>
           </a:xfrm>
         </p:spPr>
         <p:txBody>
           <a:bodyPr>
-            <a:normAutofit fontScale="92500" lnSpcReduction="20000"/>
+            <a:normAutofit/>
           </a:bodyPr>
           <a:lstStyle/>
           <a:p>
-            <a:pPr>
-              <a:lnSpc>
-                <a:spcPct val="100000"/>
-              </a:lnSpc>
-            </a:pPr>
-            <a:r>
-              <a:rPr lang="en-US" dirty="0" smtClean="0"/>
-              <a:t>Information maintenance</a:t>
-            </a:r>
-          </a:p>
-          <a:p>
-            <a:pPr lvl="1">
-              <a:lnSpc>
-                <a:spcPct val="100000"/>
-              </a:lnSpc>
-            </a:pPr>
-            <a:r>
-              <a:rPr lang="en-US" dirty="0" smtClean="0"/>
-              <a:t>get time or date, set time or date</a:t>
-            </a:r>
-          </a:p>
-          <a:p>
-            <a:pPr lvl="1">
-              <a:lnSpc>
-                <a:spcPct val="100000"/>
-              </a:lnSpc>
-            </a:pPr>
-            <a:r>
-              <a:rPr lang="en-US" dirty="0" smtClean="0"/>
-              <a:t>get system data, set system data</a:t>
-            </a:r>
-          </a:p>
-          <a:p>
-            <a:pPr lvl="1">
-              <a:lnSpc>
-                <a:spcPct val="100000"/>
-              </a:lnSpc>
-            </a:pPr>
-            <a:r>
-              <a:rPr lang="en-US" dirty="0" smtClean="0"/>
-              <a:t>get and set process, file, or device attributes</a:t>
-            </a:r>
-          </a:p>
-          <a:p>
-            <a:pPr>
-              <a:lnSpc>
-                <a:spcPct val="100000"/>
-              </a:lnSpc>
-            </a:pPr>
-            <a:r>
-              <a:rPr lang="en-US" dirty="0" smtClean="0"/>
-              <a:t>Communications</a:t>
-            </a:r>
-          </a:p>
-          <a:p>
-            <a:pPr lvl="1">
-              <a:lnSpc>
-                <a:spcPct val="100000"/>
-              </a:lnSpc>
-            </a:pPr>
-            <a:r>
-              <a:rPr lang="en-US" dirty="0" smtClean="0"/>
-              <a:t>create, delete communication connection</a:t>
-            </a:r>
-          </a:p>
-          <a:p>
-            <a:pPr lvl="1">
-              <a:lnSpc>
-                <a:spcPct val="100000"/>
-              </a:lnSpc>
-            </a:pPr>
-            <a:r>
-              <a:rPr lang="en-US" dirty="0" smtClean="0"/>
-              <a:t>send, receive messages if </a:t>
-            </a:r>
-            <a:r>
-              <a:rPr lang="en-US" b="1" dirty="0" smtClean="0">
-                <a:solidFill>
-                  <a:srgbClr val="F7B217"/>
-                </a:solidFill>
-              </a:rPr>
-              <a:t>message passing model </a:t>
-            </a:r>
-            <a:r>
-              <a:rPr lang="en-US" dirty="0" smtClean="0"/>
-              <a:t>to </a:t>
-            </a:r>
-            <a:r>
-              <a:rPr lang="en-US" b="1" dirty="0" smtClean="0">
-                <a:solidFill>
-                  <a:srgbClr val="F7B217"/>
-                </a:solidFill>
-              </a:rPr>
-              <a:t>host name</a:t>
-            </a:r>
-            <a:r>
-              <a:rPr lang="en-US" dirty="0" smtClean="0"/>
-              <a:t> or </a:t>
-            </a:r>
-            <a:r>
-              <a:rPr lang="en-US" b="1" dirty="0" smtClean="0">
-                <a:solidFill>
-                  <a:srgbClr val="F7B217"/>
-                </a:solidFill>
-              </a:rPr>
-              <a:t>process name</a:t>
-            </a:r>
-          </a:p>
-          <a:p>
-            <a:pPr lvl="2">
-              <a:lnSpc>
-                <a:spcPct val="100000"/>
-              </a:lnSpc>
-            </a:pPr>
-            <a:r>
-              <a:rPr lang="en-US" sz="3000" dirty="0" smtClean="0"/>
-              <a:t>From</a:t>
-            </a:r>
-            <a:r>
-              <a:rPr lang="en-US" sz="3000" b="1" dirty="0" smtClean="0">
-                <a:solidFill>
-                  <a:srgbClr val="3366FF"/>
-                </a:solidFill>
-              </a:rPr>
-              <a:t> </a:t>
-            </a:r>
-            <a:r>
-              <a:rPr lang="en-US" sz="3000" b="1" dirty="0" smtClean="0">
-                <a:solidFill>
-                  <a:srgbClr val="F7B217"/>
-                </a:solidFill>
-              </a:rPr>
-              <a:t>client</a:t>
-            </a:r>
-            <a:r>
-              <a:rPr lang="en-US" sz="3000" b="1" dirty="0" smtClean="0">
-                <a:solidFill>
-                  <a:srgbClr val="3366FF"/>
-                </a:solidFill>
-              </a:rPr>
-              <a:t> </a:t>
-            </a:r>
-            <a:r>
-              <a:rPr lang="en-US" sz="3000" dirty="0" smtClean="0"/>
-              <a:t>to</a:t>
-            </a:r>
-            <a:r>
-              <a:rPr lang="en-US" sz="3000" b="1" dirty="0" smtClean="0">
-                <a:solidFill>
-                  <a:srgbClr val="3366FF"/>
-                </a:solidFill>
-              </a:rPr>
-              <a:t> </a:t>
-            </a:r>
-            <a:r>
-              <a:rPr lang="en-US" sz="3000" b="1" dirty="0" smtClean="0">
-                <a:solidFill>
-                  <a:srgbClr val="F7B217"/>
-                </a:solidFill>
-              </a:rPr>
-              <a:t>server</a:t>
-            </a:r>
-          </a:p>
-          <a:p>
-            <a:pPr lvl="1">
-              <a:lnSpc>
-                <a:spcPct val="100000"/>
-              </a:lnSpc>
-            </a:pPr>
-            <a:r>
-              <a:rPr lang="en-US" b="1" dirty="0" smtClean="0">
-                <a:solidFill>
-                  <a:srgbClr val="F7B217"/>
-                </a:solidFill>
-              </a:rPr>
-              <a:t>Shared-memory model </a:t>
-            </a:r>
-            <a:r>
-              <a:rPr lang="en-US" dirty="0" smtClean="0"/>
-              <a:t>create and gain access to memory regions</a:t>
-            </a:r>
-          </a:p>
-          <a:p>
-            <a:pPr lvl="1">
-              <a:lnSpc>
-                <a:spcPct val="100000"/>
-              </a:lnSpc>
-            </a:pPr>
-            <a:r>
-              <a:rPr lang="en-US" dirty="0" smtClean="0"/>
-              <a:t>transfer status information</a:t>
-            </a:r>
-          </a:p>
-          <a:p>
-            <a:pPr lvl="1">
-              <a:lnSpc>
-                <a:spcPct val="100000"/>
-              </a:lnSpc>
-            </a:pPr>
-            <a:r>
-              <a:rPr lang="en-US" dirty="0" smtClean="0"/>
-              <a:t>attach and detach remote devices</a:t>
-            </a:r>
-          </a:p>
-        </p:txBody>
-      </p:sp>
-      <p:sp>
-        <p:nvSpPr>
-          <p:cNvPr id="4" name="Номер слайда 5"/>
+            <a:r>
+              <a:rPr lang="en-US" dirty="0" smtClean="0"/>
+              <a:t>File management</a:t>
+            </a:r>
+          </a:p>
+          <a:p>
+            <a:pPr lvl="1"/>
+            <a:r>
+              <a:rPr lang="en-US" dirty="0" smtClean="0"/>
+              <a:t>create file, delete file</a:t>
+            </a:r>
+          </a:p>
+          <a:p>
+            <a:pPr lvl="1"/>
+            <a:r>
+              <a:rPr lang="en-US" dirty="0" smtClean="0"/>
+              <a:t>open, close file</a:t>
+            </a:r>
+          </a:p>
+          <a:p>
+            <a:pPr lvl="1"/>
+            <a:r>
+              <a:rPr lang="en-US" dirty="0" smtClean="0"/>
+              <a:t>read, write, reposition</a:t>
+            </a:r>
+          </a:p>
+          <a:p>
+            <a:pPr lvl="1"/>
+            <a:r>
+              <a:rPr lang="en-US" dirty="0" smtClean="0"/>
+              <a:t>get and set file attributes</a:t>
+            </a:r>
+          </a:p>
+          <a:p>
+            <a:r>
+              <a:rPr lang="en-US" dirty="0" smtClean="0"/>
+              <a:t>Device management</a:t>
+            </a:r>
+          </a:p>
+          <a:p>
+            <a:pPr lvl="1"/>
+            <a:r>
+              <a:rPr lang="en-US" dirty="0" smtClean="0"/>
+              <a:t>request device, release device</a:t>
+            </a:r>
+          </a:p>
+          <a:p>
+            <a:pPr lvl="1"/>
+            <a:r>
+              <a:rPr lang="en-US" dirty="0" smtClean="0"/>
+              <a:t>read, write, reposition</a:t>
+            </a:r>
+          </a:p>
+          <a:p>
+            <a:pPr lvl="1"/>
+            <a:r>
+              <a:rPr lang="en-US" dirty="0" smtClean="0"/>
+              <a:t>get device attributes, set device attributes</a:t>
+            </a:r>
+          </a:p>
+          <a:p>
+            <a:pPr lvl="1"/>
+            <a:r>
+              <a:rPr lang="en-US" dirty="0" smtClean="0"/>
+              <a:t>logically attach or detach devices</a:t>
+            </a:r>
+          </a:p>
+          <a:p>
+            <a:pPr lvl="1"/>
+            <a:endParaRPr lang="en-US" dirty="0" smtClean="0"/>
+          </a:p>
+        </p:txBody>
+      </p:sp>
+      <p:sp>
+        <p:nvSpPr>
+          <p:cNvPr id="4" name="Номер слайда 2"/>
           <p:cNvSpPr>
             <a:spLocks noGrp="1"/>
           </p:cNvSpPr>
@@ -7959,7 +7756,7 @@
         </p:nvSpPr>
         <p:spPr>
           <a:xfrm>
-            <a:off x="10776031" y="6202813"/>
+            <a:off x="10776031" y="6190938"/>
             <a:ext cx="594673" cy="479419"/>
           </a:xfrm>
         </p:spPr>
@@ -8004,7 +7801,7 @@
       </p:grpSpPr>
       <p:sp>
         <p:nvSpPr>
-          <p:cNvPr id="25602" name="Rectangle 2"/>
+          <p:cNvPr id="24578" name="Rectangle 2"/>
           <p:cNvSpPr>
             <a:spLocks noGrp="1" noChangeArrowheads="1"/>
           </p:cNvSpPr>
@@ -8014,7 +7811,7 @@
         </p:nvSpPr>
         <p:spPr>
           <a:xfrm>
-            <a:off x="673100" y="198438"/>
+            <a:off x="715433" y="198438"/>
             <a:ext cx="10972800" cy="576262"/>
           </a:xfrm>
         </p:spPr>
@@ -8034,7 +7831,7 @@
       </p:sp>
       <p:sp>
         <p:nvSpPr>
-          <p:cNvPr id="25603" name="Rectangle 4"/>
+          <p:cNvPr id="24579" name="Rectangle 4"/>
           <p:cNvSpPr>
             <a:spLocks noGrp="1" noChangeArrowheads="1"/>
           </p:cNvSpPr>
@@ -8042,46 +7839,227 @@
             <p:ph type="body" idx="1"/>
           </p:nvPr>
         </p:nvSpPr>
-        <p:spPr/>
-        <p:txBody>
-          <a:bodyPr/>
-          <a:lstStyle/>
-          <a:p>
-            <a:r>
-              <a:rPr lang="en-US" smtClean="0"/>
-              <a:t>Protection</a:t>
-            </a:r>
-          </a:p>
-          <a:p>
-            <a:pPr lvl="1"/>
-            <a:r>
-              <a:rPr lang="en-US" smtClean="0"/>
-              <a:t>Control access to resources</a:t>
-            </a:r>
-          </a:p>
-          <a:p>
-            <a:pPr lvl="1"/>
-            <a:r>
-              <a:rPr lang="en-US" smtClean="0"/>
-              <a:t>Get and set permissions</a:t>
-            </a:r>
-          </a:p>
-          <a:p>
-            <a:pPr lvl="1"/>
-            <a:r>
-              <a:rPr lang="en-US" smtClean="0"/>
-              <a:t>Allow and deny user access</a:t>
-            </a:r>
-          </a:p>
-          <a:p>
-            <a:pPr lvl="1"/>
-            <a:endParaRPr lang="en-US" smtClean="0"/>
-          </a:p>
-        </p:txBody>
-      </p:sp>
-      <p:sp>
-        <p:nvSpPr>
-          <p:cNvPr id="4" name="Номер слайда 2"/>
+        <p:spPr>
+          <a:xfrm>
+            <a:off x="760024" y="997529"/>
+            <a:ext cx="10865922" cy="5801096"/>
+          </a:xfrm>
+        </p:spPr>
+        <p:txBody>
+          <a:bodyPr>
+            <a:normAutofit fontScale="92500" lnSpcReduction="20000"/>
+          </a:bodyPr>
+          <a:lstStyle/>
+          <a:p>
+            <a:pPr>
+              <a:lnSpc>
+                <a:spcPct val="100000"/>
+              </a:lnSpc>
+            </a:pPr>
+            <a:r>
+              <a:rPr lang="en-US" dirty="0" smtClean="0"/>
+              <a:t>Information maintenance</a:t>
+            </a:r>
+          </a:p>
+          <a:p>
+            <a:pPr lvl="1">
+              <a:lnSpc>
+                <a:spcPct val="100000"/>
+              </a:lnSpc>
+            </a:pPr>
+            <a:r>
+              <a:rPr lang="en-US" dirty="0" smtClean="0"/>
+              <a:t>get time or date, set time or date</a:t>
+            </a:r>
+          </a:p>
+          <a:p>
+            <a:pPr lvl="1">
+              <a:lnSpc>
+                <a:spcPct val="100000"/>
+              </a:lnSpc>
+            </a:pPr>
+            <a:r>
+              <a:rPr lang="en-US" dirty="0" smtClean="0"/>
+              <a:t>get system data, set system data</a:t>
+            </a:r>
+          </a:p>
+          <a:p>
+            <a:pPr lvl="1">
+              <a:lnSpc>
+                <a:spcPct val="100000"/>
+              </a:lnSpc>
+            </a:pPr>
+            <a:r>
+              <a:rPr lang="en-US" dirty="0" smtClean="0"/>
+              <a:t>get and set process, file, or device attributes</a:t>
+            </a:r>
+          </a:p>
+          <a:p>
+            <a:pPr>
+              <a:lnSpc>
+                <a:spcPct val="100000"/>
+              </a:lnSpc>
+            </a:pPr>
+            <a:r>
+              <a:rPr lang="en-US" dirty="0" smtClean="0"/>
+              <a:t>Communications</a:t>
+            </a:r>
+          </a:p>
+          <a:p>
+            <a:pPr lvl="1">
+              <a:lnSpc>
+                <a:spcPct val="100000"/>
+              </a:lnSpc>
+            </a:pPr>
+            <a:r>
+              <a:rPr lang="en-US" dirty="0" smtClean="0"/>
+              <a:t>create, delete communication connection</a:t>
+            </a:r>
+          </a:p>
+          <a:p>
+            <a:pPr lvl="1">
+              <a:lnSpc>
+                <a:spcPct val="100000"/>
+              </a:lnSpc>
+            </a:pPr>
+            <a:r>
+              <a:rPr lang="en-US" dirty="0" smtClean="0"/>
+              <a:t>send, receive messages if </a:t>
+            </a:r>
+            <a:r>
+              <a:rPr lang="en-US" b="1" dirty="0" smtClean="0">
+                <a:solidFill>
+                  <a:srgbClr val="F7B217"/>
+                </a:solidFill>
+              </a:rPr>
+              <a:t>message passing model </a:t>
+            </a:r>
+            <a:r>
+              <a:rPr lang="en-US" dirty="0" smtClean="0"/>
+              <a:t>to </a:t>
+            </a:r>
+            <a:r>
+              <a:rPr lang="en-US" b="1" dirty="0" smtClean="0">
+                <a:solidFill>
+                  <a:srgbClr val="F7B217"/>
+                </a:solidFill>
+              </a:rPr>
+              <a:t>host name</a:t>
+            </a:r>
+            <a:r>
+              <a:rPr lang="en-US" dirty="0" smtClean="0"/>
+              <a:t> or </a:t>
+            </a:r>
+            <a:r>
+              <a:rPr lang="en-US" b="1" dirty="0" smtClean="0">
+                <a:solidFill>
+                  <a:srgbClr val="F7B217"/>
+                </a:solidFill>
+              </a:rPr>
+              <a:t>process name</a:t>
+            </a:r>
+          </a:p>
+          <a:p>
+            <a:pPr lvl="2">
+              <a:lnSpc>
+                <a:spcPct val="100000"/>
+              </a:lnSpc>
+            </a:pPr>
+            <a:r>
+              <a:rPr lang="en-US" sz="3000" dirty="0" smtClean="0"/>
+              <a:t>From</a:t>
+            </a:r>
+            <a:r>
+              <a:rPr lang="en-US" sz="3000" b="1" dirty="0" smtClean="0">
+                <a:solidFill>
+                  <a:srgbClr val="3366FF"/>
+                </a:solidFill>
+              </a:rPr>
+              <a:t> </a:t>
+            </a:r>
+            <a:r>
+              <a:rPr lang="en-US" sz="3000" b="1" dirty="0" smtClean="0">
+                <a:solidFill>
+                  <a:srgbClr val="F7B217"/>
+                </a:solidFill>
+              </a:rPr>
+              <a:t>client</a:t>
+            </a:r>
+            <a:r>
+              <a:rPr lang="en-US" sz="3000" b="1" dirty="0" smtClean="0">
+                <a:solidFill>
+                  <a:srgbClr val="3366FF"/>
+                </a:solidFill>
+              </a:rPr>
+              <a:t> </a:t>
+            </a:r>
+            <a:r>
+              <a:rPr lang="en-US" sz="3000" dirty="0" smtClean="0"/>
+              <a:t>to</a:t>
+            </a:r>
+            <a:r>
+              <a:rPr lang="en-US" sz="3000" b="1" dirty="0" smtClean="0">
+                <a:solidFill>
+                  <a:srgbClr val="3366FF"/>
+                </a:solidFill>
+              </a:rPr>
+              <a:t> </a:t>
+            </a:r>
+            <a:r>
+              <a:rPr lang="en-US" sz="3000" b="1" dirty="0" smtClean="0">
+                <a:solidFill>
+                  <a:srgbClr val="F7B217"/>
+                </a:solidFill>
+              </a:rPr>
+              <a:t>server</a:t>
+            </a:r>
+          </a:p>
+          <a:p>
+            <a:pPr lvl="1">
+              <a:lnSpc>
+                <a:spcPct val="100000"/>
+              </a:lnSpc>
+            </a:pPr>
+            <a:r>
+              <a:rPr lang="en-US" b="1" dirty="0" smtClean="0">
+                <a:solidFill>
+                  <a:srgbClr val="F7B217"/>
+                </a:solidFill>
+              </a:rPr>
+              <a:t>Shared-memory model </a:t>
+            </a:r>
+            <a:r>
+              <a:rPr lang="en-US" dirty="0" smtClean="0"/>
+              <a:t>create and gain access to memory regions</a:t>
+            </a:r>
+          </a:p>
+          <a:p>
+            <a:pPr lvl="1">
+              <a:lnSpc>
+                <a:spcPct val="100000"/>
+              </a:lnSpc>
+            </a:pPr>
+            <a:r>
+              <a:rPr lang="en-US" dirty="0" smtClean="0"/>
+              <a:t>transfer status information</a:t>
+            </a:r>
+          </a:p>
+          <a:p>
+            <a:pPr lvl="1">
+              <a:lnSpc>
+                <a:spcPct val="100000"/>
+              </a:lnSpc>
+            </a:pPr>
+            <a:r>
+              <a:rPr lang="en-US" dirty="0" smtClean="0"/>
+              <a:t>attach and detach remote devices</a:t>
+            </a:r>
+          </a:p>
+        </p:txBody>
+      </p:sp>
+      <p:sp>
+        <p:nvSpPr>
+          <p:cNvPr id="4" name="Номер слайда 5"/>
           <p:cNvSpPr>
             <a:spLocks noGrp="1"/>
           </p:cNvSpPr>
@@ -8091,7 +8069,7 @@
         </p:nvSpPr>
         <p:spPr>
           <a:xfrm>
-            <a:off x="10776031" y="6190938"/>
+            <a:off x="10776031" y="6202813"/>
             <a:ext cx="594673" cy="479419"/>
           </a:xfrm>
         </p:spPr>
@@ -8136,9 +8114,9 @@
       </p:grpSpPr>
       <p:sp>
         <p:nvSpPr>
-          <p:cNvPr id="26626" name="Title 1"/>
-          <p:cNvSpPr>
-            <a:spLocks noGrp="1"/>
+          <p:cNvPr id="25602" name="Rectangle 2"/>
+          <p:cNvSpPr>
+            <a:spLocks noGrp="1" noChangeArrowheads="1"/>
           </p:cNvSpPr>
           <p:nvPr>
             <p:ph type="title"/>
@@ -8146,56 +8124,71 @@
         </p:nvSpPr>
         <p:spPr>
           <a:xfrm>
-            <a:off x="1572685" y="201363"/>
-            <a:ext cx="10198100" cy="576262"/>
+            <a:off x="673100" y="198438"/>
+            <a:ext cx="10972800" cy="576262"/>
           </a:xfrm>
         </p:spPr>
         <p:txBody>
           <a:bodyPr>
-            <a:normAutofit/>
+            <a:normAutofit fontScale="90000"/>
           </a:bodyPr>
           <a:lstStyle/>
           <a:p>
             <a:pPr eaLnBrk="1" hangingPunct="1"/>
             <a:r>
-              <a:rPr lang="en-US" sz="3200" dirty="0" smtClean="0"/>
-              <a:t>Examples of Windows and  Unix System Calls</a:t>
-            </a:r>
-          </a:p>
-        </p:txBody>
-      </p:sp>
-      <p:pic>
-        <p:nvPicPr>
-          <p:cNvPr id="26627" name="Picture 6" descr="OS8-p61"/>
-          <p:cNvPicPr>
-            <a:picLocks noChangeAspect="1" noChangeArrowheads="1"/>
-          </p:cNvPicPr>
-          <p:nvPr/>
-        </p:nvPicPr>
-        <p:blipFill>
-          <a:blip r:embed="rId3" cstate="print"/>
-          <a:srcRect/>
-          <a:stretch>
-            <a:fillRect/>
-          </a:stretch>
-        </p:blipFill>
-        <p:spPr bwMode="auto">
-          <a:xfrm>
-            <a:off x="2980946" y="1001443"/>
-            <a:ext cx="6501247" cy="5795833"/>
-          </a:xfrm>
-          <a:prstGeom prst="rect">
-            <a:avLst/>
-          </a:prstGeom>
-          <a:noFill/>
-          <a:ln w="9525">
-            <a:noFill/>
-            <a:miter lim="800000"/>
-            <a:headEnd/>
-            <a:tailEnd/>
-          </a:ln>
-        </p:spPr>
-      </p:pic>
+              <a:rPr lang="en-US" smtClean="0"/>
+              <a:t>Types of System Calls (Cont.)</a:t>
+            </a:r>
+          </a:p>
+        </p:txBody>
+      </p:sp>
+      <p:sp>
+        <p:nvSpPr>
+          <p:cNvPr id="25603" name="Rectangle 4"/>
+          <p:cNvSpPr>
+            <a:spLocks noGrp="1" noChangeArrowheads="1"/>
+          </p:cNvSpPr>
+          <p:nvPr>
+            <p:ph type="body" idx="1"/>
+          </p:nvPr>
+        </p:nvSpPr>
+        <p:spPr/>
+        <p:txBody>
+          <a:bodyPr/>
+          <a:lstStyle/>
+          <a:p>
+            <a:r>
+              <a:rPr lang="en-US" smtClean="0"/>
+              <a:t>Protection</a:t>
+            </a:r>
+          </a:p>
+          <a:p>
+            <a:pPr lvl="1"/>
+            <a:r>
+              <a:rPr lang="en-US" smtClean="0"/>
+              <a:t>Control access to resources</a:t>
+            </a:r>
+          </a:p>
+          <a:p>
+            <a:pPr lvl="1"/>
+            <a:r>
+              <a:rPr lang="en-US" smtClean="0"/>
+              <a:t>Get and set permissions</a:t>
+            </a:r>
+          </a:p>
+          <a:p>
+            <a:pPr lvl="1"/>
+            <a:r>
+              <a:rPr lang="en-US" smtClean="0"/>
+              <a:t>Allow and deny user access</a:t>
+            </a:r>
+          </a:p>
+          <a:p>
+            <a:pPr lvl="1"/>
+            <a:endParaRPr lang="en-US" smtClean="0"/>
+          </a:p>
+        </p:txBody>
+      </p:sp>
       <p:sp>
         <p:nvSpPr>
           <p:cNvPr id="4" name="Номер слайда 2"/>
@@ -8253,9 +8246,9 @@
       </p:grpSpPr>
       <p:sp>
         <p:nvSpPr>
-          <p:cNvPr id="27650" name="Rectangle 2"/>
-          <p:cNvSpPr>
-            <a:spLocks noGrp="1" noChangeArrowheads="1"/>
+          <p:cNvPr id="26626" name="Title 1"/>
+          <p:cNvSpPr>
+            <a:spLocks noGrp="1"/>
           </p:cNvSpPr>
           <p:nvPr>
             <p:ph type="title"/>
@@ -8263,64 +8256,29 @@
         </p:nvSpPr>
         <p:spPr>
           <a:xfrm>
-            <a:off x="609600" y="184151"/>
-            <a:ext cx="10972800" cy="576263"/>
+            <a:off x="1572685" y="201363"/>
+            <a:ext cx="10198100" cy="576262"/>
           </a:xfrm>
         </p:spPr>
         <p:txBody>
           <a:bodyPr>
-            <a:normAutofit fontScale="90000"/>
+            <a:normAutofit/>
           </a:bodyPr>
           <a:lstStyle/>
           <a:p>
             <a:pPr eaLnBrk="1" hangingPunct="1"/>
             <a:r>
-              <a:rPr lang="en-US" smtClean="0"/>
-              <a:t>Standard C Library Example</a:t>
-            </a:r>
-          </a:p>
-        </p:txBody>
-      </p:sp>
-      <p:sp>
-        <p:nvSpPr>
-          <p:cNvPr id="27651" name="Rectangle 3"/>
-          <p:cNvSpPr>
-            <a:spLocks noGrp="1" noChangeArrowheads="1"/>
-          </p:cNvSpPr>
-          <p:nvPr>
-            <p:ph type="body" idx="1"/>
-          </p:nvPr>
-        </p:nvSpPr>
-        <p:spPr>
-          <a:xfrm>
-            <a:off x="870093" y="1113787"/>
-            <a:ext cx="4046291" cy="5548269"/>
-          </a:xfrm>
-        </p:spPr>
-        <p:txBody>
-          <a:bodyPr/>
-          <a:lstStyle/>
-          <a:p>
-            <a:r>
-              <a:rPr lang="en-US" dirty="0" smtClean="0"/>
-              <a:t>C program invoking </a:t>
-            </a:r>
-            <a:r>
-              <a:rPr lang="en-US" dirty="0" err="1" smtClean="0"/>
-              <a:t>printf</a:t>
-            </a:r>
-            <a:r>
-              <a:rPr lang="en-US" dirty="0" smtClean="0"/>
-              <a:t>() library call, which calls write() system call</a:t>
+              <a:rPr lang="en-US" sz="3200" dirty="0" smtClean="0"/>
+              <a:t>Examples of Windows and  Unix System Calls</a:t>
             </a:r>
           </a:p>
         </p:txBody>
       </p:sp>
       <p:pic>
         <p:nvPicPr>
-          <p:cNvPr id="27652" name="Picture 1" descr="Screen Shot 2012-12-01 at 1.12.03 PM.png"/>
+          <p:cNvPr id="26627" name="Picture 6" descr="OS8-p61"/>
           <p:cNvPicPr>
-            <a:picLocks noChangeAspect="1"/>
+            <a:picLocks noChangeAspect="1" noChangeArrowheads="1"/>
           </p:cNvPicPr>
           <p:nvPr/>
         </p:nvPicPr>
@@ -8333,8 +8291,8 @@
         </p:blipFill>
         <p:spPr bwMode="auto">
           <a:xfrm>
-            <a:off x="5033076" y="1092591"/>
-            <a:ext cx="5582031" cy="5643372"/>
+            <a:off x="2980946" y="1001443"/>
+            <a:ext cx="6501247" cy="5795833"/>
           </a:xfrm>
           <a:prstGeom prst="rect">
             <a:avLst/>
@@ -8350,7 +8308,7 @@
       </p:pic>
       <p:sp>
         <p:nvSpPr>
-          <p:cNvPr id="5" name="Номер слайда 2"/>
+          <p:cNvPr id="4" name="Номер слайда 2"/>
           <p:cNvSpPr>
             <a:spLocks noGrp="1"/>
           </p:cNvSpPr>
@@ -8405,9 +8363,9 @@
       </p:grpSpPr>
       <p:sp>
         <p:nvSpPr>
-          <p:cNvPr id="28674" name="Title 1"/>
-          <p:cNvSpPr>
-            <a:spLocks noGrp="1"/>
+          <p:cNvPr id="27650" name="Rectangle 2"/>
+          <p:cNvSpPr>
+            <a:spLocks noGrp="1" noChangeArrowheads="1"/>
           </p:cNvSpPr>
           <p:nvPr>
             <p:ph type="title"/>
@@ -8415,8 +8373,8 @@
         </p:nvSpPr>
         <p:spPr>
           <a:xfrm>
-            <a:off x="609600" y="141288"/>
-            <a:ext cx="10972800" cy="576262"/>
+            <a:off x="609600" y="184151"/>
+            <a:ext cx="10972800" cy="576263"/>
           </a:xfrm>
         </p:spPr>
         <p:txBody>
@@ -8425,123 +8383,59 @@
           </a:bodyPr>
           <a:lstStyle/>
           <a:p>
+            <a:pPr eaLnBrk="1" hangingPunct="1"/>
             <a:r>
               <a:rPr lang="en-US" smtClean="0"/>
-              <a:t>Example: MS-DOS</a:t>
-            </a:r>
-          </a:p>
-        </p:txBody>
-      </p:sp>
-      <p:sp>
-        <p:nvSpPr>
-          <p:cNvPr id="28675" name="Content Placeholder 2"/>
-          <p:cNvSpPr>
-            <a:spLocks noGrp="1"/>
-          </p:cNvSpPr>
-          <p:nvPr>
-            <p:ph idx="1"/>
-          </p:nvPr>
-        </p:nvSpPr>
-        <p:spPr>
-          <a:xfrm>
-            <a:off x="783774" y="1104405"/>
-            <a:ext cx="5213265" cy="5498276"/>
-          </a:xfrm>
-        </p:spPr>
-        <p:txBody>
-          <a:bodyPr>
-            <a:normAutofit fontScale="85000" lnSpcReduction="10000"/>
-          </a:bodyPr>
-          <a:lstStyle/>
-          <a:p>
-            <a:pPr>
-              <a:lnSpc>
-                <a:spcPct val="100000"/>
-              </a:lnSpc>
-            </a:pPr>
-            <a:r>
-              <a:rPr lang="en-US" dirty="0" smtClean="0"/>
-              <a:t>Single-tasking</a:t>
-            </a:r>
-          </a:p>
-          <a:p>
-            <a:pPr>
-              <a:lnSpc>
-                <a:spcPct val="100000"/>
-              </a:lnSpc>
-            </a:pPr>
-            <a:r>
-              <a:rPr lang="en-US" dirty="0" smtClean="0"/>
-              <a:t>Shell invoked when system booted</a:t>
-            </a:r>
-          </a:p>
-          <a:p>
-            <a:pPr>
-              <a:lnSpc>
-                <a:spcPct val="100000"/>
-              </a:lnSpc>
-            </a:pPr>
-            <a:r>
-              <a:rPr lang="en-US" dirty="0" smtClean="0"/>
-              <a:t>Simple method to run program</a:t>
-            </a:r>
-          </a:p>
-          <a:p>
-            <a:pPr lvl="1">
-              <a:lnSpc>
-                <a:spcPct val="100000"/>
-              </a:lnSpc>
-            </a:pPr>
-            <a:r>
-              <a:rPr lang="en-US" dirty="0" smtClean="0"/>
-              <a:t>No process created</a:t>
-            </a:r>
-          </a:p>
-          <a:p>
-            <a:pPr>
-              <a:lnSpc>
-                <a:spcPct val="100000"/>
-              </a:lnSpc>
-            </a:pPr>
-            <a:r>
-              <a:rPr lang="en-US" dirty="0" smtClean="0"/>
-              <a:t>Single memory space</a:t>
-            </a:r>
-          </a:p>
-          <a:p>
-            <a:pPr>
-              <a:lnSpc>
-                <a:spcPct val="100000"/>
-              </a:lnSpc>
-            </a:pPr>
-            <a:r>
-              <a:rPr lang="en-US" dirty="0" smtClean="0"/>
-              <a:t>Loads program into memory, overwriting all but the kernel</a:t>
-            </a:r>
-          </a:p>
-          <a:p>
-            <a:pPr>
-              <a:lnSpc>
-                <a:spcPct val="100000"/>
-              </a:lnSpc>
-            </a:pPr>
-            <a:r>
-              <a:rPr lang="en-US" dirty="0" smtClean="0"/>
-              <a:t>Program exit -&gt; shell reloaded</a:t>
+              <a:t>Standard C Library Example</a:t>
+            </a:r>
+          </a:p>
+        </p:txBody>
+      </p:sp>
+      <p:sp>
+        <p:nvSpPr>
+          <p:cNvPr id="27651" name="Rectangle 3"/>
+          <p:cNvSpPr>
+            <a:spLocks noGrp="1" noChangeArrowheads="1"/>
+          </p:cNvSpPr>
+          <p:nvPr>
+            <p:ph type="body" idx="1"/>
+          </p:nvPr>
+        </p:nvSpPr>
+        <p:spPr>
+          <a:xfrm>
+            <a:off x="870093" y="1113787"/>
+            <a:ext cx="4046291" cy="5548269"/>
+          </a:xfrm>
+        </p:spPr>
+        <p:txBody>
+          <a:bodyPr/>
+          <a:lstStyle/>
+          <a:p>
+            <a:r>
+              <a:rPr lang="en-US" dirty="0" smtClean="0"/>
+              <a:t>C program invoking </a:t>
+            </a:r>
+            <a:r>
+              <a:rPr lang="en-US" dirty="0" err="1" smtClean="0"/>
+              <a:t>printf</a:t>
+            </a:r>
+            <a:r>
+              <a:rPr lang="en-US" dirty="0" smtClean="0"/>
+              <a:t>() library call, which calls write() system call</a:t>
             </a:r>
           </a:p>
         </p:txBody>
       </p:sp>
       <p:pic>
         <p:nvPicPr>
-          <p:cNvPr id="28676" name="Picture 9" descr="2"/>
+          <p:cNvPr id="27652" name="Picture 1" descr="Screen Shot 2012-12-01 at 1.12.03 PM.png"/>
           <p:cNvPicPr>
-            <a:picLocks noChangeAspect="1" noChangeArrowheads="1"/>
+            <a:picLocks noChangeAspect="1"/>
           </p:cNvPicPr>
           <p:nvPr/>
         </p:nvPicPr>
         <p:blipFill>
-          <a:blip r:embed="rId2" cstate="print"/>
+          <a:blip r:embed="rId3" cstate="print"/>
           <a:srcRect/>
           <a:stretch>
             <a:fillRect/>
@@ -8549,8 +8443,8 @@
         </p:blipFill>
         <p:spPr bwMode="auto">
           <a:xfrm>
-            <a:off x="6043550" y="1704976"/>
-            <a:ext cx="5503333" cy="3490913"/>
+            <a:off x="5033076" y="1092591"/>
+            <a:ext cx="5582031" cy="5643372"/>
           </a:xfrm>
           <a:prstGeom prst="rect">
             <a:avLst/>
@@ -8566,73 +8460,7 @@
       </p:pic>
       <p:sp>
         <p:nvSpPr>
-          <p:cNvPr id="28677" name="Rectangle 5"/>
-          <p:cNvSpPr>
-            <a:spLocks noChangeArrowheads="1"/>
-          </p:cNvSpPr>
-          <p:nvPr/>
-        </p:nvSpPr>
-        <p:spPr bwMode="auto">
-          <a:xfrm>
-            <a:off x="5863167" y="5307013"/>
-            <a:ext cx="6705600" cy="779462"/>
-          </a:xfrm>
-          <a:prstGeom prst="rect">
-            <a:avLst/>
-          </a:prstGeom>
-          <a:noFill/>
-          <a:ln w="9525">
-            <a:noFill/>
-            <a:miter lim="800000"/>
-            <a:headEnd/>
-            <a:tailEnd/>
-          </a:ln>
-        </p:spPr>
-        <p:txBody>
-          <a:bodyPr>
-            <a:spAutoFit/>
-          </a:bodyPr>
-          <a:lstStyle/>
-          <a:p>
-            <a:pPr>
-              <a:spcBef>
-                <a:spcPct val="50000"/>
-              </a:spcBef>
-              <a:buClr>
-                <a:srgbClr val="993300"/>
-              </a:buClr>
-              <a:buSzPct val="90000"/>
-              <a:buFont typeface="Monotype Sorts" pitchFamily="-84" charset="2"/>
-              <a:buNone/>
-            </a:pPr>
-            <a:r>
-              <a:rPr kumimoji="1" lang="en-US">
-                <a:latin typeface="Helvetica" pitchFamily="-84" charset="0"/>
-              </a:rPr>
-              <a:t>At system startup          running a program</a:t>
-            </a:r>
-          </a:p>
-          <a:p>
-            <a:pPr>
-              <a:spcBef>
-                <a:spcPct val="50000"/>
-              </a:spcBef>
-              <a:buClr>
-                <a:srgbClr val="993300"/>
-              </a:buClr>
-              <a:buSzPct val="90000"/>
-              <a:buFont typeface="Monotype Sorts" pitchFamily="-84" charset="2"/>
-              <a:buNone/>
-            </a:pPr>
-            <a:endParaRPr kumimoji="1" lang="en-US">
-              <a:latin typeface="Helvetica" pitchFamily="-84" charset="0"/>
-            </a:endParaRPr>
-          </a:p>
-        </p:txBody>
-      </p:sp>
-      <p:sp>
-        <p:nvSpPr>
-          <p:cNvPr id="6" name="Номер слайда 5"/>
+          <p:cNvPr id="5" name="Номер слайда 2"/>
           <p:cNvSpPr>
             <a:spLocks noGrp="1"/>
           </p:cNvSpPr>
@@ -8687,7 +8515,7 @@
       </p:grpSpPr>
       <p:sp>
         <p:nvSpPr>
-          <p:cNvPr id="29698" name="Title 1"/>
+          <p:cNvPr id="28674" name="Title 1"/>
           <p:cNvSpPr>
             <a:spLocks noGrp="1"/>
           </p:cNvSpPr>
@@ -8709,14 +8537,14 @@
           <a:p>
             <a:r>
               <a:rPr lang="en-US" smtClean="0"/>
-              <a:t>Example: FreeBSD</a:t>
-            </a:r>
-          </a:p>
-        </p:txBody>
-      </p:sp>
-      <p:sp>
-        <p:nvSpPr>
-          <p:cNvPr id="29699" name="Content Placeholder 2"/>
+              <a:t>Example: MS-DOS</a:t>
+            </a:r>
+          </a:p>
+        </p:txBody>
+      </p:sp>
+      <p:sp>
+        <p:nvSpPr>
+          <p:cNvPr id="28675" name="Content Placeholder 2"/>
           <p:cNvSpPr>
             <a:spLocks noGrp="1"/>
           </p:cNvSpPr>
@@ -8726,89 +8554,97 @@
         </p:nvSpPr>
         <p:spPr>
           <a:xfrm>
-            <a:off x="807521" y="1044576"/>
-            <a:ext cx="7398327" cy="5320598"/>
+            <a:off x="783774" y="1104405"/>
+            <a:ext cx="5213265" cy="5498276"/>
           </a:xfrm>
         </p:spPr>
         <p:txBody>
           <a:bodyPr>
-            <a:normAutofit fontScale="92500" lnSpcReduction="20000"/>
+            <a:normAutofit fontScale="85000" lnSpcReduction="10000"/>
           </a:bodyPr>
           <a:lstStyle/>
           <a:p>
-            <a:r>
-              <a:rPr lang="en-US" dirty="0" smtClean="0"/>
-              <a:t>Unix variant</a:t>
-            </a:r>
-          </a:p>
-          <a:p>
-            <a:r>
-              <a:rPr lang="en-US" dirty="0" smtClean="0"/>
-              <a:t>Multitasking</a:t>
-            </a:r>
-          </a:p>
-          <a:p>
-            <a:r>
-              <a:rPr lang="en-US" dirty="0" smtClean="0"/>
-              <a:t>User login -&gt; invoke user</a:t>
-            </a:r>
-            <a:r>
-              <a:rPr lang="ja-JP" altLang="en-US" dirty="0" smtClean="0"/>
-              <a:t>’</a:t>
-            </a:r>
-            <a:r>
-              <a:rPr lang="en-US" altLang="ja-JP" dirty="0" smtClean="0"/>
-              <a:t>s choice of shell</a:t>
-            </a:r>
-          </a:p>
-          <a:p>
-            <a:r>
-              <a:rPr lang="en-US" dirty="0" smtClean="0"/>
-              <a:t>Shell executes fork() system call to create process</a:t>
-            </a:r>
-          </a:p>
-          <a:p>
-            <a:pPr lvl="1"/>
-            <a:r>
-              <a:rPr lang="en-US" dirty="0" smtClean="0"/>
-              <a:t>Executes exec() to load program into process</a:t>
-            </a:r>
-          </a:p>
-          <a:p>
-            <a:pPr lvl="1"/>
-            <a:r>
-              <a:rPr lang="en-US" dirty="0" smtClean="0"/>
-              <a:t>Shell waits for process to terminate or continues with user commands</a:t>
-            </a:r>
-          </a:p>
-          <a:p>
-            <a:r>
-              <a:rPr lang="en-US" dirty="0" smtClean="0"/>
-              <a:t>Process exits with:</a:t>
-            </a:r>
-          </a:p>
-          <a:p>
-            <a:pPr lvl="1"/>
-            <a:r>
-              <a:rPr lang="en-US" dirty="0" smtClean="0"/>
-              <a:t> code = 0 – no error </a:t>
-            </a:r>
-          </a:p>
-          <a:p>
-            <a:pPr lvl="1"/>
-            <a:r>
-              <a:rPr lang="en-US" dirty="0" smtClean="0"/>
-              <a:t> code &gt; 0 – error code</a:t>
-            </a:r>
-          </a:p>
-          <a:p>
-            <a:endParaRPr lang="en-US" dirty="0" smtClean="0"/>
+            <a:pPr>
+              <a:lnSpc>
+                <a:spcPct val="100000"/>
+              </a:lnSpc>
+            </a:pPr>
+            <a:r>
+              <a:rPr lang="en-US" dirty="0" smtClean="0"/>
+              <a:t>Single-tasking</a:t>
+            </a:r>
+          </a:p>
+          <a:p>
+            <a:pPr>
+              <a:lnSpc>
+                <a:spcPct val="100000"/>
+              </a:lnSpc>
+            </a:pPr>
+            <a:r>
+              <a:rPr lang="en-US" dirty="0" smtClean="0"/>
+              <a:t>Shell invoked when system booted</a:t>
+            </a:r>
+          </a:p>
+          <a:p>
+            <a:pPr>
+              <a:lnSpc>
+                <a:spcPct val="100000"/>
+              </a:lnSpc>
+            </a:pPr>
+            <a:r>
+              <a:rPr lang="en-US" dirty="0" smtClean="0"/>
+              <a:t>Simple method to run program</a:t>
+            </a:r>
+          </a:p>
+          <a:p>
+            <a:pPr lvl="1">
+              <a:lnSpc>
+                <a:spcPct val="100000"/>
+              </a:lnSpc>
+            </a:pPr>
+            <a:r>
+              <a:rPr lang="en-US" dirty="0" smtClean="0"/>
+              <a:t>No process created</a:t>
+            </a:r>
+          </a:p>
+          <a:p>
+            <a:pPr>
+              <a:lnSpc>
+                <a:spcPct val="100000"/>
+              </a:lnSpc>
+            </a:pPr>
+            <a:r>
+              <a:rPr lang="en-US" dirty="0" smtClean="0"/>
+              <a:t>Single memory space</a:t>
+            </a:r>
+          </a:p>
+          <a:p>
+            <a:pPr>
+              <a:lnSpc>
+                <a:spcPct val="100000"/>
+              </a:lnSpc>
+            </a:pPr>
+            <a:r>
+              <a:rPr lang="en-US" dirty="0" smtClean="0"/>
+              <a:t>Loads program into memory, overwriting all but the kernel</a:t>
+            </a:r>
+          </a:p>
+          <a:p>
+            <a:pPr>
+              <a:lnSpc>
+                <a:spcPct val="100000"/>
+              </a:lnSpc>
+            </a:pPr>
+            <a:r>
+              <a:rPr lang="en-US" dirty="0" smtClean="0"/>
+              <a:t>Program exit -&gt; shell reloaded</a:t>
+            </a:r>
           </a:p>
         </p:txBody>
       </p:sp>
       <p:pic>
         <p:nvPicPr>
-          <p:cNvPr id="29700" name="Picture 3"/>
+          <p:cNvPr id="28676" name="Picture 9" descr="2"/>
           <p:cNvPicPr>
             <a:picLocks noChangeAspect="1" noChangeArrowheads="1"/>
           </p:cNvPicPr>
@@ -8816,24 +8652,22 @@
         </p:nvPicPr>
         <p:blipFill>
           <a:blip r:embed="rId2" cstate="print"/>
-          <a:srcRect l="31691" t="500" r="31691" b="500"/>
+          <a:srcRect/>
           <a:stretch>
             <a:fillRect/>
           </a:stretch>
         </p:blipFill>
         <p:spPr bwMode="auto">
           <a:xfrm>
-            <a:off x="8255108" y="1211139"/>
-            <a:ext cx="3073400" cy="4676775"/>
+            <a:off x="6043550" y="1704976"/>
+            <a:ext cx="5503333" cy="3490913"/>
           </a:xfrm>
           <a:prstGeom prst="rect">
             <a:avLst/>
           </a:prstGeom>
           <a:noFill/>
-          <a:ln w="38100" cmpd="dbl">
-            <a:solidFill>
-              <a:schemeClr val="bg1"/>
-            </a:solidFill>
+          <a:ln w="9525">
+            <a:noFill/>
             <a:miter lim="800000"/>
             <a:headEnd/>
             <a:tailEnd/>
@@ -8842,7 +8676,73 @@
       </p:pic>
       <p:sp>
         <p:nvSpPr>
-          <p:cNvPr id="5" name="Номер слайда 5"/>
+          <p:cNvPr id="28677" name="Rectangle 5"/>
+          <p:cNvSpPr>
+            <a:spLocks noChangeArrowheads="1"/>
+          </p:cNvSpPr>
+          <p:nvPr/>
+        </p:nvSpPr>
+        <p:spPr bwMode="auto">
+          <a:xfrm>
+            <a:off x="5863167" y="5307013"/>
+            <a:ext cx="6705600" cy="779462"/>
+          </a:xfrm>
+          <a:prstGeom prst="rect">
+            <a:avLst/>
+          </a:prstGeom>
+          <a:noFill/>
+          <a:ln w="9525">
+            <a:noFill/>
+            <a:miter lim="800000"/>
+            <a:headEnd/>
+            <a:tailEnd/>
+          </a:ln>
+        </p:spPr>
+        <p:txBody>
+          <a:bodyPr>
+            <a:spAutoFit/>
+          </a:bodyPr>
+          <a:lstStyle/>
+          <a:p>
+            <a:pPr>
+              <a:spcBef>
+                <a:spcPct val="50000"/>
+              </a:spcBef>
+              <a:buClr>
+                <a:srgbClr val="993300"/>
+              </a:buClr>
+              <a:buSzPct val="90000"/>
+              <a:buFont typeface="Monotype Sorts" pitchFamily="-84" charset="2"/>
+              <a:buNone/>
+            </a:pPr>
+            <a:r>
+              <a:rPr kumimoji="1" lang="en-US">
+                <a:latin typeface="Helvetica" pitchFamily="-84" charset="0"/>
+              </a:rPr>
+              <a:t>At system startup          running a program</a:t>
+            </a:r>
+          </a:p>
+          <a:p>
+            <a:pPr>
+              <a:spcBef>
+                <a:spcPct val="50000"/>
+              </a:spcBef>
+              <a:buClr>
+                <a:srgbClr val="993300"/>
+              </a:buClr>
+              <a:buSzPct val="90000"/>
+              <a:buFont typeface="Monotype Sorts" pitchFamily="-84" charset="2"/>
+              <a:buNone/>
+            </a:pPr>
+            <a:endParaRPr kumimoji="1" lang="en-US">
+              <a:latin typeface="Helvetica" pitchFamily="-84" charset="0"/>
+            </a:endParaRPr>
+          </a:p>
+        </p:txBody>
+      </p:sp>
+      <p:sp>
+        <p:nvSpPr>
+          <p:cNvPr id="6" name="Номер слайда 5"/>
           <p:cNvSpPr>
             <a:spLocks noGrp="1"/>
           </p:cNvSpPr>
@@ -9129,9 +9029,9 @@
       </p:grpSpPr>
       <p:sp>
         <p:nvSpPr>
-          <p:cNvPr id="30722" name="Rectangle 2"/>
-          <p:cNvSpPr>
-            <a:spLocks noGrp="1" noChangeArrowheads="1"/>
+          <p:cNvPr id="29698" name="Title 1"/>
+          <p:cNvSpPr>
+            <a:spLocks noGrp="1"/>
           </p:cNvSpPr>
           <p:nvPr>
             <p:ph type="title"/>
@@ -9139,8 +9039,8 @@
         </p:nvSpPr>
         <p:spPr>
           <a:xfrm>
-            <a:off x="609600" y="152401"/>
-            <a:ext cx="10972800" cy="576263"/>
+            <a:off x="609600" y="141288"/>
+            <a:ext cx="10972800" cy="576262"/>
           </a:xfrm>
         </p:spPr>
         <p:txBody>
@@ -9149,28 +9049,27 @@
           </a:bodyPr>
           <a:lstStyle/>
           <a:p>
-            <a:pPr eaLnBrk="1" hangingPunct="1"/>
             <a:r>
               <a:rPr lang="en-US" smtClean="0"/>
-              <a:t>System Programs</a:t>
-            </a:r>
-          </a:p>
-        </p:txBody>
-      </p:sp>
-      <p:sp>
-        <p:nvSpPr>
-          <p:cNvPr id="30723" name="Rectangle 3"/>
-          <p:cNvSpPr>
-            <a:spLocks noGrp="1" noChangeArrowheads="1"/>
-          </p:cNvSpPr>
-          <p:nvPr>
-            <p:ph type="body" idx="1"/>
-          </p:nvPr>
-        </p:nvSpPr>
-        <p:spPr>
-          <a:xfrm>
-            <a:off x="1174751" y="1122364"/>
-            <a:ext cx="9768416" cy="5254685"/>
+              <a:t>Example: FreeBSD</a:t>
+            </a:r>
+          </a:p>
+        </p:txBody>
+      </p:sp>
+      <p:sp>
+        <p:nvSpPr>
+          <p:cNvPr id="29699" name="Content Placeholder 2"/>
+          <p:cNvSpPr>
+            <a:spLocks noGrp="1"/>
+          </p:cNvSpPr>
+          <p:nvPr>
+            <p:ph idx="1"/>
+          </p:nvPr>
+        </p:nvSpPr>
+        <p:spPr>
+          <a:xfrm>
+            <a:off x="807521" y="1044576"/>
+            <a:ext cx="7398327" cy="5320598"/>
           </a:xfrm>
         </p:spPr>
         <p:txBody>
@@ -9181,62 +9080,19 @@
           <a:p>
             <a:r>
               <a:rPr lang="en-US" dirty="0" smtClean="0"/>
-              <a:t>System programs provide a convenient environment for program development and execution.  They can be divided into:</a:t>
-            </a:r>
-          </a:p>
-          <a:p>
-            <a:pPr lvl="1"/>
-            <a:r>
-              <a:rPr lang="en-US" dirty="0" smtClean="0"/>
-              <a:t>File manipulation </a:t>
-            </a:r>
-          </a:p>
-          <a:p>
-            <a:pPr lvl="1"/>
-            <a:r>
-              <a:rPr lang="en-US" dirty="0" smtClean="0"/>
-              <a:t>Status information sometimes stored in a File modification</a:t>
-            </a:r>
-          </a:p>
-          <a:p>
-            <a:pPr lvl="1"/>
-            <a:r>
-              <a:rPr lang="en-US" dirty="0" smtClean="0"/>
-              <a:t>Programming language support</a:t>
-            </a:r>
-          </a:p>
-          <a:p>
-            <a:pPr lvl="1"/>
-            <a:r>
-              <a:rPr lang="en-US" dirty="0" smtClean="0"/>
-              <a:t>Program loading and execution</a:t>
-            </a:r>
-          </a:p>
-          <a:p>
-            <a:pPr lvl="1"/>
-            <a:r>
-              <a:rPr lang="en-US" dirty="0" smtClean="0"/>
-              <a:t>Communications</a:t>
-            </a:r>
-          </a:p>
-          <a:p>
-            <a:pPr lvl="1"/>
-            <a:r>
-              <a:rPr lang="en-US" dirty="0" smtClean="0"/>
-              <a:t>Background services</a:t>
-            </a:r>
-          </a:p>
-          <a:p>
-            <a:pPr lvl="1"/>
-            <a:r>
-              <a:rPr lang="en-US" dirty="0" smtClean="0"/>
-              <a:t>Application programs</a:t>
-            </a:r>
-          </a:p>
-          <a:p>
-            <a:r>
-              <a:rPr lang="en-US" dirty="0" smtClean="0"/>
-              <a:t>Most users</a:t>
+              <a:t>Unix variant</a:t>
+            </a:r>
+          </a:p>
+          <a:p>
+            <a:r>
+              <a:rPr lang="en-US" dirty="0" smtClean="0"/>
+              <a:t>Multitasking</a:t>
+            </a:r>
+          </a:p>
+          <a:p>
+            <a:r>
+              <a:rPr lang="en-US" dirty="0" smtClean="0"/>
+              <a:t>User login -&gt; invoke user</a:t>
             </a:r>
             <a:r>
               <a:rPr lang="ja-JP" altLang="en-US" dirty="0" smtClean="0"/>
@@ -9244,15 +9100,91 @@
             </a:r>
             <a:r>
               <a:rPr lang="en-US" altLang="ja-JP" dirty="0" smtClean="0"/>
-              <a:t> view of the operation system is defined by system programs, not the actual system calls</a:t>
-            </a:r>
+              <a:t>s choice of shell</a:t>
+            </a:r>
+          </a:p>
+          <a:p>
+            <a:r>
+              <a:rPr lang="en-US" dirty="0" smtClean="0"/>
+              <a:t>Shell executes fork() system call to create process</a:t>
+            </a:r>
+          </a:p>
+          <a:p>
+            <a:pPr lvl="1"/>
+            <a:r>
+              <a:rPr lang="en-US" dirty="0" smtClean="0"/>
+              <a:t>Executes exec() to load program into process</a:t>
+            </a:r>
+          </a:p>
+          <a:p>
+            <a:pPr lvl="1"/>
+            <a:r>
+              <a:rPr lang="en-US" dirty="0" smtClean="0"/>
+              <a:t>Shell waits for process to terminate or continues with user commands</a:t>
+            </a:r>
+          </a:p>
+          <a:p>
+            <a:r>
+              <a:rPr lang="en-US" dirty="0" smtClean="0"/>
+              <a:t>Process exits with:</a:t>
+            </a:r>
+          </a:p>
+          <a:p>
+            <a:pPr lvl="1"/>
+            <a:r>
+              <a:rPr lang="en-US" dirty="0" smtClean="0"/>
+              <a:t> code = 0 – no error </a:t>
+            </a:r>
+          </a:p>
+          <a:p>
+            <a:pPr lvl="1"/>
+            <a:r>
+              <a:rPr lang="en-US" dirty="0" smtClean="0"/>
+              <a:t> code &gt; 0 – error code</a:t>
+            </a:r>
+          </a:p>
+          <a:p>
             <a:endParaRPr lang="en-US" dirty="0" smtClean="0"/>
           </a:p>
         </p:txBody>
       </p:sp>
-      <p:sp>
-        <p:nvSpPr>
-          <p:cNvPr id="4" name="Номер слайда 2"/>
+      <p:pic>
+        <p:nvPicPr>
+          <p:cNvPr id="29700" name="Picture 3"/>
+          <p:cNvPicPr>
+            <a:picLocks noChangeAspect="1" noChangeArrowheads="1"/>
+          </p:cNvPicPr>
+          <p:nvPr/>
+        </p:nvPicPr>
+        <p:blipFill>
+          <a:blip r:embed="rId2" cstate="print"/>
+          <a:srcRect l="31691" t="500" r="31691" b="500"/>
+          <a:stretch>
+            <a:fillRect/>
+          </a:stretch>
+        </p:blipFill>
+        <p:spPr bwMode="auto">
+          <a:xfrm>
+            <a:off x="8255108" y="1211139"/>
+            <a:ext cx="3073400" cy="4676775"/>
+          </a:xfrm>
+          <a:prstGeom prst="rect">
+            <a:avLst/>
+          </a:prstGeom>
+          <a:noFill/>
+          <a:ln w="38100" cmpd="dbl">
+            <a:solidFill>
+              <a:schemeClr val="bg1"/>
+            </a:solidFill>
+            <a:miter lim="800000"/>
+            <a:headEnd/>
+            <a:tailEnd/>
+          </a:ln>
+        </p:spPr>
+      </p:pic>
+      <p:sp>
+        <p:nvSpPr>
+          <p:cNvPr id="5" name="Номер слайда 5"/>
           <p:cNvSpPr>
             <a:spLocks noGrp="1"/>
           </p:cNvSpPr>
@@ -9307,7 +9239,7 @@
       </p:grpSpPr>
       <p:sp>
         <p:nvSpPr>
-          <p:cNvPr id="31746" name="Rectangle 2"/>
+          <p:cNvPr id="30722" name="Rectangle 2"/>
           <p:cNvSpPr>
             <a:spLocks noGrp="1" noChangeArrowheads="1"/>
           </p:cNvSpPr>
@@ -9317,8 +9249,8 @@
         </p:nvSpPr>
         <p:spPr>
           <a:xfrm>
-            <a:off x="609600" y="198438"/>
-            <a:ext cx="10972800" cy="576262"/>
+            <a:off x="609600" y="152401"/>
+            <a:ext cx="10972800" cy="576263"/>
           </a:xfrm>
         </p:spPr>
         <p:txBody>
@@ -9337,7 +9269,7 @@
       </p:sp>
       <p:sp>
         <p:nvSpPr>
-          <p:cNvPr id="31747" name="Rectangle 3"/>
+          <p:cNvPr id="30723" name="Rectangle 3"/>
           <p:cNvSpPr>
             <a:spLocks noGrp="1" noChangeArrowheads="1"/>
           </p:cNvSpPr>
@@ -9347,144 +9279,83 @@
         </p:nvSpPr>
         <p:spPr>
           <a:xfrm>
-            <a:off x="1075267" y="1092201"/>
-            <a:ext cx="9812867" cy="5546105"/>
-          </a:xfrm>
-          <a:noFill/>
+            <a:off x="1174751" y="1122364"/>
+            <a:ext cx="9768416" cy="5254685"/>
+          </a:xfrm>
         </p:spPr>
         <p:txBody>
           <a:bodyPr>
-            <a:normAutofit fontScale="85000" lnSpcReduction="20000"/>
+            <a:normAutofit fontScale="92500" lnSpcReduction="20000"/>
           </a:bodyPr>
           <a:lstStyle/>
           <a:p>
-            <a:pPr>
-              <a:lnSpc>
-                <a:spcPct val="90000"/>
-              </a:lnSpc>
-            </a:pPr>
-            <a:r>
-              <a:rPr lang="en-US" dirty="0" smtClean="0"/>
-              <a:t>Provide a convenient environment for program development and execution</a:t>
-            </a:r>
-          </a:p>
-          <a:p>
-            <a:pPr lvl="1">
-              <a:lnSpc>
-                <a:spcPct val="90000"/>
-              </a:lnSpc>
-            </a:pPr>
-            <a:r>
-              <a:rPr lang="en-US" dirty="0" smtClean="0"/>
-              <a:t>Some of them are simply user interfaces to system calls; others are considerably more complex</a:t>
-            </a:r>
-          </a:p>
-          <a:p>
-            <a:pPr lvl="1">
-              <a:lnSpc>
-                <a:spcPct val="90000"/>
-              </a:lnSpc>
-            </a:pPr>
-            <a:endParaRPr lang="en-US" sz="800" dirty="0" smtClean="0"/>
-          </a:p>
-          <a:p>
-            <a:pPr>
-              <a:lnSpc>
-                <a:spcPct val="90000"/>
-              </a:lnSpc>
-            </a:pPr>
-            <a:r>
-              <a:rPr lang="en-US" b="1" dirty="0" smtClean="0"/>
-              <a:t>File management </a:t>
-            </a:r>
-            <a:r>
-              <a:rPr lang="en-US" dirty="0" smtClean="0"/>
-              <a:t>- Create, delete, copy, rename, print, dump, list, and generally manipulate files and directories</a:t>
-            </a:r>
-          </a:p>
-          <a:p>
-            <a:pPr>
-              <a:lnSpc>
-                <a:spcPct val="90000"/>
-              </a:lnSpc>
-            </a:pPr>
-            <a:endParaRPr lang="en-US" sz="800" dirty="0" smtClean="0"/>
-          </a:p>
-          <a:p>
-            <a:pPr>
-              <a:lnSpc>
-                <a:spcPct val="90000"/>
-              </a:lnSpc>
-            </a:pPr>
-            <a:r>
-              <a:rPr lang="en-US" b="1" dirty="0" smtClean="0"/>
-              <a:t>Status information</a:t>
-            </a:r>
-          </a:p>
-          <a:p>
-            <a:pPr lvl="1">
-              <a:lnSpc>
-                <a:spcPct val="90000"/>
-              </a:lnSpc>
-            </a:pPr>
-            <a:r>
-              <a:rPr lang="en-US" dirty="0" smtClean="0"/>
-              <a:t>Some ask the system for info - date, time, amount of available memory, disk space, number of users</a:t>
-            </a:r>
-          </a:p>
-          <a:p>
-            <a:pPr lvl="1">
-              <a:lnSpc>
-                <a:spcPct val="90000"/>
-              </a:lnSpc>
-            </a:pPr>
-            <a:r>
-              <a:rPr lang="en-US" dirty="0" smtClean="0"/>
-              <a:t>Others provide detailed performance, logging, and debugging information</a:t>
-            </a:r>
-          </a:p>
-          <a:p>
-            <a:pPr lvl="1">
-              <a:lnSpc>
-                <a:spcPct val="90000"/>
-              </a:lnSpc>
-            </a:pPr>
-            <a:r>
-              <a:rPr lang="en-US" dirty="0" smtClean="0"/>
-              <a:t>Typically, these programs format and print the output to the terminal or other output devices</a:t>
-            </a:r>
-          </a:p>
-          <a:p>
-            <a:pPr lvl="1">
-              <a:lnSpc>
-                <a:spcPct val="90000"/>
-              </a:lnSpc>
-            </a:pPr>
-            <a:r>
-              <a:rPr lang="en-US" dirty="0" smtClean="0"/>
-              <a:t>Some systems implement  a </a:t>
-            </a:r>
-            <a:r>
-              <a:rPr lang="en-US" b="1" dirty="0" smtClean="0">
-                <a:solidFill>
-                  <a:srgbClr val="3366FF"/>
-                </a:solidFill>
-              </a:rPr>
-              <a:t>registry</a:t>
-            </a:r>
-            <a:r>
-              <a:rPr lang="en-US" dirty="0" smtClean="0"/>
-              <a:t> - used to store and retrieve configuration information</a:t>
-            </a:r>
-          </a:p>
-          <a:p>
-            <a:pPr>
-              <a:lnSpc>
-                <a:spcPct val="90000"/>
-              </a:lnSpc>
-              <a:buFont typeface="Monotype Sorts" pitchFamily="-84" charset="2"/>
-              <a:buNone/>
-            </a:pPr>
+            <a:r>
+              <a:rPr lang="en-US" dirty="0" smtClean="0"/>
+              <a:t>System programs provide a convenient environment for program development and execution.  They can be divided into:</a:t>
+            </a:r>
+          </a:p>
+          <a:p>
+            <a:pPr lvl="1"/>
+            <a:r>
+              <a:rPr lang="en-US" dirty="0" smtClean="0"/>
+              <a:t>File manipulation </a:t>
+            </a:r>
+          </a:p>
+          <a:p>
+            <a:pPr lvl="1"/>
+            <a:r>
+              <a:rPr lang="en-US" dirty="0" smtClean="0"/>
+              <a:t>Status information sometimes stored in a File modification</a:t>
+            </a:r>
+          </a:p>
+          <a:p>
+            <a:pPr lvl="1"/>
+            <a:r>
+              <a:rPr lang="en-US" dirty="0" smtClean="0"/>
+              <a:t>Programming language support</a:t>
+            </a:r>
+          </a:p>
+          <a:p>
+            <a:pPr lvl="1"/>
+            <a:r>
+              <a:rPr lang="en-US" dirty="0" smtClean="0"/>
+              <a:t>Program loading and execution</a:t>
+            </a:r>
+          </a:p>
+          <a:p>
+            <a:pPr lvl="1"/>
+            <a:r>
+              <a:rPr lang="en-US" dirty="0" smtClean="0"/>
+              <a:t>Communications</a:t>
+            </a:r>
+          </a:p>
+          <a:p>
+            <a:pPr lvl="1"/>
+            <a:r>
+              <a:rPr lang="en-US" dirty="0" smtClean="0"/>
+              <a:t>Background services</a:t>
+            </a:r>
+          </a:p>
+          <a:p>
+            <a:pPr lvl="1"/>
+            <a:r>
+              <a:rPr lang="en-US" dirty="0" smtClean="0"/>
+              <a:t>Application programs</a:t>
+            </a:r>
+          </a:p>
+          <a:p>
+            <a:r>
+              <a:rPr lang="en-US" dirty="0" smtClean="0"/>
+              <a:t>Most users</a:t>
+            </a:r>
+            <a:r>
+              <a:rPr lang="ja-JP" altLang="en-US" dirty="0" smtClean="0"/>
+              <a:t>’</a:t>
+            </a:r>
+            <a:r>
+              <a:rPr lang="en-US" altLang="ja-JP" dirty="0" smtClean="0"/>
+              <a:t> view of the operation system is defined by system programs, not the actual system calls</a:t>
+            </a:r>
             <a:endParaRPr lang="en-US" dirty="0" smtClean="0"/>
           </a:p>
         </p:txBody>
@@ -9501,7 +9372,7 @@
         </p:nvSpPr>
         <p:spPr>
           <a:xfrm>
-            <a:off x="10776031" y="6202813"/>
+            <a:off x="10776031" y="6190938"/>
             <a:ext cx="594673" cy="479419"/>
           </a:xfrm>
         </p:spPr>
@@ -9546,7 +9417,7 @@
       </p:grpSpPr>
       <p:sp>
         <p:nvSpPr>
-          <p:cNvPr id="32770" name="Rectangle 2"/>
+          <p:cNvPr id="31746" name="Rectangle 2"/>
           <p:cNvSpPr>
             <a:spLocks noGrp="1" noChangeArrowheads="1"/>
           </p:cNvSpPr>
@@ -9556,8 +9427,8 @@
         </p:nvSpPr>
         <p:spPr>
           <a:xfrm>
-            <a:off x="1358901" y="198438"/>
-            <a:ext cx="10223500" cy="576262"/>
+            <a:off x="609600" y="198438"/>
+            <a:ext cx="10972800" cy="576262"/>
           </a:xfrm>
         </p:spPr>
         <p:txBody>
@@ -9569,14 +9440,14 @@
             <a:pPr eaLnBrk="1" hangingPunct="1"/>
             <a:r>
               <a:rPr lang="en-US" smtClean="0"/>
-              <a:t>System Programs (Cont.)</a:t>
-            </a:r>
-          </a:p>
-        </p:txBody>
-      </p:sp>
-      <p:sp>
-        <p:nvSpPr>
-          <p:cNvPr id="32771" name="Rectangle 3"/>
+              <a:t>System Programs</a:t>
+            </a:r>
+          </a:p>
+        </p:txBody>
+      </p:sp>
+      <p:sp>
+        <p:nvSpPr>
+          <p:cNvPr id="31747" name="Rectangle 3"/>
           <p:cNvSpPr>
             <a:spLocks noGrp="1" noChangeArrowheads="1"/>
           </p:cNvSpPr>
@@ -9586,128 +9457,143 @@
         </p:nvSpPr>
         <p:spPr>
           <a:xfrm>
-            <a:off x="1138767" y="1122362"/>
-            <a:ext cx="9518651" cy="5735638"/>
-          </a:xfrm>
+            <a:off x="1075267" y="1092201"/>
+            <a:ext cx="9812867" cy="5546105"/>
+          </a:xfrm>
+          <a:noFill/>
         </p:spPr>
         <p:txBody>
           <a:bodyPr>
-            <a:normAutofit fontScale="70000" lnSpcReduction="20000"/>
+            <a:normAutofit fontScale="85000" lnSpcReduction="20000"/>
           </a:bodyPr>
           <a:lstStyle/>
-          <a:p>
-            <a:pPr>
-              <a:lnSpc>
-                <a:spcPct val="110000"/>
-              </a:lnSpc>
-            </a:pPr>
-            <a:r>
-              <a:rPr lang="en-US" b="1" dirty="0" smtClean="0"/>
-              <a:t>File modification</a:t>
-            </a:r>
-          </a:p>
-          <a:p>
-            <a:pPr lvl="1">
-              <a:lnSpc>
-                <a:spcPct val="110000"/>
-              </a:lnSpc>
-            </a:pPr>
-            <a:r>
-              <a:rPr lang="en-US" dirty="0" smtClean="0"/>
-              <a:t>Text editors to create and modify files</a:t>
-            </a:r>
-          </a:p>
-          <a:p>
-            <a:pPr lvl="1">
-              <a:lnSpc>
-                <a:spcPct val="110000"/>
-              </a:lnSpc>
-            </a:pPr>
-            <a:r>
-              <a:rPr lang="en-US" dirty="0" smtClean="0"/>
-              <a:t>Special commands to search contents of files or perform transformations of the text</a:t>
-            </a:r>
-            <a:endParaRPr lang="en-US" sz="800" dirty="0" smtClean="0"/>
-          </a:p>
-          <a:p>
-            <a:pPr>
-              <a:lnSpc>
-                <a:spcPct val="110000"/>
-              </a:lnSpc>
-            </a:pPr>
-            <a:r>
-              <a:rPr lang="en-US" b="1" dirty="0" smtClean="0"/>
-              <a:t>Programming-language support </a:t>
-            </a:r>
-            <a:r>
-              <a:rPr lang="en-US" dirty="0" smtClean="0"/>
-              <a:t>- Compilers, assemblers, debuggers and interpreters sometimes provided</a:t>
-            </a:r>
-            <a:endParaRPr lang="en-US" sz="800" dirty="0" smtClean="0"/>
-          </a:p>
-          <a:p>
-            <a:pPr>
-              <a:lnSpc>
-                <a:spcPct val="110000"/>
-              </a:lnSpc>
-            </a:pPr>
-            <a:r>
-              <a:rPr lang="en-US" b="1" dirty="0" smtClean="0"/>
-              <a:t>Program loading and execution</a:t>
-            </a:r>
-            <a:r>
-              <a:rPr lang="en-US" dirty="0" smtClean="0"/>
-              <a:t>- Absolute loaders, </a:t>
-            </a:r>
-            <a:r>
-              <a:rPr lang="en-US" dirty="0" err="1" smtClean="0"/>
-              <a:t>relocatable</a:t>
-            </a:r>
-            <a:r>
-              <a:rPr lang="en-US" dirty="0" smtClean="0"/>
-              <a:t> loaders, linkage editors, and overlay-loaders, debugging systems for higher-level and machine language</a:t>
-            </a:r>
-            <a:endParaRPr lang="en-US" sz="800" dirty="0" smtClean="0"/>
-          </a:p>
-          <a:p>
-            <a:pPr>
-              <a:lnSpc>
-                <a:spcPct val="110000"/>
-              </a:lnSpc>
-            </a:pPr>
-            <a:r>
-              <a:rPr lang="en-US" b="1" dirty="0" smtClean="0"/>
-              <a:t>Communications</a:t>
-            </a:r>
-            <a:r>
-              <a:rPr lang="en-US" dirty="0" smtClean="0"/>
-              <a:t> - Provide the mechanism for creating virtual connections among processes, users, and computer systems</a:t>
-            </a:r>
-          </a:p>
-          <a:p>
-            <a:pPr lvl="1">
-              <a:lnSpc>
-                <a:spcPct val="110000"/>
-              </a:lnSpc>
-            </a:pPr>
-            <a:r>
-              <a:rPr lang="en-US" dirty="0" smtClean="0"/>
-              <a:t>Allow users to send messages to one another</a:t>
-            </a:r>
-            <a:r>
-              <a:rPr lang="ja-JP" altLang="en-US" dirty="0" smtClean="0"/>
-              <a:t>’</a:t>
-            </a:r>
-            <a:r>
-              <a:rPr lang="en-US" altLang="ja-JP" dirty="0" smtClean="0"/>
-              <a:t>s screens, browse web pages, send electronic-mail messages, log in remotely, transfer files from one machine to another</a:t>
-            </a:r>
-          </a:p>
           <a:p>
             <a:pPr>
               <a:lnSpc>
                 <a:spcPct val="90000"/>
               </a:lnSpc>
+            </a:pPr>
+            <a:r>
+              <a:rPr lang="en-US" dirty="0" smtClean="0"/>
+              <a:t>Provide a convenient environment for program development and execution</a:t>
+            </a:r>
+          </a:p>
+          <a:p>
+            <a:pPr lvl="1">
+              <a:lnSpc>
+                <a:spcPct val="90000"/>
+              </a:lnSpc>
+            </a:pPr>
+            <a:r>
+              <a:rPr lang="en-US" dirty="0" smtClean="0"/>
+              <a:t>Some of them are simply user interfaces to system calls; others are considerably more complex</a:t>
+            </a:r>
+          </a:p>
+          <a:p>
+            <a:pPr lvl="1">
+              <a:lnSpc>
+                <a:spcPct val="90000"/>
+              </a:lnSpc>
+            </a:pPr>
+            <a:endParaRPr lang="en-US" sz="800" dirty="0" smtClean="0"/>
+          </a:p>
+          <a:p>
+            <a:pPr>
+              <a:lnSpc>
+                <a:spcPct val="90000"/>
+              </a:lnSpc>
+            </a:pPr>
+            <a:r>
+              <a:rPr lang="en-US" b="1" dirty="0" smtClean="0"/>
+              <a:t>File management </a:t>
+            </a:r>
+            <a:r>
+              <a:rPr lang="en-US" dirty="0" smtClean="0"/>
+              <a:t>- Create, delete, copy, rename, print, dump, list, and generally manipulate files and directories</a:t>
+            </a:r>
+          </a:p>
+          <a:p>
+            <a:pPr>
+              <a:lnSpc>
+                <a:spcPct val="90000"/>
+              </a:lnSpc>
+            </a:pPr>
+            <a:endParaRPr lang="en-US" sz="800" dirty="0" smtClean="0"/>
+          </a:p>
+          <a:p>
+            <a:pPr>
+              <a:lnSpc>
+                <a:spcPct val="90000"/>
+              </a:lnSpc>
+            </a:pPr>
+            <a:r>
+              <a:rPr lang="en-US" b="1" dirty="0" smtClean="0"/>
+              <a:t>Status information</a:t>
+            </a:r>
+          </a:p>
+          <a:p>
+            <a:pPr lvl="1">
+              <a:lnSpc>
+                <a:spcPct val="90000"/>
+              </a:lnSpc>
+            </a:pPr>
+            <a:r>
+              <a:rPr lang="en-US" dirty="0" smtClean="0"/>
+              <a:t>Some ask the system for info - date, time, amount of available memory, disk space, number of users</a:t>
+            </a:r>
+          </a:p>
+          <a:p>
+            <a:pPr lvl="1">
+              <a:lnSpc>
+                <a:spcPct val="90000"/>
+              </a:lnSpc>
+            </a:pPr>
+            <a:r>
+              <a:rPr lang="en-US" dirty="0" smtClean="0"/>
+              <a:t>Others provide detailed performance, logging, and debugging information</a:t>
+            </a:r>
+          </a:p>
+          <a:p>
+            <a:pPr lvl="1">
+              <a:lnSpc>
+                <a:spcPct val="90000"/>
+              </a:lnSpc>
+            </a:pPr>
+            <a:r>
+              <a:rPr lang="en-US" dirty="0" smtClean="0"/>
+              <a:t>Typically, these programs format and print the output to the terminal or other output devices</a:t>
+            </a:r>
+          </a:p>
+          <a:p>
+            <a:pPr lvl="1">
+              <a:lnSpc>
+                <a:spcPct val="90000"/>
+              </a:lnSpc>
+            </a:pPr>
+            <a:r>
+              <a:rPr lang="en-US" dirty="0" smtClean="0"/>
+              <a:t>Some systems implement  a </a:t>
+            </a:r>
+            <a:r>
+              <a:rPr lang="en-US" b="1" dirty="0" smtClean="0">
+                <a:solidFill>
+                  <a:srgbClr val="3366FF"/>
+                </a:solidFill>
+              </a:rPr>
+              <a:t>registry</a:t>
+            </a:r>
+            <a:r>
+              <a:rPr lang="en-US" dirty="0" smtClean="0"/>
+              <a:t> - used to store and retrieve configuration information</a:t>
+            </a:r>
+          </a:p>
+          <a:p>
+            <a:pPr>
+              <a:lnSpc>
+                <a:spcPct val="90000"/>
+              </a:lnSpc>
+              <a:buFont typeface="Monotype Sorts" pitchFamily="-84" charset="2"/>
+              <a:buNone/>
             </a:pPr>
             <a:endParaRPr lang="en-US" dirty="0" smtClean="0"/>
           </a:p>
@@ -9770,7 +9656,7 @@
       </p:grpSpPr>
       <p:sp>
         <p:nvSpPr>
-          <p:cNvPr id="33794" name="Rectangle 2"/>
+          <p:cNvPr id="32770" name="Rectangle 2"/>
           <p:cNvSpPr>
             <a:spLocks noGrp="1" noChangeArrowheads="1"/>
           </p:cNvSpPr>
@@ -9800,7 +9686,7 @@
       </p:sp>
       <p:sp>
         <p:nvSpPr>
-          <p:cNvPr id="33795" name="Rectangle 3"/>
+          <p:cNvPr id="32771" name="Rectangle 3"/>
           <p:cNvSpPr>
             <a:spLocks noGrp="1" noChangeArrowheads="1"/>
           </p:cNvSpPr>
@@ -9810,201 +9696,130 @@
         </p:nvSpPr>
         <p:spPr>
           <a:xfrm>
-            <a:off x="1075267" y="1108075"/>
-            <a:ext cx="10234084" cy="5187950"/>
+            <a:off x="1138767" y="1122362"/>
+            <a:ext cx="9518651" cy="5735638"/>
           </a:xfrm>
         </p:spPr>
         <p:txBody>
           <a:bodyPr>
-            <a:normAutofit fontScale="92500" lnSpcReduction="20000"/>
+            <a:normAutofit fontScale="70000" lnSpcReduction="20000"/>
           </a:bodyPr>
           <a:lstStyle/>
+          <a:p>
+            <a:pPr>
+              <a:lnSpc>
+                <a:spcPct val="110000"/>
+              </a:lnSpc>
+            </a:pPr>
+            <a:r>
+              <a:rPr lang="en-US" b="1" dirty="0" smtClean="0"/>
+              <a:t>File modification</a:t>
+            </a:r>
+          </a:p>
+          <a:p>
+            <a:pPr lvl="1">
+              <a:lnSpc>
+                <a:spcPct val="110000"/>
+              </a:lnSpc>
+            </a:pPr>
+            <a:r>
+              <a:rPr lang="en-US" dirty="0" smtClean="0"/>
+              <a:t>Text editors to create and modify files</a:t>
+            </a:r>
+          </a:p>
+          <a:p>
+            <a:pPr lvl="1">
+              <a:lnSpc>
+                <a:spcPct val="110000"/>
+              </a:lnSpc>
+            </a:pPr>
+            <a:r>
+              <a:rPr lang="en-US" dirty="0" smtClean="0"/>
+              <a:t>Special commands to search contents of files or perform transformations of the text</a:t>
+            </a:r>
+            <a:endParaRPr lang="en-US" sz="800" dirty="0" smtClean="0"/>
+          </a:p>
+          <a:p>
+            <a:pPr>
+              <a:lnSpc>
+                <a:spcPct val="110000"/>
+              </a:lnSpc>
+            </a:pPr>
+            <a:r>
+              <a:rPr lang="en-US" b="1" dirty="0" smtClean="0"/>
+              <a:t>Programming-language support </a:t>
+            </a:r>
+            <a:r>
+              <a:rPr lang="en-US" dirty="0" smtClean="0"/>
+              <a:t>- Compilers, assemblers, debuggers and interpreters sometimes provided</a:t>
+            </a:r>
+            <a:endParaRPr lang="en-US" sz="800" dirty="0" smtClean="0"/>
+          </a:p>
+          <a:p>
+            <a:pPr>
+              <a:lnSpc>
+                <a:spcPct val="110000"/>
+              </a:lnSpc>
+            </a:pPr>
+            <a:r>
+              <a:rPr lang="en-US" b="1" dirty="0" smtClean="0"/>
+              <a:t>Program loading and execution</a:t>
+            </a:r>
+            <a:r>
+              <a:rPr lang="en-US" dirty="0" smtClean="0"/>
+              <a:t>- Absolute loaders, </a:t>
+            </a:r>
+            <a:r>
+              <a:rPr lang="en-US" dirty="0" err="1" smtClean="0"/>
+              <a:t>relocatable</a:t>
+            </a:r>
+            <a:r>
+              <a:rPr lang="en-US" dirty="0" smtClean="0"/>
+              <a:t> loaders, linkage editors, and overlay-loaders, debugging systems for higher-level and machine language</a:t>
+            </a:r>
+            <a:endParaRPr lang="en-US" sz="800" dirty="0" smtClean="0"/>
+          </a:p>
+          <a:p>
+            <a:pPr>
+              <a:lnSpc>
+                <a:spcPct val="110000"/>
+              </a:lnSpc>
+            </a:pPr>
+            <a:r>
+              <a:rPr lang="en-US" b="1" dirty="0" smtClean="0"/>
+              <a:t>Communications</a:t>
+            </a:r>
+            <a:r>
+              <a:rPr lang="en-US" dirty="0" smtClean="0"/>
+              <a:t> - Provide the mechanism for creating virtual connections among processes, users, and computer systems</a:t>
+            </a:r>
+          </a:p>
+          <a:p>
+            <a:pPr lvl="1">
+              <a:lnSpc>
+                <a:spcPct val="110000"/>
+              </a:lnSpc>
+            </a:pPr>
+            <a:r>
+              <a:rPr lang="en-US" dirty="0" smtClean="0"/>
+              <a:t>Allow users to send messages to one another</a:t>
+            </a:r>
+            <a:r>
+              <a:rPr lang="ja-JP" altLang="en-US" dirty="0" smtClean="0"/>
+              <a:t>’</a:t>
+            </a:r>
+            <a:r>
+              <a:rPr lang="en-US" altLang="ja-JP" dirty="0" smtClean="0"/>
+              <a:t>s screens, browse web pages, send electronic-mail messages, log in remotely, transfer files from one machine to another</a:t>
+            </a:r>
+          </a:p>
           <a:p>
             <a:pPr>
               <a:lnSpc>
                 <a:spcPct val="90000"/>
               </a:lnSpc>
             </a:pPr>
-            <a:r>
-              <a:rPr lang="en-US" b="1" smtClean="0"/>
-              <a:t>Background Services</a:t>
-            </a:r>
-          </a:p>
-          <a:p>
-            <a:pPr lvl="1">
-              <a:lnSpc>
-                <a:spcPct val="90000"/>
-              </a:lnSpc>
-            </a:pPr>
-            <a:r>
-              <a:rPr lang="en-US" smtClean="0"/>
-              <a:t>Launch at boot time</a:t>
-            </a:r>
-          </a:p>
-          <a:p>
-            <a:pPr lvl="2">
-              <a:lnSpc>
-                <a:spcPct val="90000"/>
-              </a:lnSpc>
-            </a:pPr>
-            <a:r>
-              <a:rPr lang="en-US" smtClean="0"/>
-              <a:t>Some for system startup, then terminate</a:t>
-            </a:r>
-          </a:p>
-          <a:p>
-            <a:pPr lvl="2">
-              <a:lnSpc>
-                <a:spcPct val="90000"/>
-              </a:lnSpc>
-            </a:pPr>
-            <a:r>
-              <a:rPr lang="en-US" smtClean="0"/>
-              <a:t>Some from system boot to shutdown</a:t>
-            </a:r>
-          </a:p>
-          <a:p>
-            <a:pPr lvl="1">
-              <a:lnSpc>
-                <a:spcPct val="90000"/>
-              </a:lnSpc>
-            </a:pPr>
-            <a:r>
-              <a:rPr lang="en-US" smtClean="0"/>
-              <a:t>Provide facilities like disk checking, process scheduling, error logging, printing</a:t>
-            </a:r>
-          </a:p>
-          <a:p>
-            <a:pPr lvl="1">
-              <a:lnSpc>
-                <a:spcPct val="90000"/>
-              </a:lnSpc>
-            </a:pPr>
-            <a:r>
-              <a:rPr lang="en-US" smtClean="0"/>
-              <a:t>Run in user context not kernel context</a:t>
-            </a:r>
-          </a:p>
-          <a:p>
-            <a:pPr lvl="1">
-              <a:lnSpc>
-                <a:spcPct val="90000"/>
-              </a:lnSpc>
-            </a:pPr>
-            <a:r>
-              <a:rPr lang="en-US" smtClean="0"/>
-              <a:t>Known as </a:t>
-            </a:r>
-            <a:r>
-              <a:rPr lang="en-US" b="1" smtClean="0">
-                <a:solidFill>
-                  <a:srgbClr val="3366FF"/>
-                </a:solidFill>
-              </a:rPr>
-              <a:t>services</a:t>
-            </a:r>
-            <a:r>
-              <a:rPr lang="en-US" smtClean="0"/>
-              <a:t>, </a:t>
-            </a:r>
-            <a:r>
-              <a:rPr lang="en-US" b="1" smtClean="0">
-                <a:solidFill>
-                  <a:srgbClr val="3366FF"/>
-                </a:solidFill>
-              </a:rPr>
-              <a:t>subsystems</a:t>
-            </a:r>
-            <a:r>
-              <a:rPr lang="en-US" smtClean="0"/>
-              <a:t>, </a:t>
-            </a:r>
-            <a:r>
-              <a:rPr lang="en-US" b="1" smtClean="0">
-                <a:solidFill>
-                  <a:srgbClr val="3366FF"/>
-                </a:solidFill>
-              </a:rPr>
-              <a:t>daemons</a:t>
-            </a:r>
-            <a:r>
-              <a:rPr lang="en-US" smtClean="0"/>
-              <a:t> </a:t>
-            </a:r>
-            <a:endParaRPr lang="en-US" b="1" smtClean="0"/>
-          </a:p>
-          <a:p>
-            <a:pPr lvl="1">
-              <a:lnSpc>
-                <a:spcPct val="90000"/>
-              </a:lnSpc>
-              <a:buFont typeface="Monotype Sorts" pitchFamily="-84" charset="2"/>
-              <a:buNone/>
-            </a:pPr>
-            <a:endParaRPr lang="en-US" sz="800" smtClean="0"/>
-          </a:p>
-          <a:p>
-            <a:pPr>
-              <a:lnSpc>
-                <a:spcPct val="90000"/>
-              </a:lnSpc>
-            </a:pPr>
-            <a:r>
-              <a:rPr lang="en-US" b="1" smtClean="0"/>
-              <a:t>Application programs</a:t>
-            </a:r>
-          </a:p>
-          <a:p>
-            <a:pPr lvl="1">
-              <a:lnSpc>
-                <a:spcPct val="90000"/>
-              </a:lnSpc>
-            </a:pPr>
-            <a:r>
-              <a:rPr lang="en-US" smtClean="0"/>
-              <a:t>Don</a:t>
-            </a:r>
-            <a:r>
-              <a:rPr lang="en-US" altLang="en-US" smtClean="0"/>
-              <a:t>’</a:t>
-            </a:r>
-            <a:r>
-              <a:rPr lang="en-US" smtClean="0"/>
-              <a:t>t pertain to system</a:t>
-            </a:r>
-          </a:p>
-          <a:p>
-            <a:pPr lvl="1">
-              <a:lnSpc>
-                <a:spcPct val="90000"/>
-              </a:lnSpc>
-            </a:pPr>
-            <a:r>
-              <a:rPr lang="en-US" smtClean="0"/>
-              <a:t>Run by users</a:t>
-            </a:r>
-          </a:p>
-          <a:p>
-            <a:pPr lvl="1">
-              <a:lnSpc>
-                <a:spcPct val="90000"/>
-              </a:lnSpc>
-            </a:pPr>
-            <a:r>
-              <a:rPr lang="en-US" smtClean="0"/>
-              <a:t>Not typically considered part of OS</a:t>
-            </a:r>
-          </a:p>
-          <a:p>
-            <a:pPr lvl="1">
-              <a:lnSpc>
-                <a:spcPct val="90000"/>
-              </a:lnSpc>
-            </a:pPr>
-            <a:r>
-              <a:rPr lang="en-US" smtClean="0"/>
-              <a:t>Launched by command line, mouse click, finger poke</a:t>
-            </a:r>
+            <a:endParaRPr lang="en-US" dirty="0" smtClean="0"/>
           </a:p>
         </p:txBody>
       </p:sp>
@@ -10020,7 +9835,7 @@
         </p:nvSpPr>
         <p:spPr>
           <a:xfrm>
-            <a:off x="10776031" y="6190938"/>
+            <a:off x="10776031" y="6202813"/>
             <a:ext cx="594673" cy="479419"/>
           </a:xfrm>
         </p:spPr>
@@ -10065,7 +9880,7 @@
       </p:grpSpPr>
       <p:sp>
         <p:nvSpPr>
-          <p:cNvPr id="34818" name="Rectangle 1026"/>
+          <p:cNvPr id="33794" name="Rectangle 2"/>
           <p:cNvSpPr>
             <a:spLocks noGrp="1" noChangeArrowheads="1"/>
           </p:cNvSpPr>
@@ -10075,135 +9890,230 @@
         </p:nvSpPr>
         <p:spPr>
           <a:xfrm>
-            <a:off x="1439334" y="65088"/>
-            <a:ext cx="10282767" cy="576262"/>
+            <a:off x="1358901" y="198438"/>
+            <a:ext cx="10223500" cy="576262"/>
           </a:xfrm>
         </p:spPr>
         <p:txBody>
           <a:bodyPr>
-            <a:normAutofit/>
+            <a:normAutofit fontScale="90000"/>
           </a:bodyPr>
           <a:lstStyle/>
           <a:p>
             <a:pPr eaLnBrk="1" hangingPunct="1"/>
             <a:r>
-              <a:rPr lang="en-US" sz="3200" dirty="0" smtClean="0"/>
-              <a:t>Operating System Design and Implementation</a:t>
-            </a:r>
-          </a:p>
-        </p:txBody>
-      </p:sp>
-      <p:sp>
-        <p:nvSpPr>
-          <p:cNvPr id="34819" name="Rectangle 1027"/>
+              <a:rPr lang="en-US" smtClean="0"/>
+              <a:t>System Programs (Cont.)</a:t>
+            </a:r>
+          </a:p>
+        </p:txBody>
+      </p:sp>
+      <p:sp>
+        <p:nvSpPr>
+          <p:cNvPr id="33795" name="Rectangle 3"/>
           <p:cNvSpPr>
             <a:spLocks noGrp="1" noChangeArrowheads="1"/>
           </p:cNvSpPr>
           <p:nvPr>
-            <p:ph idx="1"/>
-          </p:nvPr>
-        </p:nvSpPr>
-        <p:spPr>
-          <a:xfrm>
-            <a:off x="819397" y="1108076"/>
-            <a:ext cx="10474037" cy="5494605"/>
+            <p:ph type="body" idx="1"/>
+          </p:nvPr>
+        </p:nvSpPr>
+        <p:spPr>
+          <a:xfrm>
+            <a:off x="1075267" y="1108075"/>
+            <a:ext cx="10234084" cy="5187950"/>
           </a:xfrm>
         </p:spPr>
         <p:txBody>
           <a:bodyPr>
-            <a:normAutofit fontScale="85000" lnSpcReduction="20000"/>
+            <a:normAutofit fontScale="92500" lnSpcReduction="20000"/>
           </a:bodyPr>
           <a:lstStyle/>
           <a:p>
-            <a:r>
-              <a:rPr lang="en-US" dirty="0" smtClean="0"/>
-              <a:t>Design and Implementation of OS not </a:t>
-            </a:r>
-            <a:r>
-              <a:rPr lang="ja-JP" altLang="en-US" dirty="0" smtClean="0"/>
-              <a:t>“</a:t>
-            </a:r>
-            <a:r>
-              <a:rPr lang="en-US" altLang="ja-JP" dirty="0" smtClean="0"/>
-              <a:t>solvable</a:t>
-            </a:r>
-            <a:r>
-              <a:rPr lang="ja-JP" altLang="en-US" dirty="0" smtClean="0"/>
-              <a:t>”</a:t>
-            </a:r>
-            <a:r>
-              <a:rPr lang="en-US" altLang="ja-JP" dirty="0" smtClean="0"/>
-              <a:t>, but some approaches have proven successful</a:t>
-            </a:r>
-          </a:p>
-          <a:p>
-            <a:endParaRPr lang="en-US" sz="800" dirty="0" smtClean="0"/>
-          </a:p>
-          <a:p>
-            <a:r>
-              <a:rPr lang="en-US" dirty="0" smtClean="0"/>
-              <a:t>Internal structure of different Operating Systems  can vary widely</a:t>
-            </a:r>
-          </a:p>
-          <a:p>
-            <a:endParaRPr lang="en-US" sz="800" dirty="0" smtClean="0"/>
-          </a:p>
-          <a:p>
-            <a:r>
-              <a:rPr lang="en-US" dirty="0" smtClean="0"/>
-              <a:t>Start the design by defining goals and specifications </a:t>
-            </a:r>
-          </a:p>
-          <a:p>
-            <a:endParaRPr lang="en-US" sz="800" dirty="0" smtClean="0"/>
-          </a:p>
-          <a:p>
-            <a:r>
-              <a:rPr lang="en-US" dirty="0" smtClean="0"/>
-              <a:t>Affected by choice of hardware, type of system</a:t>
-            </a:r>
-          </a:p>
-          <a:p>
-            <a:endParaRPr lang="en-US" sz="800" dirty="0" smtClean="0"/>
-          </a:p>
-          <a:p>
-            <a:r>
-              <a:rPr lang="en-US" b="1" dirty="0" smtClean="0">
+            <a:pPr>
+              <a:lnSpc>
+                <a:spcPct val="90000"/>
+              </a:lnSpc>
+            </a:pPr>
+            <a:r>
+              <a:rPr lang="en-US" b="1" smtClean="0"/>
+              <a:t>Background Services</a:t>
+            </a:r>
+          </a:p>
+          <a:p>
+            <a:pPr lvl="1">
+              <a:lnSpc>
+                <a:spcPct val="90000"/>
+              </a:lnSpc>
+            </a:pPr>
+            <a:r>
+              <a:rPr lang="en-US" smtClean="0"/>
+              <a:t>Launch at boot time</a:t>
+            </a:r>
+          </a:p>
+          <a:p>
+            <a:pPr lvl="2">
+              <a:lnSpc>
+                <a:spcPct val="90000"/>
+              </a:lnSpc>
+            </a:pPr>
+            <a:r>
+              <a:rPr lang="en-US" smtClean="0"/>
+              <a:t>Some for system startup, then terminate</a:t>
+            </a:r>
+          </a:p>
+          <a:p>
+            <a:pPr lvl="2">
+              <a:lnSpc>
+                <a:spcPct val="90000"/>
+              </a:lnSpc>
+            </a:pPr>
+            <a:r>
+              <a:rPr lang="en-US" smtClean="0"/>
+              <a:t>Some from system boot to shutdown</a:t>
+            </a:r>
+          </a:p>
+          <a:p>
+            <a:pPr lvl="1">
+              <a:lnSpc>
+                <a:spcPct val="90000"/>
+              </a:lnSpc>
+            </a:pPr>
+            <a:r>
+              <a:rPr lang="en-US" smtClean="0"/>
+              <a:t>Provide facilities like disk checking, process scheduling, error logging, printing</a:t>
+            </a:r>
+          </a:p>
+          <a:p>
+            <a:pPr lvl="1">
+              <a:lnSpc>
+                <a:spcPct val="90000"/>
+              </a:lnSpc>
+            </a:pPr>
+            <a:r>
+              <a:rPr lang="en-US" smtClean="0"/>
+              <a:t>Run in user context not kernel context</a:t>
+            </a:r>
+          </a:p>
+          <a:p>
+            <a:pPr lvl="1">
+              <a:lnSpc>
+                <a:spcPct val="90000"/>
+              </a:lnSpc>
+            </a:pPr>
+            <a:r>
+              <a:rPr lang="en-US" smtClean="0"/>
+              <a:t>Known as </a:t>
+            </a:r>
+            <a:r>
+              <a:rPr lang="en-US" b="1" smtClean="0">
                 <a:solidFill>
                   <a:srgbClr val="3366FF"/>
                 </a:solidFill>
               </a:rPr>
-              <a:t>User </a:t>
-            </a:r>
-            <a:r>
-              <a:rPr lang="en-US" dirty="0" smtClean="0"/>
-              <a:t>goals and </a:t>
-            </a:r>
-            <a:r>
-              <a:rPr lang="en-US" b="1" dirty="0" smtClean="0">
+              <a:t>services</a:t>
+            </a:r>
+            <a:r>
+              <a:rPr lang="en-US" smtClean="0"/>
+              <a:t>, </a:t>
+            </a:r>
+            <a:r>
+              <a:rPr lang="en-US" b="1" smtClean="0">
                 <a:solidFill>
                   <a:srgbClr val="3366FF"/>
                 </a:solidFill>
               </a:rPr>
-              <a:t>System </a:t>
-            </a:r>
-            <a:r>
-              <a:rPr lang="en-US" dirty="0" smtClean="0"/>
-              <a:t>goals</a:t>
-            </a:r>
-          </a:p>
-          <a:p>
-            <a:pPr lvl="1"/>
-            <a:r>
-              <a:rPr lang="en-US" dirty="0" smtClean="0"/>
-              <a:t>User goals – operating system should be convenient to use, easy to learn, reliable, safe, and fast</a:t>
-            </a:r>
-          </a:p>
-          <a:p>
-            <a:pPr lvl="1"/>
-            <a:r>
-              <a:rPr lang="en-US" dirty="0" smtClean="0"/>
-              <a:t>System goals – operating system should be easy to design, implement, and maintain, as well as flexible, reliable, error-free, and efficient</a:t>
+              <a:t>subsystems</a:t>
+            </a:r>
+            <a:r>
+              <a:rPr lang="en-US" smtClean="0"/>
+              <a:t>, </a:t>
+            </a:r>
+            <a:r>
+              <a:rPr lang="en-US" b="1" smtClean="0">
+                <a:solidFill>
+                  <a:srgbClr val="3366FF"/>
+                </a:solidFill>
+              </a:rPr>
+              <a:t>daemons</a:t>
+            </a:r>
+            <a:r>
+              <a:rPr lang="en-US" smtClean="0"/>
+              <a:t> </a:t>
+            </a:r>
+            <a:endParaRPr lang="en-US" b="1" smtClean="0"/>
+          </a:p>
+          <a:p>
+            <a:pPr lvl="1">
+              <a:lnSpc>
+                <a:spcPct val="90000"/>
+              </a:lnSpc>
+              <a:buFont typeface="Monotype Sorts" pitchFamily="-84" charset="2"/>
+              <a:buNone/>
+            </a:pPr>
+            <a:endParaRPr lang="en-US" sz="800" smtClean="0"/>
+          </a:p>
+          <a:p>
+            <a:pPr>
+              <a:lnSpc>
+                <a:spcPct val="90000"/>
+              </a:lnSpc>
+            </a:pPr>
+            <a:r>
+              <a:rPr lang="en-US" b="1" smtClean="0"/>
+              <a:t>Application programs</a:t>
+            </a:r>
+          </a:p>
+          <a:p>
+            <a:pPr lvl="1">
+              <a:lnSpc>
+                <a:spcPct val="90000"/>
+              </a:lnSpc>
+            </a:pPr>
+            <a:r>
+              <a:rPr lang="en-US" smtClean="0"/>
+              <a:t>Don</a:t>
+            </a:r>
+            <a:r>
+              <a:rPr lang="en-US" altLang="en-US" smtClean="0"/>
+              <a:t>’</a:t>
+            </a:r>
+            <a:r>
+              <a:rPr lang="en-US" smtClean="0"/>
+              <a:t>t pertain to system</a:t>
+            </a:r>
+          </a:p>
+          <a:p>
+            <a:pPr lvl="1">
+              <a:lnSpc>
+                <a:spcPct val="90000"/>
+              </a:lnSpc>
+            </a:pPr>
+            <a:r>
+              <a:rPr lang="en-US" smtClean="0"/>
+              <a:t>Run by users</a:t>
+            </a:r>
+          </a:p>
+          <a:p>
+            <a:pPr lvl="1">
+              <a:lnSpc>
+                <a:spcPct val="90000"/>
+              </a:lnSpc>
+            </a:pPr>
+            <a:r>
+              <a:rPr lang="en-US" smtClean="0"/>
+              <a:t>Not typically considered part of OS</a:t>
+            </a:r>
+          </a:p>
+          <a:p>
+            <a:pPr lvl="1">
+              <a:lnSpc>
+                <a:spcPct val="90000"/>
+              </a:lnSpc>
+            </a:pPr>
+            <a:r>
+              <a:rPr lang="en-US" smtClean="0"/>
+              <a:t>Launched by command line, mouse click, finger poke</a:t>
             </a:r>
           </a:p>
         </p:txBody>
@@ -10265,7 +10175,7 @@
       </p:grpSpPr>
       <p:sp>
         <p:nvSpPr>
-          <p:cNvPr id="35842" name="Rectangle 2"/>
+          <p:cNvPr id="34818" name="Rectangle 1026"/>
           <p:cNvSpPr>
             <a:spLocks noGrp="1" noChangeArrowheads="1"/>
           </p:cNvSpPr>
@@ -10275,145 +10185,136 @@
         </p:nvSpPr>
         <p:spPr>
           <a:xfrm>
-            <a:off x="1426633" y="106363"/>
-            <a:ext cx="10972800" cy="576262"/>
-          </a:xfrm>
-        </p:spPr>
-        <p:txBody>
-          <a:bodyPr/>
+            <a:off x="1439334" y="65088"/>
+            <a:ext cx="10282767" cy="576262"/>
+          </a:xfrm>
+        </p:spPr>
+        <p:txBody>
+          <a:bodyPr>
+            <a:normAutofit/>
+          </a:bodyPr>
           <a:lstStyle/>
           <a:p>
             <a:pPr eaLnBrk="1" hangingPunct="1"/>
             <a:r>
-              <a:rPr lang="en-US" sz="2400" smtClean="0"/>
-              <a:t>Operating System Design and Implementation (Cont.)</a:t>
-            </a:r>
-          </a:p>
-        </p:txBody>
-      </p:sp>
-      <p:sp>
-        <p:nvSpPr>
-          <p:cNvPr id="35843" name="Rectangle 3"/>
+              <a:rPr lang="en-US" sz="3200" dirty="0" smtClean="0"/>
+              <a:t>Operating System Design and Implementation</a:t>
+            </a:r>
+          </a:p>
+        </p:txBody>
+      </p:sp>
+      <p:sp>
+        <p:nvSpPr>
+          <p:cNvPr id="34819" name="Rectangle 1027"/>
           <p:cNvSpPr>
             <a:spLocks noGrp="1" noChangeArrowheads="1"/>
           </p:cNvSpPr>
           <p:nvPr>
-            <p:ph type="body" idx="1"/>
-          </p:nvPr>
-        </p:nvSpPr>
-        <p:spPr>
-          <a:xfrm>
-            <a:off x="855024" y="1076326"/>
-            <a:ext cx="10438410" cy="5478853"/>
+            <p:ph idx="1"/>
+          </p:nvPr>
+        </p:nvSpPr>
+        <p:spPr>
+          <a:xfrm>
+            <a:off x="819397" y="1108076"/>
+            <a:ext cx="10474037" cy="5494605"/>
           </a:xfrm>
         </p:spPr>
         <p:txBody>
           <a:bodyPr>
-            <a:normAutofit lnSpcReduction="10000"/>
+            <a:normAutofit fontScale="85000" lnSpcReduction="20000"/>
           </a:bodyPr>
           <a:lstStyle/>
           <a:p>
             <a:r>
               <a:rPr lang="en-US" dirty="0" smtClean="0"/>
-              <a:t>Important principle to separate</a:t>
-            </a:r>
-          </a:p>
-          <a:p>
-            <a:pPr>
-              <a:buFont typeface="Monotype Sorts" pitchFamily="-84" charset="2"/>
-              <a:buNone/>
-            </a:pPr>
-            <a:r>
-              <a:rPr lang="en-US" b="1" dirty="0" smtClean="0"/>
-              <a:t>	</a:t>
-            </a:r>
+              <a:t>Design and Implementation of OS not </a:t>
+            </a:r>
+            <a:r>
+              <a:rPr lang="ja-JP" altLang="en-US" dirty="0" smtClean="0"/>
+              <a:t>“</a:t>
+            </a:r>
+            <a:r>
+              <a:rPr lang="en-US" altLang="ja-JP" dirty="0" smtClean="0"/>
+              <a:t>solvable</a:t>
+            </a:r>
+            <a:r>
+              <a:rPr lang="ja-JP" altLang="en-US" dirty="0" smtClean="0"/>
+              <a:t>”</a:t>
+            </a:r>
+            <a:r>
+              <a:rPr lang="en-US" altLang="ja-JP" dirty="0" smtClean="0"/>
+              <a:t>, but some approaches have proven successful</a:t>
+            </a:r>
+          </a:p>
+          <a:p>
+            <a:endParaRPr lang="en-US" sz="800" dirty="0" smtClean="0"/>
+          </a:p>
+          <a:p>
+            <a:r>
+              <a:rPr lang="en-US" dirty="0" smtClean="0"/>
+              <a:t>Internal structure of different Operating Systems  can vary widely</a:t>
+            </a:r>
+          </a:p>
+          <a:p>
+            <a:endParaRPr lang="en-US" sz="800" dirty="0" smtClean="0"/>
+          </a:p>
+          <a:p>
+            <a:r>
+              <a:rPr lang="en-US" dirty="0" smtClean="0"/>
+              <a:t>Start the design by defining goals and specifications </a:t>
+            </a:r>
+          </a:p>
+          <a:p>
+            <a:endParaRPr lang="en-US" sz="800" dirty="0" smtClean="0"/>
+          </a:p>
+          <a:p>
+            <a:r>
+              <a:rPr lang="en-US" dirty="0" smtClean="0"/>
+              <a:t>Affected by choice of hardware, type of system</a:t>
+            </a:r>
+          </a:p>
+          <a:p>
+            <a:endParaRPr lang="en-US" sz="800" dirty="0" smtClean="0"/>
+          </a:p>
+          <a:p>
             <a:r>
               <a:rPr lang="en-US" b="1" dirty="0" smtClean="0">
                 <a:solidFill>
                   <a:srgbClr val="3366FF"/>
                 </a:solidFill>
               </a:rPr>
-              <a:t>Policy</a:t>
-            </a:r>
-            <a:r>
-              <a:rPr lang="en-US" b="1" dirty="0" smtClean="0"/>
-              <a:t>:   </a:t>
-            </a:r>
-            <a:r>
-              <a:rPr lang="en-US" b="1" i="1" dirty="0" smtClean="0"/>
-              <a:t>What</a:t>
-            </a:r>
-            <a:r>
-              <a:rPr lang="en-US" dirty="0" smtClean="0"/>
-              <a:t> will be done?</a:t>
-            </a:r>
-            <a:r>
-              <a:rPr lang="en-US" b="1" dirty="0" smtClean="0"/>
-              <a:t> </a:t>
-            </a:r>
-            <a:br>
-              <a:rPr lang="en-US" b="1" dirty="0" smtClean="0"/>
-            </a:br>
+              <a:t>User </a:t>
+            </a:r>
+            <a:r>
+              <a:rPr lang="en-US" dirty="0" smtClean="0"/>
+              <a:t>goals and </a:t>
+            </a:r>
             <a:r>
               <a:rPr lang="en-US" b="1" dirty="0" smtClean="0">
                 <a:solidFill>
                   <a:srgbClr val="3366FF"/>
                 </a:solidFill>
               </a:rPr>
-              <a:t>Mechanism</a:t>
-            </a:r>
-            <a:r>
-              <a:rPr lang="en-US" b="1" dirty="0" smtClean="0"/>
-              <a:t>:  </a:t>
-            </a:r>
-            <a:r>
-              <a:rPr lang="en-US" b="1" i="1" dirty="0" smtClean="0"/>
-              <a:t>How</a:t>
-            </a:r>
-            <a:r>
-              <a:rPr lang="en-US" dirty="0" smtClean="0"/>
-              <a:t> to do it?</a:t>
-            </a:r>
-          </a:p>
-          <a:p>
-            <a:r>
-              <a:rPr lang="en-US" dirty="0" smtClean="0"/>
-              <a:t>Mechanisms determine how to do something, policies decide what will be done</a:t>
-            </a:r>
-          </a:p>
-          <a:p>
-            <a:r>
-              <a:rPr lang="en-US" dirty="0" smtClean="0"/>
-              <a:t>The separation of policy from mechanism is a very important principle, it allows maximum flexibility if policy decisions are to be changed later (example – timer)</a:t>
-            </a:r>
-          </a:p>
-          <a:p>
-            <a:r>
-              <a:rPr lang="en-US" dirty="0" smtClean="0"/>
-              <a:t>Specifying and designing an OS is highly creative task of </a:t>
-            </a:r>
-            <a:r>
-              <a:rPr lang="en-US" b="1" dirty="0" smtClean="0">
-                <a:solidFill>
-                  <a:srgbClr val="3366FF"/>
-                </a:solidFill>
-              </a:rPr>
-              <a:t>software engineering</a:t>
-            </a:r>
-          </a:p>
-          <a:p>
-            <a:pPr>
-              <a:buFont typeface="Monotype Sorts" pitchFamily="-84" charset="2"/>
-              <a:buNone/>
-            </a:pPr>
-            <a:endParaRPr lang="en-US" dirty="0" smtClean="0"/>
-          </a:p>
-          <a:p>
-            <a:pPr>
-              <a:buFont typeface="Monotype Sorts" pitchFamily="-84" charset="2"/>
-              <a:buNone/>
-            </a:pPr>
-            <a:endParaRPr lang="en-US" dirty="0" smtClean="0"/>
+              <a:t>System </a:t>
+            </a:r>
+            <a:r>
+              <a:rPr lang="en-US" dirty="0" smtClean="0"/>
+              <a:t>goals</a:t>
+            </a:r>
+          </a:p>
+          <a:p>
+            <a:pPr lvl="1"/>
+            <a:r>
+              <a:rPr lang="en-US" dirty="0" smtClean="0"/>
+              <a:t>User goals – operating system should be convenient to use, easy to learn, reliable, safe, and fast</a:t>
+            </a:r>
+          </a:p>
+          <a:p>
+            <a:pPr lvl="1"/>
+            <a:r>
+              <a:rPr lang="en-US" dirty="0" smtClean="0"/>
+              <a:t>System goals – operating system should be easy to design, implement, and maintain, as well as flexible, reliable, error-free, and efficient</a:t>
+            </a:r>
           </a:p>
         </p:txBody>
       </p:sp>
@@ -10474,7 +10375,7 @@
       </p:grpSpPr>
       <p:sp>
         <p:nvSpPr>
-          <p:cNvPr id="36866" name="Rectangle 2"/>
+          <p:cNvPr id="35842" name="Rectangle 2"/>
           <p:cNvSpPr>
             <a:spLocks noGrp="1" noChangeArrowheads="1"/>
           </p:cNvSpPr>
@@ -10484,119 +10385,57 @@
         </p:nvSpPr>
         <p:spPr>
           <a:xfrm>
-            <a:off x="1117600" y="171451"/>
-            <a:ext cx="10972800" cy="576263"/>
+            <a:off x="1426633" y="106363"/>
+            <a:ext cx="10972800" cy="576262"/>
+          </a:xfrm>
+        </p:spPr>
+        <p:txBody>
+          <a:bodyPr/>
+          <a:lstStyle/>
+          <a:p>
+            <a:pPr eaLnBrk="1" hangingPunct="1"/>
+            <a:r>
+              <a:rPr lang="en-US" sz="2400" smtClean="0"/>
+              <a:t>Operating System Design and Implementation (Cont.)</a:t>
+            </a:r>
+          </a:p>
+        </p:txBody>
+      </p:sp>
+      <p:sp>
+        <p:nvSpPr>
+          <p:cNvPr id="35843" name="Rectangle 3"/>
+          <p:cNvSpPr>
+            <a:spLocks noGrp="1" noChangeArrowheads="1"/>
+          </p:cNvSpPr>
+          <p:nvPr>
+            <p:ph type="body" idx="1"/>
+          </p:nvPr>
+        </p:nvSpPr>
+        <p:spPr>
+          <a:xfrm>
+            <a:off x="855024" y="1076326"/>
+            <a:ext cx="10438410" cy="5478853"/>
           </a:xfrm>
         </p:spPr>
         <p:txBody>
           <a:bodyPr>
-            <a:noAutofit/>
+            <a:normAutofit lnSpcReduction="10000"/>
           </a:bodyPr>
           <a:lstStyle/>
           <a:p>
-            <a:pPr eaLnBrk="1" hangingPunct="1"/>
-            <a:r>
-              <a:rPr lang="en-US" sz="3600" dirty="0" smtClean="0"/>
-              <a:t>Implementation</a:t>
-            </a:r>
-          </a:p>
-        </p:txBody>
-      </p:sp>
-      <p:sp>
-        <p:nvSpPr>
-          <p:cNvPr id="36867" name="Rectangle 3"/>
-          <p:cNvSpPr>
-            <a:spLocks noGrp="1" noChangeArrowheads="1"/>
-          </p:cNvSpPr>
-          <p:nvPr>
-            <p:ph type="body" idx="1"/>
-          </p:nvPr>
-        </p:nvSpPr>
-        <p:spPr>
-          <a:xfrm>
-            <a:off x="831273" y="1092201"/>
-            <a:ext cx="10592378" cy="5510480"/>
-          </a:xfrm>
-        </p:spPr>
-        <p:txBody>
-          <a:bodyPr>
-            <a:normAutofit fontScale="92500" lnSpcReduction="10000"/>
-          </a:bodyPr>
-          <a:lstStyle/>
-          <a:p>
-            <a:r>
-              <a:rPr lang="en-US" dirty="0" smtClean="0"/>
-              <a:t>Much variation</a:t>
-            </a:r>
-          </a:p>
-          <a:p>
-            <a:pPr lvl="1"/>
-            <a:r>
-              <a:rPr lang="en-US" dirty="0" smtClean="0"/>
-              <a:t>Early </a:t>
-            </a:r>
-            <a:r>
-              <a:rPr lang="en-US" dirty="0" err="1" smtClean="0"/>
-              <a:t>OSes</a:t>
-            </a:r>
-            <a:r>
-              <a:rPr lang="en-US" dirty="0" smtClean="0"/>
-              <a:t> in assembly language</a:t>
-            </a:r>
-          </a:p>
-          <a:p>
-            <a:pPr lvl="1"/>
-            <a:r>
-              <a:rPr lang="en-US" dirty="0" smtClean="0"/>
-              <a:t>Then system programming languages like </a:t>
-            </a:r>
-            <a:r>
-              <a:rPr lang="en-US" dirty="0" err="1" smtClean="0"/>
-              <a:t>Algol</a:t>
-            </a:r>
-            <a:r>
-              <a:rPr lang="en-US" dirty="0" smtClean="0"/>
-              <a:t>, PL/1</a:t>
-            </a:r>
-          </a:p>
-          <a:p>
-            <a:pPr lvl="1"/>
-            <a:r>
-              <a:rPr lang="en-US" dirty="0" smtClean="0"/>
-              <a:t>Now C, C++</a:t>
-            </a:r>
-          </a:p>
-          <a:p>
-            <a:r>
-              <a:rPr lang="en-US" dirty="0" smtClean="0"/>
-              <a:t>Actually usually a mix of languages</a:t>
-            </a:r>
-          </a:p>
-          <a:p>
-            <a:pPr lvl="1"/>
-            <a:r>
-              <a:rPr lang="en-US" dirty="0" smtClean="0"/>
-              <a:t>Lowest levels in assembly</a:t>
-            </a:r>
-          </a:p>
-          <a:p>
-            <a:pPr lvl="1"/>
-            <a:r>
-              <a:rPr lang="en-US" dirty="0" smtClean="0"/>
-              <a:t>Main body in C</a:t>
-            </a:r>
-          </a:p>
-          <a:p>
-            <a:pPr lvl="1"/>
-            <a:r>
-              <a:rPr lang="en-US" dirty="0" smtClean="0"/>
-              <a:t>Systems programs in C, C++, scripting languages like PERL, Python, shell scripts</a:t>
-            </a:r>
-          </a:p>
-          <a:p>
-            <a:r>
-              <a:rPr lang="en-US" dirty="0" smtClean="0"/>
-              <a:t>More high-level language easier to</a:t>
+            <a:r>
+              <a:rPr lang="en-US" dirty="0" smtClean="0"/>
+              <a:t>Important principle to separate</a:t>
+            </a:r>
+          </a:p>
+          <a:p>
+            <a:pPr>
+              <a:buFont typeface="Monotype Sorts" pitchFamily="-84" charset="2"/>
+              <a:buNone/>
+            </a:pPr>
+            <a:r>
+              <a:rPr lang="en-US" b="1" dirty="0" smtClean="0"/>
+              <a:t>	</a:t>
             </a:r>
             <a:r>
               <a:rPr lang="en-US" b="1" dirty="0" smtClean="0">
@@ -10604,32 +10443,72 @@
                   <a:srgbClr val="3366FF"/>
                 </a:solidFill>
               </a:rPr>
-              <a:t> port </a:t>
-            </a:r>
-            <a:r>
-              <a:rPr lang="en-US" dirty="0" smtClean="0"/>
-              <a:t>to other hardware</a:t>
-            </a:r>
-          </a:p>
-          <a:p>
-            <a:pPr lvl="1"/>
-            <a:r>
-              <a:rPr lang="en-US" dirty="0" smtClean="0"/>
-              <a:t>But slower</a:t>
-            </a:r>
-          </a:p>
-          <a:p>
+              <a:t>Policy</a:t>
+            </a:r>
+            <a:r>
+              <a:rPr lang="en-US" b="1" dirty="0" smtClean="0"/>
+              <a:t>:   </a:t>
+            </a:r>
+            <a:r>
+              <a:rPr lang="en-US" b="1" i="1" dirty="0" smtClean="0"/>
+              <a:t>What</a:t>
+            </a:r>
+            <a:r>
+              <a:rPr lang="en-US" dirty="0" smtClean="0"/>
+              <a:t> will be done?</a:t>
+            </a:r>
+            <a:r>
+              <a:rPr lang="en-US" b="1" dirty="0" smtClean="0"/>
+              <a:t> </a:t>
+            </a:r>
+            <a:br>
+              <a:rPr lang="en-US" b="1" dirty="0" smtClean="0"/>
+            </a:br>
             <a:r>
               <a:rPr lang="en-US" b="1" dirty="0" smtClean="0">
                 <a:solidFill>
                   <a:srgbClr val="3366FF"/>
                 </a:solidFill>
               </a:rPr>
-              <a:t>Emulation</a:t>
-            </a:r>
-            <a:r>
-              <a:rPr lang="en-US" dirty="0" smtClean="0"/>
-              <a:t> can allow an OS to run on non-native hardware</a:t>
+              <a:t>Mechanism</a:t>
+            </a:r>
+            <a:r>
+              <a:rPr lang="en-US" b="1" dirty="0" smtClean="0"/>
+              <a:t>:  </a:t>
+            </a:r>
+            <a:r>
+              <a:rPr lang="en-US" b="1" i="1" dirty="0" smtClean="0"/>
+              <a:t>How</a:t>
+            </a:r>
+            <a:r>
+              <a:rPr lang="en-US" dirty="0" smtClean="0"/>
+              <a:t> to do it?</a:t>
+            </a:r>
+          </a:p>
+          <a:p>
+            <a:r>
+              <a:rPr lang="en-US" dirty="0" smtClean="0"/>
+              <a:t>Mechanisms determine how to do something, policies decide what will be done</a:t>
+            </a:r>
+          </a:p>
+          <a:p>
+            <a:r>
+              <a:rPr lang="en-US" dirty="0" smtClean="0"/>
+              <a:t>The separation of policy from mechanism is a very important principle, it allows maximum flexibility if policy decisions are to be changed later (example – timer)</a:t>
+            </a:r>
+          </a:p>
+          <a:p>
+            <a:r>
+              <a:rPr lang="en-US" dirty="0" smtClean="0"/>
+              <a:t>Specifying and designing an OS is highly creative task of </a:t>
+            </a:r>
+            <a:r>
+              <a:rPr lang="en-US" b="1" dirty="0" smtClean="0">
+                <a:solidFill>
+                  <a:srgbClr val="3366FF"/>
+                </a:solidFill>
+              </a:rPr>
+              <a:t>software engineering</a:t>
             </a:r>
           </a:p>
           <a:p>
@@ -10705,9 +10584,9 @@
       </p:grpSpPr>
       <p:sp>
         <p:nvSpPr>
-          <p:cNvPr id="37890" name="Title 1"/>
-          <p:cNvSpPr>
-            <a:spLocks noGrp="1"/>
+          <p:cNvPr id="36866" name="Rectangle 2"/>
+          <p:cNvSpPr>
+            <a:spLocks noGrp="1" noChangeArrowheads="1"/>
           </p:cNvSpPr>
           <p:nvPr>
             <p:ph type="title"/>
@@ -10715,84 +10594,167 @@
         </p:nvSpPr>
         <p:spPr>
           <a:xfrm>
-            <a:off x="609600" y="182563"/>
-            <a:ext cx="10972800" cy="576262"/>
+            <a:off x="1117600" y="171451"/>
+            <a:ext cx="10972800" cy="576263"/>
           </a:xfrm>
         </p:spPr>
         <p:txBody>
           <a:bodyPr>
-            <a:normAutofit fontScale="90000"/>
+            <a:noAutofit/>
           </a:bodyPr>
           <a:lstStyle/>
           <a:p>
-            <a:r>
-              <a:rPr lang="en-US" smtClean="0"/>
-              <a:t>Operating System Structure</a:t>
-            </a:r>
-          </a:p>
-        </p:txBody>
-      </p:sp>
-      <p:sp>
-        <p:nvSpPr>
-          <p:cNvPr id="37891" name="Content Placeholder 2"/>
-          <p:cNvSpPr>
-            <a:spLocks noGrp="1"/>
-          </p:cNvSpPr>
-          <p:nvPr>
-            <p:ph idx="1"/>
-          </p:nvPr>
-        </p:nvSpPr>
-        <p:spPr>
-          <a:xfrm>
-            <a:off x="1075268" y="1092201"/>
-            <a:ext cx="9224433" cy="4530725"/>
-          </a:xfrm>
-        </p:spPr>
-        <p:txBody>
-          <a:bodyPr/>
-          <a:lstStyle/>
-          <a:p>
-            <a:r>
-              <a:rPr lang="en-US" smtClean="0"/>
-              <a:t>General-purpose OS is very large program</a:t>
-            </a:r>
-          </a:p>
-          <a:p>
-            <a:r>
-              <a:rPr lang="en-US" smtClean="0"/>
-              <a:t>Various ways to structure ones</a:t>
+            <a:pPr eaLnBrk="1" hangingPunct="1"/>
+            <a:r>
+              <a:rPr lang="en-US" sz="3600" dirty="0" smtClean="0"/>
+              <a:t>Implementation</a:t>
+            </a:r>
+          </a:p>
+        </p:txBody>
+      </p:sp>
+      <p:sp>
+        <p:nvSpPr>
+          <p:cNvPr id="36867" name="Rectangle 3"/>
+          <p:cNvSpPr>
+            <a:spLocks noGrp="1" noChangeArrowheads="1"/>
+          </p:cNvSpPr>
+          <p:nvPr>
+            <p:ph type="body" idx="1"/>
+          </p:nvPr>
+        </p:nvSpPr>
+        <p:spPr>
+          <a:xfrm>
+            <a:off x="831273" y="1092201"/>
+            <a:ext cx="10592378" cy="5510480"/>
+          </a:xfrm>
+        </p:spPr>
+        <p:txBody>
+          <a:bodyPr>
+            <a:normAutofit fontScale="92500" lnSpcReduction="10000"/>
+          </a:bodyPr>
+          <a:lstStyle/>
+          <a:p>
+            <a:r>
+              <a:rPr lang="en-US" dirty="0" smtClean="0"/>
+              <a:t>Much variation</a:t>
             </a:r>
           </a:p>
           <a:p>
             <a:pPr lvl="1"/>
             <a:r>
-              <a:rPr lang="en-US" smtClean="0"/>
-              <a:t>Simple structure – MS-DOS</a:t>
+              <a:rPr lang="en-US" dirty="0" smtClean="0"/>
+              <a:t>Early </a:t>
+            </a:r>
+            <a:r>
+              <a:rPr lang="en-US" dirty="0" err="1" smtClean="0"/>
+              <a:t>OSes</a:t>
+            </a:r>
+            <a:r>
+              <a:rPr lang="en-US" dirty="0" smtClean="0"/>
+              <a:t> in assembly language</a:t>
             </a:r>
           </a:p>
           <a:p>
             <a:pPr lvl="1"/>
             <a:r>
-              <a:rPr lang="en-US" smtClean="0"/>
-              <a:t>More complex -- UNIX</a:t>
+              <a:rPr lang="en-US" dirty="0" smtClean="0"/>
+              <a:t>Then system programming languages like </a:t>
+            </a:r>
+            <a:r>
+              <a:rPr lang="en-US" dirty="0" err="1" smtClean="0"/>
+              <a:t>Algol</a:t>
+            </a:r>
+            <a:r>
+              <a:rPr lang="en-US" dirty="0" smtClean="0"/>
+              <a:t>, PL/1</a:t>
             </a:r>
           </a:p>
           <a:p>
             <a:pPr lvl="1"/>
             <a:r>
-              <a:rPr lang="en-US" smtClean="0"/>
-              <a:t>Layered – an abstrcation</a:t>
+              <a:rPr lang="en-US" dirty="0" smtClean="0"/>
+              <a:t>Now C, C++</a:t>
+            </a:r>
+          </a:p>
+          <a:p>
+            <a:r>
+              <a:rPr lang="en-US" dirty="0" smtClean="0"/>
+              <a:t>Actually usually a mix of languages</a:t>
             </a:r>
           </a:p>
           <a:p>
             <a:pPr lvl="1"/>
             <a:r>
-              <a:rPr lang="en-US" smtClean="0"/>
-              <a:t>Microkernel -Mach</a:t>
-            </a:r>
-          </a:p>
-          <a:p>
-            <a:endParaRPr lang="en-US" smtClean="0"/>
+              <a:rPr lang="en-US" dirty="0" smtClean="0"/>
+              <a:t>Lowest levels in assembly</a:t>
+            </a:r>
+          </a:p>
+          <a:p>
+            <a:pPr lvl="1"/>
+            <a:r>
+              <a:rPr lang="en-US" dirty="0" smtClean="0"/>
+              <a:t>Main body in C</a:t>
+            </a:r>
+          </a:p>
+          <a:p>
+            <a:pPr lvl="1"/>
+            <a:r>
+              <a:rPr lang="en-US" dirty="0" smtClean="0"/>
+              <a:t>Systems programs in C, C++, scripting languages like PERL, Python, shell scripts</a:t>
+            </a:r>
+          </a:p>
+          <a:p>
+            <a:r>
+              <a:rPr lang="en-US" dirty="0" smtClean="0"/>
+              <a:t>More high-level language easier to</a:t>
+            </a:r>
+            <a:r>
+              <a:rPr lang="en-US" b="1" dirty="0" smtClean="0">
+                <a:solidFill>
+                  <a:srgbClr val="3366FF"/>
+                </a:solidFill>
+              </a:rPr>
+              <a:t> port </a:t>
+            </a:r>
+            <a:r>
+              <a:rPr lang="en-US" dirty="0" smtClean="0"/>
+              <a:t>to other hardware</a:t>
+            </a:r>
+          </a:p>
+          <a:p>
+            <a:pPr lvl="1"/>
+            <a:r>
+              <a:rPr lang="en-US" dirty="0" smtClean="0"/>
+              <a:t>But slower</a:t>
+            </a:r>
+          </a:p>
+          <a:p>
+            <a:r>
+              <a:rPr lang="en-US" b="1" dirty="0" smtClean="0">
+                <a:solidFill>
+                  <a:srgbClr val="3366FF"/>
+                </a:solidFill>
+              </a:rPr>
+              <a:t>Emulation</a:t>
+            </a:r>
+            <a:r>
+              <a:rPr lang="en-US" dirty="0" smtClean="0"/>
+              <a:t> can allow an OS to run on non-native hardware</a:t>
+            </a:r>
+          </a:p>
+          <a:p>
+            <a:pPr>
+              <a:buFont typeface="Monotype Sorts" pitchFamily="-84" charset="2"/>
+              <a:buNone/>
+            </a:pPr>
+            <a:endParaRPr lang="en-US" dirty="0" smtClean="0"/>
+          </a:p>
+          <a:p>
+            <a:pPr>
+              <a:buFont typeface="Monotype Sorts" pitchFamily="-84" charset="2"/>
+              <a:buNone/>
+            </a:pPr>
+            <a:endParaRPr lang="en-US" dirty="0" smtClean="0"/>
           </a:p>
         </p:txBody>
       </p:sp>
@@ -10853,9 +10815,9 @@
       </p:grpSpPr>
       <p:sp>
         <p:nvSpPr>
-          <p:cNvPr id="38914" name="Rectangle 2"/>
-          <p:cNvSpPr>
-            <a:spLocks noGrp="1" noChangeArrowheads="1"/>
+          <p:cNvPr id="37890" name="Title 1"/>
+          <p:cNvSpPr>
+            <a:spLocks noGrp="1"/>
           </p:cNvSpPr>
           <p:nvPr>
             <p:ph type="title"/>
@@ -10873,93 +10835,80 @@
           </a:bodyPr>
           <a:lstStyle/>
           <a:p>
-            <a:pPr eaLnBrk="1" hangingPunct="1"/>
             <a:r>
               <a:rPr lang="en-US" smtClean="0"/>
-              <a:t>Simple Structure  -- MS-DOS</a:t>
-            </a:r>
-            <a:endParaRPr lang="en-US" sz="2400" smtClean="0"/>
-          </a:p>
-        </p:txBody>
-      </p:sp>
-      <p:sp>
-        <p:nvSpPr>
-          <p:cNvPr id="38915" name="Rectangle 3"/>
-          <p:cNvSpPr>
-            <a:spLocks noGrp="1" noChangeArrowheads="1"/>
-          </p:cNvSpPr>
-          <p:nvPr>
-            <p:ph type="body" idx="1"/>
-          </p:nvPr>
-        </p:nvSpPr>
-        <p:spPr>
-          <a:xfrm>
-            <a:off x="1075267" y="1233489"/>
-            <a:ext cx="5281084" cy="4530725"/>
-          </a:xfrm>
-        </p:spPr>
-        <p:txBody>
-          <a:bodyPr>
-            <a:normAutofit lnSpcReduction="10000"/>
-          </a:bodyPr>
+              <a:t>Operating System Structure</a:t>
+            </a:r>
+          </a:p>
+        </p:txBody>
+      </p:sp>
+      <p:sp>
+        <p:nvSpPr>
+          <p:cNvPr id="37891" name="Content Placeholder 2"/>
+          <p:cNvSpPr>
+            <a:spLocks noGrp="1"/>
+          </p:cNvSpPr>
+          <p:nvPr>
+            <p:ph idx="1"/>
+          </p:nvPr>
+        </p:nvSpPr>
+        <p:spPr>
+          <a:xfrm>
+            <a:off x="1075268" y="1092201"/>
+            <a:ext cx="9224433" cy="4530725"/>
+          </a:xfrm>
+        </p:spPr>
+        <p:txBody>
+          <a:bodyPr/>
           <a:lstStyle/>
           <a:p>
             <a:r>
               <a:rPr lang="en-US" smtClean="0"/>
-              <a:t>MS-DOS – written to provide the most functionality in the least space</a:t>
+              <a:t>General-purpose OS is very large program</a:t>
+            </a:r>
+          </a:p>
+          <a:p>
+            <a:r>
+              <a:rPr lang="en-US" smtClean="0"/>
+              <a:t>Various ways to structure ones</a:t>
             </a:r>
           </a:p>
           <a:p>
             <a:pPr lvl="1"/>
             <a:r>
               <a:rPr lang="en-US" smtClean="0"/>
-              <a:t>Not divided into modules</a:t>
+              <a:t>Simple structure – MS-DOS</a:t>
             </a:r>
           </a:p>
           <a:p>
             <a:pPr lvl="1"/>
             <a:r>
               <a:rPr lang="en-US" smtClean="0"/>
-              <a:t>Although MS-DOS has some structure, its interfaces and levels of functionality are not well separated</a:t>
-            </a:r>
-          </a:p>
-        </p:txBody>
-      </p:sp>
-      <p:pic>
-        <p:nvPicPr>
-          <p:cNvPr id="38916" name="Picture 6" descr="2"/>
-          <p:cNvPicPr>
-            <a:picLocks noChangeAspect="1" noChangeArrowheads="1"/>
-          </p:cNvPicPr>
-          <p:nvPr/>
-        </p:nvPicPr>
-        <p:blipFill>
-          <a:blip r:embed="rId3" cstate="print"/>
-          <a:srcRect/>
-          <a:stretch>
-            <a:fillRect/>
-          </a:stretch>
-        </p:blipFill>
-        <p:spPr bwMode="auto">
-          <a:xfrm>
-            <a:off x="6608233" y="1712913"/>
-            <a:ext cx="4760384" cy="3433762"/>
-          </a:xfrm>
-          <a:prstGeom prst="rect">
-            <a:avLst/>
-          </a:prstGeom>
-          <a:noFill/>
-          <a:ln w="9525">
-            <a:noFill/>
-            <a:miter lim="800000"/>
-            <a:headEnd/>
-            <a:tailEnd/>
-          </a:ln>
-        </p:spPr>
-      </p:pic>
-      <p:sp>
-        <p:nvSpPr>
-          <p:cNvPr id="5" name="Номер слайда 2"/>
+              <a:t>More complex -- UNIX</a:t>
+            </a:r>
+          </a:p>
+          <a:p>
+            <a:pPr lvl="1"/>
+            <a:r>
+              <a:rPr lang="en-US" smtClean="0"/>
+              <a:t>Layered – an abstrcation</a:t>
+            </a:r>
+          </a:p>
+          <a:p>
+            <a:pPr lvl="1"/>
+            <a:r>
+              <a:rPr lang="en-US" smtClean="0"/>
+              <a:t>Microkernel -Mach</a:t>
+            </a:r>
+          </a:p>
+          <a:p>
+            <a:endParaRPr lang="en-US" smtClean="0"/>
+          </a:p>
+        </p:txBody>
+      </p:sp>
+      <p:sp>
+        <p:nvSpPr>
+          <p:cNvPr id="4" name="Номер слайда 2"/>
           <p:cNvSpPr>
             <a:spLocks noGrp="1"/>
           </p:cNvSpPr>
@@ -11014,7 +10963,7 @@
       </p:grpSpPr>
       <p:sp>
         <p:nvSpPr>
-          <p:cNvPr id="39938" name="Rectangle 2"/>
+          <p:cNvPr id="38914" name="Rectangle 2"/>
           <p:cNvSpPr>
             <a:spLocks noGrp="1" noChangeArrowheads="1"/>
           </p:cNvSpPr>
@@ -11024,8 +10973,8 @@
         </p:nvSpPr>
         <p:spPr>
           <a:xfrm>
-            <a:off x="1987551" y="255588"/>
-            <a:ext cx="9031816" cy="457200"/>
+            <a:off x="609600" y="182563"/>
+            <a:ext cx="10972800" cy="576262"/>
           </a:xfrm>
         </p:spPr>
         <p:txBody>
@@ -11037,7 +10986,7 @@
             <a:pPr eaLnBrk="1" hangingPunct="1"/>
             <a:r>
               <a:rPr lang="en-US" smtClean="0"/>
-              <a:t>Non Simple Structure  -- UNIX</a:t>
+              <a:t>Simple Structure  -- MS-DOS</a:t>
             </a:r>
             <a:endParaRPr lang="en-US" sz="2400" smtClean="0"/>
           </a:p>
@@ -11045,7 +10994,7 @@
       </p:sp>
       <p:sp>
         <p:nvSpPr>
-          <p:cNvPr id="39939" name="Rectangle 3"/>
+          <p:cNvPr id="38915" name="Rectangle 3"/>
           <p:cNvSpPr>
             <a:spLocks noGrp="1" noChangeArrowheads="1"/>
           </p:cNvSpPr>
@@ -11055,58 +11004,72 @@
         </p:nvSpPr>
         <p:spPr>
           <a:xfrm>
-            <a:off x="931333" y="1155701"/>
-            <a:ext cx="10409601" cy="5470730"/>
+            <a:off x="1075267" y="1233489"/>
+            <a:ext cx="5281084" cy="4530725"/>
           </a:xfrm>
         </p:spPr>
         <p:txBody>
           <a:bodyPr>
-            <a:normAutofit/>
+            <a:normAutofit lnSpcReduction="10000"/>
           </a:bodyPr>
           <a:lstStyle/>
           <a:p>
-            <a:pPr>
-              <a:buFont typeface="Monotype Sorts" pitchFamily="-84" charset="2"/>
-              <a:buNone/>
-            </a:pPr>
-            <a:r>
-              <a:rPr lang="en-US" dirty="0" smtClean="0"/>
-              <a:t>  UNIX – limited by hardware functionality, the original UNIX operating system had limited structuring.  The UNIX OS consists of two separable parts</a:t>
+            <a:r>
+              <a:rPr lang="en-US" smtClean="0"/>
+              <a:t>MS-DOS – written to provide the most functionality in the least space</a:t>
             </a:r>
           </a:p>
           <a:p>
             <a:pPr lvl="1"/>
             <a:r>
-              <a:rPr lang="en-US" dirty="0" smtClean="0"/>
-              <a:t>Systems programs</a:t>
+              <a:rPr lang="en-US" smtClean="0"/>
+              <a:t>Not divided into modules</a:t>
             </a:r>
           </a:p>
           <a:p>
             <a:pPr lvl="1"/>
             <a:r>
-              <a:rPr lang="en-US" dirty="0" smtClean="0"/>
-              <a:t>The kernel</a:t>
-            </a:r>
-          </a:p>
-          <a:p>
-            <a:pPr lvl="2"/>
-            <a:r>
-              <a:rPr lang="en-US" sz="3200" dirty="0" smtClean="0"/>
-              <a:t>Consists of everything below the system-call interface and above the physical hardware</a:t>
-            </a:r>
-          </a:p>
-          <a:p>
-            <a:pPr lvl="2"/>
-            <a:r>
-              <a:rPr lang="en-US" sz="3200" dirty="0" smtClean="0"/>
-              <a:t>Provides the file system, CPU scheduling, memory management, and other operating-system functions; a large number of functions for one level</a:t>
-            </a:r>
-          </a:p>
-        </p:txBody>
-      </p:sp>
-      <p:sp>
-        <p:nvSpPr>
-          <p:cNvPr id="4" name="Номер слайда 2"/>
+              <a:rPr lang="en-US" smtClean="0"/>
+              <a:t>Although MS-DOS has some structure, its interfaces and levels of functionality are not well separated</a:t>
+            </a:r>
+          </a:p>
+        </p:txBody>
+      </p:sp>
+      <p:pic>
+        <p:nvPicPr>
+          <p:cNvPr id="38916" name="Picture 6" descr="2"/>
+          <p:cNvPicPr>
+            <a:picLocks noChangeAspect="1" noChangeArrowheads="1"/>
+          </p:cNvPicPr>
+          <p:nvPr/>
+        </p:nvPicPr>
+        <p:blipFill>
+          <a:blip r:embed="rId3" cstate="print"/>
+          <a:srcRect/>
+          <a:stretch>
+            <a:fillRect/>
+          </a:stretch>
+        </p:blipFill>
+        <p:spPr bwMode="auto">
+          <a:xfrm>
+            <a:off x="6608233" y="1712913"/>
+            <a:ext cx="4760384" cy="3433762"/>
+          </a:xfrm>
+          <a:prstGeom prst="rect">
+            <a:avLst/>
+          </a:prstGeom>
+          <a:noFill/>
+          <a:ln w="9525">
+            <a:noFill/>
+            <a:miter lim="800000"/>
+            <a:headEnd/>
+            <a:tailEnd/>
+          </a:ln>
+        </p:spPr>
+      </p:pic>
+      <p:sp>
+        <p:nvSpPr>
+          <p:cNvPr id="5" name="Номер слайда 2"/>
           <p:cNvSpPr>
             <a:spLocks noGrp="1"/>
           </p:cNvSpPr>
@@ -11360,47 +11323,112 @@
       </p:grpSpPr>
       <p:sp>
         <p:nvSpPr>
-          <p:cNvPr id="2" name="Содержимое 1"/>
+          <p:cNvPr id="39938" name="Rectangle 2"/>
+          <p:cNvSpPr>
+            <a:spLocks noGrp="1" noChangeArrowheads="1"/>
+          </p:cNvSpPr>
+          <p:nvPr>
+            <p:ph type="title"/>
+          </p:nvPr>
+        </p:nvSpPr>
+        <p:spPr>
+          <a:xfrm>
+            <a:off x="1987551" y="255588"/>
+            <a:ext cx="9031816" cy="457200"/>
+          </a:xfrm>
+        </p:spPr>
+        <p:txBody>
+          <a:bodyPr>
+            <a:normAutofit fontScale="90000"/>
+          </a:bodyPr>
+          <a:lstStyle/>
+          <a:p>
+            <a:pPr eaLnBrk="1" hangingPunct="1"/>
+            <a:r>
+              <a:rPr lang="en-US" smtClean="0"/>
+              <a:t>Non Simple Structure  -- UNIX</a:t>
+            </a:r>
+            <a:endParaRPr lang="en-US" sz="2400" smtClean="0"/>
+          </a:p>
+        </p:txBody>
+      </p:sp>
+      <p:sp>
+        <p:nvSpPr>
+          <p:cNvPr id="39939" name="Rectangle 3"/>
+          <p:cNvSpPr>
+            <a:spLocks noGrp="1" noChangeArrowheads="1"/>
+          </p:cNvSpPr>
+          <p:nvPr>
+            <p:ph type="body" idx="1"/>
+          </p:nvPr>
+        </p:nvSpPr>
+        <p:spPr>
+          <a:xfrm>
+            <a:off x="931333" y="1155701"/>
+            <a:ext cx="10409601" cy="5470730"/>
+          </a:xfrm>
+        </p:spPr>
+        <p:txBody>
+          <a:bodyPr>
+            <a:normAutofit/>
+          </a:bodyPr>
+          <a:lstStyle/>
+          <a:p>
+            <a:pPr>
+              <a:buFont typeface="Monotype Sorts" pitchFamily="-84" charset="2"/>
+              <a:buNone/>
+            </a:pPr>
+            <a:r>
+              <a:rPr lang="en-US" dirty="0" smtClean="0"/>
+              <a:t>  UNIX – limited by hardware functionality, the original UNIX operating system had limited structuring.  The UNIX OS consists of two separable parts</a:t>
+            </a:r>
+          </a:p>
+          <a:p>
+            <a:pPr lvl="1"/>
+            <a:r>
+              <a:rPr lang="en-US" dirty="0" smtClean="0"/>
+              <a:t>Systems programs</a:t>
+            </a:r>
+          </a:p>
+          <a:p>
+            <a:pPr lvl="1"/>
+            <a:r>
+              <a:rPr lang="en-US" dirty="0" smtClean="0"/>
+              <a:t>The kernel</a:t>
+            </a:r>
+          </a:p>
+          <a:p>
+            <a:pPr lvl="2"/>
+            <a:r>
+              <a:rPr lang="en-US" sz="3200" dirty="0" smtClean="0"/>
+              <a:t>Consists of everything below the system-call interface and above the physical hardware</a:t>
+            </a:r>
+          </a:p>
+          <a:p>
+            <a:pPr lvl="2"/>
+            <a:r>
+              <a:rPr lang="en-US" sz="3200" dirty="0" smtClean="0"/>
+              <a:t>Provides the file system, CPU scheduling, memory management, and other operating-system functions; a large number of functions for one level</a:t>
+            </a:r>
+          </a:p>
+        </p:txBody>
+      </p:sp>
+      <p:sp>
+        <p:nvSpPr>
+          <p:cNvPr id="4" name="Номер слайда 2"/>
           <p:cNvSpPr>
             <a:spLocks noGrp="1"/>
           </p:cNvSpPr>
           <p:nvPr>
-            <p:ph idx="1"/>
-          </p:nvPr>
-        </p:nvSpPr>
-        <p:spPr>
-          <a:xfrm>
-            <a:off x="838200" y="1178053"/>
-            <a:ext cx="10515600" cy="757625"/>
-          </a:xfrm>
-        </p:spPr>
-        <p:txBody>
-          <a:bodyPr/>
-          <a:lstStyle/>
-          <a:p>
-            <a:r>
-              <a:rPr lang="en-US" dirty="0" smtClean="0"/>
-              <a:t>Beyond simple but not fully </a:t>
-            </a:r>
-            <a:r>
-              <a:rPr lang="en-US" dirty="0" smtClean="0"/>
-              <a:t>layered</a:t>
-            </a:r>
-            <a:endParaRPr lang="en-US" dirty="0" smtClean="0"/>
-          </a:p>
-        </p:txBody>
-      </p:sp>
-      <p:sp>
-        <p:nvSpPr>
-          <p:cNvPr id="3" name="Номер слайда 2"/>
-          <p:cNvSpPr>
-            <a:spLocks noGrp="1"/>
-          </p:cNvSpPr>
-          <p:nvPr>
             <p:ph type="sldNum" sz="quarter" idx="12"/>
           </p:nvPr>
         </p:nvSpPr>
-        <p:spPr/>
+        <p:spPr>
+          <a:xfrm>
+            <a:off x="10776031" y="6190938"/>
+            <a:ext cx="594673" cy="479419"/>
+          </a:xfrm>
+        </p:spPr>
         <p:txBody>
           <a:bodyPr/>
           <a:lstStyle/>
@@ -11415,61 +11443,6 @@
           </a:p>
         </p:txBody>
       </p:sp>
-      <p:sp>
-        <p:nvSpPr>
-          <p:cNvPr id="4" name="Заголовок 3"/>
-          <p:cNvSpPr>
-            <a:spLocks noGrp="1"/>
-          </p:cNvSpPr>
-          <p:nvPr>
-            <p:ph type="title"/>
-          </p:nvPr>
-        </p:nvSpPr>
-        <p:spPr/>
-        <p:txBody>
-          <a:bodyPr/>
-          <a:lstStyle/>
-          <a:p>
-            <a:r>
-              <a:rPr lang="en-US" dirty="0" smtClean="0"/>
-              <a:t>Traditional UNIX System Structure</a:t>
-            </a:r>
-            <a:endParaRPr lang="ru-RU" dirty="0"/>
-          </a:p>
-        </p:txBody>
-      </p:sp>
-      <p:pic>
-        <p:nvPicPr>
-          <p:cNvPr id="5" name="Picture 4"/>
-          <p:cNvPicPr>
-            <a:picLocks noChangeAspect="1" noChangeArrowheads="1"/>
-          </p:cNvPicPr>
-          <p:nvPr/>
-        </p:nvPicPr>
-        <p:blipFill>
-          <a:blip r:embed="rId2" cstate="print"/>
-          <a:srcRect/>
-          <a:stretch>
-            <a:fillRect/>
-          </a:stretch>
-        </p:blipFill>
-        <p:spPr bwMode="auto">
-          <a:xfrm>
-            <a:off x="1435430" y="1943883"/>
-            <a:ext cx="9230784" cy="4206875"/>
-          </a:xfrm>
-          <a:prstGeom prst="rect">
-            <a:avLst/>
-          </a:prstGeom>
-          <a:noFill/>
-          <a:ln w="9525">
-            <a:noFill/>
-            <a:miter lim="800000"/>
-            <a:headEnd/>
-            <a:tailEnd/>
-          </a:ln>
-        </p:spPr>
-      </p:pic>
     </p:spTree>
   </p:cSld>
   <p:clrMapOvr>
@@ -11497,79 +11470,89 @@
       </p:grpSpPr>
       <p:sp>
         <p:nvSpPr>
-          <p:cNvPr id="41986" name="Rectangle 2"/>
-          <p:cNvSpPr>
-            <a:spLocks noGrp="1" noChangeArrowheads="1"/>
+          <p:cNvPr id="2" name="Содержимое 1"/>
+          <p:cNvSpPr>
+            <a:spLocks noGrp="1"/>
+          </p:cNvSpPr>
+          <p:nvPr>
+            <p:ph idx="1"/>
+          </p:nvPr>
+        </p:nvSpPr>
+        <p:spPr>
+          <a:xfrm>
+            <a:off x="838200" y="1178053"/>
+            <a:ext cx="10515600" cy="757625"/>
+          </a:xfrm>
+        </p:spPr>
+        <p:txBody>
+          <a:bodyPr/>
+          <a:lstStyle/>
+          <a:p>
+            <a:r>
+              <a:rPr lang="en-US" dirty="0" smtClean="0"/>
+              <a:t>Beyond simple but not fully layered</a:t>
+            </a:r>
+          </a:p>
+        </p:txBody>
+      </p:sp>
+      <p:sp>
+        <p:nvSpPr>
+          <p:cNvPr id="3" name="Номер слайда 2"/>
+          <p:cNvSpPr>
+            <a:spLocks noGrp="1"/>
+          </p:cNvSpPr>
+          <p:nvPr>
+            <p:ph type="sldNum" sz="quarter" idx="12"/>
+          </p:nvPr>
+        </p:nvSpPr>
+        <p:spPr/>
+        <p:txBody>
+          <a:bodyPr/>
+          <a:lstStyle/>
+          <a:p>
+            <a:pPr algn="ctr"/>
+            <a:fld id="{1397BFD8-F312-4EF2-A268-44FB4BDDBBB0}" type="slidenum">
+              <a:rPr lang="ru-RU" smtClean="0"/>
+              <a:pPr algn="ctr"/>
+              <a:t>31</a:t>
+            </a:fld>
+            <a:endParaRPr lang="ru-RU" dirty="0"/>
+          </a:p>
+        </p:txBody>
+      </p:sp>
+      <p:sp>
+        <p:nvSpPr>
+          <p:cNvPr id="4" name="Заголовок 3"/>
+          <p:cNvSpPr>
+            <a:spLocks noGrp="1"/>
           </p:cNvSpPr>
           <p:nvPr>
             <p:ph type="title"/>
           </p:nvPr>
         </p:nvSpPr>
-        <p:spPr>
-          <a:xfrm>
-            <a:off x="609600" y="198438"/>
-            <a:ext cx="10972800" cy="576262"/>
-          </a:xfrm>
-        </p:spPr>
-        <p:txBody>
-          <a:bodyPr>
-            <a:normAutofit fontScale="90000"/>
-          </a:bodyPr>
-          <a:lstStyle/>
-          <a:p>
-            <a:pPr eaLnBrk="1" hangingPunct="1"/>
-            <a:r>
-              <a:rPr lang="en-US" smtClean="0"/>
-              <a:t>Layered Approach</a:t>
-            </a:r>
-          </a:p>
-        </p:txBody>
-      </p:sp>
-      <p:sp>
-        <p:nvSpPr>
-          <p:cNvPr id="41987" name="Rectangle 3"/>
-          <p:cNvSpPr>
-            <a:spLocks noGrp="1" noChangeArrowheads="1"/>
-          </p:cNvSpPr>
-          <p:nvPr>
-            <p:ph type="body" idx="1"/>
-          </p:nvPr>
-        </p:nvSpPr>
-        <p:spPr>
-          <a:xfrm>
-            <a:off x="724395" y="1092530"/>
-            <a:ext cx="5759532" cy="5569527"/>
-          </a:xfrm>
-        </p:spPr>
-        <p:txBody>
-          <a:bodyPr>
-            <a:normAutofit lnSpcReduction="10000"/>
-          </a:bodyPr>
-          <a:lstStyle/>
-          <a:p>
-            <a:r>
-              <a:rPr lang="en-US" dirty="0" smtClean="0"/>
-              <a:t>The operating system is divided into a number of layers (levels), each built on top of lower layers.  The bottom layer (layer 0), is the hardware; the highest (layer N) is the user interface.</a:t>
-            </a:r>
-          </a:p>
-          <a:p>
-            <a:r>
-              <a:rPr lang="en-US" dirty="0" smtClean="0"/>
-              <a:t>With modularity, layers are selected such that each uses functions (operations) and services of only lower-level layers</a:t>
-            </a:r>
+        <p:spPr/>
+        <p:txBody>
+          <a:bodyPr/>
+          <a:lstStyle/>
+          <a:p>
+            <a:r>
+              <a:rPr lang="en-US" dirty="0" smtClean="0"/>
+              <a:t>Traditional UNIX System Structure</a:t>
+            </a:r>
+            <a:endParaRPr lang="ru-RU" dirty="0"/>
           </a:p>
         </p:txBody>
       </p:sp>
       <p:pic>
         <p:nvPicPr>
-          <p:cNvPr id="41988" name="Picture 5"/>
+          <p:cNvPr id="5" name="Picture 4"/>
           <p:cNvPicPr>
             <a:picLocks noChangeAspect="1" noChangeArrowheads="1"/>
           </p:cNvPicPr>
           <p:nvPr/>
         </p:nvPicPr>
         <p:blipFill>
-          <a:blip r:embed="rId3" cstate="print"/>
+          <a:blip r:embed="rId2" cstate="print"/>
           <a:srcRect/>
           <a:stretch>
             <a:fillRect/>
@@ -11577,8 +11560,8 @@
         </p:blipFill>
         <p:spPr bwMode="auto">
           <a:xfrm>
-            <a:off x="6292559" y="1120699"/>
-            <a:ext cx="5040001" cy="5011429"/>
+            <a:off x="1435430" y="1943883"/>
+            <a:ext cx="9230784" cy="4206875"/>
           </a:xfrm>
           <a:prstGeom prst="rect">
             <a:avLst/>
@@ -11592,36 +11575,6 @@
           </a:ln>
         </p:spPr>
       </p:pic>
-      <p:sp>
-        <p:nvSpPr>
-          <p:cNvPr id="5" name="Номер слайда 2"/>
-          <p:cNvSpPr>
-            <a:spLocks noGrp="1"/>
-          </p:cNvSpPr>
-          <p:nvPr>
-            <p:ph type="sldNum" sz="quarter" idx="12"/>
-          </p:nvPr>
-        </p:nvSpPr>
-        <p:spPr>
-          <a:xfrm>
-            <a:off x="10776031" y="6190938"/>
-            <a:ext cx="594673" cy="479419"/>
-          </a:xfrm>
-        </p:spPr>
-        <p:txBody>
-          <a:bodyPr/>
-          <a:lstStyle/>
-          <a:p>
-            <a:pPr algn="ctr"/>
-            <a:fld id="{1397BFD8-F312-4EF2-A268-44FB4BDDBBB0}" type="slidenum">
-              <a:rPr lang="ru-RU" smtClean="0"/>
-              <a:pPr algn="ctr"/>
-              <a:t>31</a:t>
-            </a:fld>
-            <a:endParaRPr lang="ru-RU" dirty="0"/>
-          </a:p>
-        </p:txBody>
-      </p:sp>
     </p:spTree>
   </p:cSld>
   <p:clrMapOvr>
@@ -11649,7 +11602,7 @@
       </p:grpSpPr>
       <p:sp>
         <p:nvSpPr>
-          <p:cNvPr id="43010" name="Rectangle 2"/>
+          <p:cNvPr id="41986" name="Rectangle 2"/>
           <p:cNvSpPr>
             <a:spLocks noGrp="1" noChangeArrowheads="1"/>
           </p:cNvSpPr>
@@ -11659,7 +11612,7 @@
         </p:nvSpPr>
         <p:spPr>
           <a:xfrm>
-            <a:off x="1009651" y="198438"/>
+            <a:off x="609600" y="198438"/>
             <a:ext cx="10972800" cy="576262"/>
           </a:xfrm>
         </p:spPr>
@@ -11672,161 +11625,81 @@
             <a:pPr eaLnBrk="1" hangingPunct="1"/>
             <a:r>
               <a:rPr lang="en-US" smtClean="0"/>
-              <a:t>Microkernel System Structure </a:t>
-            </a:r>
-            <a:endParaRPr lang="en-US" sz="2400" smtClean="0"/>
-          </a:p>
-        </p:txBody>
-      </p:sp>
-      <p:sp>
-        <p:nvSpPr>
-          <p:cNvPr id="43011" name="Rectangle 3"/>
+              <a:t>Layered Approach</a:t>
+            </a:r>
+          </a:p>
+        </p:txBody>
+      </p:sp>
+      <p:sp>
+        <p:nvSpPr>
+          <p:cNvPr id="41987" name="Rectangle 3"/>
           <p:cNvSpPr>
             <a:spLocks noGrp="1" noChangeArrowheads="1"/>
           </p:cNvSpPr>
           <p:nvPr>
-            <p:ph idx="1"/>
-          </p:nvPr>
-        </p:nvSpPr>
-        <p:spPr>
-          <a:xfrm>
-            <a:off x="807522" y="1096199"/>
-            <a:ext cx="10355283" cy="5761801"/>
+            <p:ph type="body" idx="1"/>
+          </p:nvPr>
+        </p:nvSpPr>
+        <p:spPr>
+          <a:xfrm>
+            <a:off x="724395" y="1092530"/>
+            <a:ext cx="5759532" cy="5569527"/>
           </a:xfrm>
         </p:spPr>
         <p:txBody>
           <a:bodyPr>
-            <a:normAutofit fontScale="92500" lnSpcReduction="20000"/>
+            <a:normAutofit lnSpcReduction="10000"/>
           </a:bodyPr>
           <a:lstStyle/>
           <a:p>
             <a:r>
               <a:rPr lang="en-US" dirty="0" smtClean="0"/>
-              <a:t>Moves as much from the kernel into user space</a:t>
-            </a:r>
-          </a:p>
-          <a:p>
-            <a:r>
-              <a:rPr lang="en-US" b="1" dirty="0" smtClean="0">
-                <a:solidFill>
-                  <a:srgbClr val="F7B217"/>
-                </a:solidFill>
-              </a:rPr>
-              <a:t>Mach</a:t>
-            </a:r>
-            <a:r>
-              <a:rPr lang="en-US" b="1" dirty="0" smtClean="0">
-                <a:solidFill>
-                  <a:srgbClr val="3366FF"/>
-                </a:solidFill>
-              </a:rPr>
-              <a:t> </a:t>
-            </a:r>
-            <a:r>
-              <a:rPr lang="en-US" dirty="0" smtClean="0"/>
-              <a:t>example of </a:t>
-            </a:r>
-            <a:r>
-              <a:rPr lang="en-US" b="1" dirty="0" smtClean="0">
-                <a:solidFill>
-                  <a:srgbClr val="F7B217"/>
-                </a:solidFill>
-              </a:rPr>
-              <a:t>microkernel</a:t>
-            </a:r>
-          </a:p>
-          <a:p>
-            <a:pPr lvl="1"/>
-            <a:r>
-              <a:rPr lang="en-US" dirty="0" smtClean="0"/>
-              <a:t>Mac OS X kernel (</a:t>
-            </a:r>
-            <a:r>
-              <a:rPr lang="en-US" b="1" dirty="0" smtClean="0">
-                <a:solidFill>
-                  <a:srgbClr val="F7B217"/>
-                </a:solidFill>
-              </a:rPr>
-              <a:t>Darwin</a:t>
-            </a:r>
-            <a:r>
-              <a:rPr lang="en-US" dirty="0" smtClean="0"/>
-              <a:t>) partly based on Mach</a:t>
-            </a:r>
-            <a:endParaRPr lang="en-US" sz="800" dirty="0" smtClean="0"/>
-          </a:p>
-          <a:p>
-            <a:r>
-              <a:rPr lang="en-US" dirty="0" smtClean="0"/>
-              <a:t>Communication takes place between user modules using </a:t>
-            </a:r>
-            <a:r>
-              <a:rPr lang="en-US" b="1" dirty="0" smtClean="0">
-                <a:solidFill>
-                  <a:srgbClr val="F7B217"/>
-                </a:solidFill>
-              </a:rPr>
-              <a:t>message passing</a:t>
-            </a:r>
-            <a:endParaRPr lang="en-US" sz="800" dirty="0" smtClean="0">
-              <a:solidFill>
-                <a:srgbClr val="F7B217"/>
-              </a:solidFill>
-            </a:endParaRPr>
-          </a:p>
-          <a:p>
-            <a:r>
-              <a:rPr lang="en-US" dirty="0" smtClean="0"/>
-              <a:t>Benefits:</a:t>
-            </a:r>
-          </a:p>
-          <a:p>
-            <a:pPr lvl="1"/>
-            <a:r>
-              <a:rPr lang="en-US" dirty="0" smtClean="0"/>
-              <a:t>Easier to extend a microkernel</a:t>
-            </a:r>
-          </a:p>
-          <a:p>
-            <a:pPr lvl="1"/>
-            <a:r>
-              <a:rPr lang="en-US" dirty="0" smtClean="0"/>
-              <a:t>Easier to port the operating system to new architectures</a:t>
-            </a:r>
-          </a:p>
-          <a:p>
-            <a:pPr lvl="1"/>
-            <a:r>
-              <a:rPr lang="en-US" dirty="0" smtClean="0"/>
-              <a:t>More reliable (less code is running in kernel mode)</a:t>
-            </a:r>
-          </a:p>
-          <a:p>
-            <a:pPr lvl="1"/>
-            <a:r>
-              <a:rPr lang="en-US" dirty="0" smtClean="0"/>
-              <a:t>More secure</a:t>
-            </a:r>
-            <a:endParaRPr lang="en-US" sz="800" dirty="0" smtClean="0"/>
-          </a:p>
-          <a:p>
-            <a:r>
-              <a:rPr lang="en-US" dirty="0" smtClean="0"/>
-              <a:t>Detriments:</a:t>
-            </a:r>
-          </a:p>
-          <a:p>
-            <a:pPr lvl="1"/>
-            <a:r>
-              <a:rPr lang="en-US" dirty="0" smtClean="0"/>
-              <a:t>Performance overhead of user space to kernel space communication</a:t>
-            </a:r>
-          </a:p>
-        </p:txBody>
-      </p:sp>
-      <p:sp>
-        <p:nvSpPr>
-          <p:cNvPr id="4" name="Номер слайда 2"/>
+              <a:t>The operating system is divided into a number of layers (levels), each built on top of lower layers.  The bottom layer (layer 0), is the hardware; the highest (layer N) is the user interface.</a:t>
+            </a:r>
+          </a:p>
+          <a:p>
+            <a:r>
+              <a:rPr lang="en-US" dirty="0" smtClean="0"/>
+              <a:t>With modularity, layers are selected such that each uses functions (operations) and services of only lower-level layers</a:t>
+            </a:r>
+          </a:p>
+        </p:txBody>
+      </p:sp>
+      <p:pic>
+        <p:nvPicPr>
+          <p:cNvPr id="41988" name="Picture 5"/>
+          <p:cNvPicPr>
+            <a:picLocks noChangeAspect="1" noChangeArrowheads="1"/>
+          </p:cNvPicPr>
+          <p:nvPr/>
+        </p:nvPicPr>
+        <p:blipFill>
+          <a:blip r:embed="rId3" cstate="print"/>
+          <a:srcRect/>
+          <a:stretch>
+            <a:fillRect/>
+          </a:stretch>
+        </p:blipFill>
+        <p:spPr bwMode="auto">
+          <a:xfrm>
+            <a:off x="6292559" y="1120699"/>
+            <a:ext cx="5040001" cy="5011429"/>
+          </a:xfrm>
+          <a:prstGeom prst="rect">
+            <a:avLst/>
+          </a:prstGeom>
+          <a:noFill/>
+          <a:ln w="9525">
+            <a:noFill/>
+            <a:miter lim="800000"/>
+            <a:headEnd/>
+            <a:tailEnd/>
+          </a:ln>
+        </p:spPr>
+      </p:pic>
+      <p:sp>
+        <p:nvSpPr>
+          <p:cNvPr id="5" name="Номер слайда 2"/>
           <p:cNvSpPr>
             <a:spLocks noGrp="1"/>
           </p:cNvSpPr>
@@ -11881,7 +11754,7 @@
       </p:grpSpPr>
       <p:sp>
         <p:nvSpPr>
-          <p:cNvPr id="44034" name="Rectangle 2"/>
+          <p:cNvPr id="43010" name="Rectangle 2"/>
           <p:cNvSpPr>
             <a:spLocks noGrp="1" noChangeArrowheads="1"/>
           </p:cNvSpPr>
@@ -11891,7 +11764,7 @@
         </p:nvSpPr>
         <p:spPr>
           <a:xfrm>
-            <a:off x="673100" y="214313"/>
+            <a:off x="1009651" y="198438"/>
             <a:ext cx="10972800" cy="576262"/>
           </a:xfrm>
         </p:spPr>
@@ -11910,38 +11783,152 @@
           </a:p>
         </p:txBody>
       </p:sp>
-      <p:pic>
-        <p:nvPicPr>
-          <p:cNvPr id="44035" name="Picture 2" descr="2_14.pdf"/>
-          <p:cNvPicPr>
-            <a:picLocks noChangeAspect="1"/>
-          </p:cNvPicPr>
-          <p:nvPr/>
-        </p:nvPicPr>
-        <p:blipFill>
-          <a:blip r:embed="rId3" cstate="print"/>
-          <a:srcRect/>
-          <a:stretch>
-            <a:fillRect/>
-          </a:stretch>
-        </p:blipFill>
-        <p:spPr bwMode="auto">
-          <a:xfrm>
-            <a:off x="1341996" y="1247073"/>
-            <a:ext cx="9799680" cy="4739932"/>
-          </a:xfrm>
-          <a:prstGeom prst="rect">
-            <a:avLst/>
-          </a:prstGeom>
-          <a:noFill/>
-          <a:ln w="9525">
-            <a:noFill/>
-            <a:miter lim="800000"/>
-            <a:headEnd/>
-            <a:tailEnd/>
-          </a:ln>
-        </p:spPr>
-      </p:pic>
+      <p:sp>
+        <p:nvSpPr>
+          <p:cNvPr id="43011" name="Rectangle 3"/>
+          <p:cNvSpPr>
+            <a:spLocks noGrp="1" noChangeArrowheads="1"/>
+          </p:cNvSpPr>
+          <p:nvPr>
+            <p:ph idx="1"/>
+          </p:nvPr>
+        </p:nvSpPr>
+        <p:spPr>
+          <a:xfrm>
+            <a:off x="807522" y="1096199"/>
+            <a:ext cx="10355283" cy="5761801"/>
+          </a:xfrm>
+        </p:spPr>
+        <p:txBody>
+          <a:bodyPr>
+            <a:normAutofit fontScale="92500" lnSpcReduction="20000"/>
+          </a:bodyPr>
+          <a:lstStyle/>
+          <a:p>
+            <a:r>
+              <a:rPr lang="en-US" dirty="0" smtClean="0"/>
+              <a:t>Moves as much from the kernel into user space</a:t>
+            </a:r>
+          </a:p>
+          <a:p>
+            <a:r>
+              <a:rPr lang="en-US" b="1" dirty="0" smtClean="0">
+                <a:solidFill>
+                  <a:srgbClr val="F7B217"/>
+                </a:solidFill>
+              </a:rPr>
+              <a:t>Mach</a:t>
+            </a:r>
+            <a:r>
+              <a:rPr lang="en-US" b="1" dirty="0" smtClean="0">
+                <a:solidFill>
+                  <a:srgbClr val="3366FF"/>
+                </a:solidFill>
+              </a:rPr>
+              <a:t> </a:t>
+            </a:r>
+            <a:r>
+              <a:rPr lang="en-US" dirty="0" smtClean="0"/>
+              <a:t>example of </a:t>
+            </a:r>
+            <a:r>
+              <a:rPr lang="en-US" b="1" dirty="0" smtClean="0">
+                <a:solidFill>
+                  <a:srgbClr val="F7B217"/>
+                </a:solidFill>
+              </a:rPr>
+              <a:t>microkernel</a:t>
+            </a:r>
+          </a:p>
+          <a:p>
+            <a:pPr lvl="1"/>
+            <a:r>
+              <a:rPr lang="en-US" dirty="0" smtClean="0"/>
+              <a:t>Mac OS X kernel (</a:t>
+            </a:r>
+            <a:r>
+              <a:rPr lang="en-US" b="1" dirty="0" smtClean="0">
+                <a:solidFill>
+                  <a:srgbClr val="F7B217"/>
+                </a:solidFill>
+              </a:rPr>
+              <a:t>Darwin</a:t>
+            </a:r>
+            <a:r>
+              <a:rPr lang="en-US" dirty="0" smtClean="0"/>
+              <a:t>) partly based on Mach</a:t>
+            </a:r>
+            <a:endParaRPr lang="en-US" sz="800" dirty="0" smtClean="0"/>
+          </a:p>
+          <a:p>
+            <a:r>
+              <a:rPr lang="en-US" dirty="0" smtClean="0"/>
+              <a:t>Communication takes place between user modules using </a:t>
+            </a:r>
+            <a:r>
+              <a:rPr lang="en-US" b="1" dirty="0" smtClean="0">
+                <a:solidFill>
+                  <a:srgbClr val="F7B217"/>
+                </a:solidFill>
+              </a:rPr>
+              <a:t>message passing</a:t>
+            </a:r>
+            <a:endParaRPr lang="en-US" sz="800" dirty="0" smtClean="0">
+              <a:solidFill>
+                <a:srgbClr val="F7B217"/>
+              </a:solidFill>
+            </a:endParaRPr>
+          </a:p>
+          <a:p>
+            <a:r>
+              <a:rPr lang="en-US" dirty="0" smtClean="0"/>
+              <a:t>Benefits:</a:t>
+            </a:r>
+          </a:p>
+          <a:p>
+            <a:pPr lvl="1"/>
+            <a:r>
+              <a:rPr lang="en-US" dirty="0" smtClean="0"/>
+              <a:t>Easier to extend a microkernel</a:t>
+            </a:r>
+          </a:p>
+          <a:p>
+            <a:pPr lvl="1"/>
+            <a:r>
+              <a:rPr lang="en-US" dirty="0" smtClean="0"/>
+              <a:t>Easier to port the operating system to new architectures</a:t>
+            </a:r>
+          </a:p>
+          <a:p>
+            <a:pPr lvl="1"/>
+            <a:r>
+              <a:rPr lang="en-US" dirty="0" smtClean="0"/>
+              <a:t>More reliable (less code is running in kernel mode)</a:t>
+            </a:r>
+          </a:p>
+          <a:p>
+            <a:pPr lvl="1"/>
+            <a:r>
+              <a:rPr lang="en-US" dirty="0" smtClean="0"/>
+              <a:t>More secure</a:t>
+            </a:r>
+            <a:endParaRPr lang="en-US" sz="800" dirty="0" smtClean="0"/>
+          </a:p>
+          <a:p>
+            <a:r>
+              <a:rPr lang="en-US" dirty="0" smtClean="0"/>
+              <a:t>Detriments:</a:t>
+            </a:r>
+          </a:p>
+          <a:p>
+            <a:pPr lvl="1"/>
+            <a:r>
+              <a:rPr lang="en-US" dirty="0" smtClean="0"/>
+              <a:t>Performance overhead of user space to kernel space communication</a:t>
+            </a:r>
+          </a:p>
+        </p:txBody>
+      </p:sp>
       <p:sp>
         <p:nvSpPr>
           <p:cNvPr id="4" name="Номер слайда 2"/>
@@ -11999,7 +11986,7 @@
       </p:grpSpPr>
       <p:sp>
         <p:nvSpPr>
-          <p:cNvPr id="45058" name="Rectangle 2"/>
+          <p:cNvPr id="44034" name="Rectangle 2"/>
           <p:cNvSpPr>
             <a:spLocks noGrp="1" noChangeArrowheads="1"/>
           </p:cNvSpPr>
@@ -12007,111 +11994,59 @@
             <p:ph type="title"/>
           </p:nvPr>
         </p:nvSpPr>
-        <p:spPr/>
-        <p:txBody>
-          <a:bodyPr/>
+        <p:spPr>
+          <a:xfrm>
+            <a:off x="673100" y="214313"/>
+            <a:ext cx="10972800" cy="576262"/>
+          </a:xfrm>
+        </p:spPr>
+        <p:txBody>
+          <a:bodyPr>
+            <a:normAutofit fontScale="90000"/>
+          </a:bodyPr>
           <a:lstStyle/>
           <a:p>
             <a:pPr eaLnBrk="1" hangingPunct="1"/>
             <a:r>
               <a:rPr lang="en-US" smtClean="0"/>
-              <a:t>Modules</a:t>
-            </a:r>
-          </a:p>
-        </p:txBody>
-      </p:sp>
-      <p:sp>
-        <p:nvSpPr>
-          <p:cNvPr id="45059" name="Rectangle 3"/>
-          <p:cNvSpPr>
-            <a:spLocks noGrp="1" noChangeArrowheads="1"/>
-          </p:cNvSpPr>
-          <p:nvPr>
-            <p:ph type="body" idx="1"/>
-          </p:nvPr>
-        </p:nvSpPr>
-        <p:spPr>
-          <a:xfrm>
-            <a:off x="1075267" y="1233489"/>
-            <a:ext cx="10111289" cy="5155436"/>
-          </a:xfrm>
-        </p:spPr>
-        <p:txBody>
-          <a:bodyPr/>
-          <a:lstStyle/>
-          <a:p>
-            <a:r>
-              <a:rPr lang="en-US" dirty="0" smtClean="0"/>
-              <a:t>Many modern operating systems implement </a:t>
-            </a:r>
-            <a:r>
-              <a:rPr lang="en-US" b="1" dirty="0" smtClean="0">
-                <a:solidFill>
-                  <a:srgbClr val="F7B217"/>
-                </a:solidFill>
-              </a:rPr>
-              <a:t>loadable</a:t>
-            </a:r>
-            <a:r>
-              <a:rPr lang="en-US" dirty="0" smtClean="0">
-                <a:solidFill>
-                  <a:srgbClr val="F7B217"/>
-                </a:solidFill>
-              </a:rPr>
-              <a:t> </a:t>
-            </a:r>
-            <a:r>
-              <a:rPr lang="en-US" b="1" dirty="0" smtClean="0">
-                <a:solidFill>
-                  <a:srgbClr val="F7B217"/>
-                </a:solidFill>
-              </a:rPr>
-              <a:t>kernel modules</a:t>
-            </a:r>
-          </a:p>
-          <a:p>
-            <a:pPr lvl="1"/>
-            <a:r>
-              <a:rPr lang="en-US" dirty="0" smtClean="0"/>
-              <a:t>Uses object-oriented approach</a:t>
-            </a:r>
-          </a:p>
-          <a:p>
-            <a:pPr lvl="1"/>
-            <a:r>
-              <a:rPr lang="en-US" dirty="0" smtClean="0"/>
-              <a:t>Each core component is separate</a:t>
-            </a:r>
-          </a:p>
-          <a:p>
-            <a:pPr lvl="1"/>
-            <a:r>
-              <a:rPr lang="en-US" dirty="0" smtClean="0"/>
-              <a:t>Each talks to the others over known interfaces</a:t>
-            </a:r>
-          </a:p>
-          <a:p>
-            <a:pPr lvl="1"/>
-            <a:r>
-              <a:rPr lang="en-US" dirty="0" smtClean="0"/>
-              <a:t>Each is loadable as needed within the kernel</a:t>
-            </a:r>
-          </a:p>
-          <a:p>
-            <a:r>
-              <a:rPr lang="en-US" dirty="0" smtClean="0"/>
-              <a:t>Overall, similar to layers but with more flexible</a:t>
-            </a:r>
-          </a:p>
-          <a:p>
-            <a:pPr lvl="1"/>
-            <a:r>
-              <a:rPr lang="en-US" dirty="0" smtClean="0"/>
-              <a:t>Linux, Solaris, etc</a:t>
-            </a:r>
-          </a:p>
-        </p:txBody>
-      </p:sp>
+              <a:t>Microkernel System Structure </a:t>
+            </a:r>
+            <a:endParaRPr lang="en-US" sz="2400" smtClean="0"/>
+          </a:p>
+        </p:txBody>
+      </p:sp>
+      <p:pic>
+        <p:nvPicPr>
+          <p:cNvPr id="44035" name="Picture 2" descr="2_14.pdf"/>
+          <p:cNvPicPr>
+            <a:picLocks noChangeAspect="1"/>
+          </p:cNvPicPr>
+          <p:nvPr/>
+        </p:nvPicPr>
+        <p:blipFill>
+          <a:blip r:embed="rId3" cstate="print"/>
+          <a:srcRect/>
+          <a:stretch>
+            <a:fillRect/>
+          </a:stretch>
+        </p:blipFill>
+        <p:spPr bwMode="auto">
+          <a:xfrm>
+            <a:off x="1341996" y="1247073"/>
+            <a:ext cx="9799680" cy="4739932"/>
+          </a:xfrm>
+          <a:prstGeom prst="rect">
+            <a:avLst/>
+          </a:prstGeom>
+          <a:noFill/>
+          <a:ln w="9525">
+            <a:noFill/>
+            <a:miter lim="800000"/>
+            <a:headEnd/>
+            <a:tailEnd/>
+          </a:ln>
+        </p:spPr>
+      </p:pic>
       <p:sp>
         <p:nvSpPr>
           <p:cNvPr id="4" name="Номер слайда 2"/>
@@ -12169,7 +12104,122 @@
       </p:grpSpPr>
       <p:sp>
         <p:nvSpPr>
-          <p:cNvPr id="3" name="Номер слайда 2"/>
+          <p:cNvPr id="45058" name="Rectangle 2"/>
+          <p:cNvSpPr>
+            <a:spLocks noGrp="1" noChangeArrowheads="1"/>
+          </p:cNvSpPr>
+          <p:nvPr>
+            <p:ph type="title"/>
+          </p:nvPr>
+        </p:nvSpPr>
+        <p:spPr/>
+        <p:txBody>
+          <a:bodyPr/>
+          <a:lstStyle/>
+          <a:p>
+            <a:pPr eaLnBrk="1" hangingPunct="1"/>
+            <a:r>
+              <a:rPr lang="en-US" smtClean="0"/>
+              <a:t>Modules</a:t>
+            </a:r>
+          </a:p>
+        </p:txBody>
+      </p:sp>
+      <p:sp>
+        <p:nvSpPr>
+          <p:cNvPr id="45059" name="Rectangle 3"/>
+          <p:cNvSpPr>
+            <a:spLocks noGrp="1" noChangeArrowheads="1"/>
+          </p:cNvSpPr>
+          <p:nvPr>
+            <p:ph type="body" idx="1"/>
+          </p:nvPr>
+        </p:nvSpPr>
+        <p:spPr>
+          <a:xfrm>
+            <a:off x="1075267" y="1233489"/>
+            <a:ext cx="10111289" cy="5155436"/>
+          </a:xfrm>
+        </p:spPr>
+        <p:txBody>
+          <a:bodyPr/>
+          <a:lstStyle/>
+          <a:p>
+            <a:r>
+              <a:rPr lang="en-US" dirty="0" smtClean="0"/>
+              <a:t>Many modern operating systems implement </a:t>
+            </a:r>
+            <a:r>
+              <a:rPr lang="en-US" b="1" dirty="0" smtClean="0">
+                <a:solidFill>
+                  <a:srgbClr val="F7B217"/>
+                </a:solidFill>
+              </a:rPr>
+              <a:t>loadable</a:t>
+            </a:r>
+            <a:r>
+              <a:rPr lang="en-US" dirty="0" smtClean="0">
+                <a:solidFill>
+                  <a:srgbClr val="F7B217"/>
+                </a:solidFill>
+              </a:rPr>
+              <a:t> </a:t>
+            </a:r>
+            <a:r>
+              <a:rPr lang="en-US" b="1" dirty="0" smtClean="0">
+                <a:solidFill>
+                  <a:srgbClr val="F7B217"/>
+                </a:solidFill>
+              </a:rPr>
+              <a:t>kernel modules</a:t>
+            </a:r>
+          </a:p>
+          <a:p>
+            <a:pPr lvl="1"/>
+            <a:r>
+              <a:rPr lang="en-US" dirty="0" smtClean="0"/>
+              <a:t>Uses object-oriented approach</a:t>
+            </a:r>
+          </a:p>
+          <a:p>
+            <a:pPr lvl="1"/>
+            <a:r>
+              <a:rPr lang="en-US" dirty="0" smtClean="0"/>
+              <a:t>Each core component is separate</a:t>
+            </a:r>
+          </a:p>
+          <a:p>
+            <a:pPr lvl="1"/>
+            <a:r>
+              <a:rPr lang="en-US" dirty="0" smtClean="0"/>
+              <a:t>Each talks to the others over known interfaces</a:t>
+            </a:r>
+          </a:p>
+          <a:p>
+            <a:pPr lvl="1"/>
+            <a:r>
+              <a:rPr lang="en-US" dirty="0" smtClean="0"/>
+              <a:t>Each is loadable as needed within the kernel</a:t>
+            </a:r>
+          </a:p>
+          <a:p>
+            <a:r>
+              <a:rPr lang="en-US" dirty="0" smtClean="0"/>
+              <a:t>Overall, similar to layers but with more flexible</a:t>
+            </a:r>
+          </a:p>
+          <a:p>
+            <a:pPr lvl="1"/>
+            <a:r>
+              <a:rPr lang="en-US" dirty="0" smtClean="0"/>
+              <a:t>Linux, Solaris, etc</a:t>
+            </a:r>
+          </a:p>
+        </p:txBody>
+      </p:sp>
+      <p:sp>
+        <p:nvSpPr>
+          <p:cNvPr id="4" name="Номер слайда 2"/>
           <p:cNvSpPr>
             <a:spLocks noGrp="1"/>
           </p:cNvSpPr>
@@ -12177,7 +12227,12 @@
             <p:ph type="sldNum" sz="quarter" idx="12"/>
           </p:nvPr>
         </p:nvSpPr>
-        <p:spPr/>
+        <p:spPr>
+          <a:xfrm>
+            <a:off x="10776031" y="6190938"/>
+            <a:ext cx="594673" cy="479419"/>
+          </a:xfrm>
+        </p:spPr>
         <p:txBody>
           <a:bodyPr/>
           <a:lstStyle/>
@@ -12192,61 +12247,6 @@
           </a:p>
         </p:txBody>
       </p:sp>
-      <p:sp>
-        <p:nvSpPr>
-          <p:cNvPr id="4" name="Заголовок 3"/>
-          <p:cNvSpPr>
-            <a:spLocks noGrp="1"/>
-          </p:cNvSpPr>
-          <p:nvPr>
-            <p:ph type="title"/>
-          </p:nvPr>
-        </p:nvSpPr>
-        <p:spPr/>
-        <p:txBody>
-          <a:bodyPr/>
-          <a:lstStyle/>
-          <a:p>
-            <a:r>
-              <a:rPr lang="en-US" dirty="0" smtClean="0"/>
-              <a:t>Solaris Modular Approach</a:t>
-            </a:r>
-            <a:endParaRPr lang="ru-RU" dirty="0"/>
-          </a:p>
-        </p:txBody>
-      </p:sp>
-      <p:pic>
-        <p:nvPicPr>
-          <p:cNvPr id="5" name="Picture 4"/>
-          <p:cNvPicPr>
-            <a:picLocks noChangeAspect="1" noChangeArrowheads="1"/>
-          </p:cNvPicPr>
-          <p:nvPr/>
-        </p:nvPicPr>
-        <p:blipFill>
-          <a:blip r:embed="rId2" cstate="print"/>
-          <a:srcRect/>
-          <a:stretch>
-            <a:fillRect/>
-          </a:stretch>
-        </p:blipFill>
-        <p:spPr bwMode="auto">
-          <a:xfrm>
-            <a:off x="1656884" y="1669885"/>
-            <a:ext cx="9275233" cy="3748088"/>
-          </a:xfrm>
-          <a:prstGeom prst="rect">
-            <a:avLst/>
-          </a:prstGeom>
-          <a:noFill/>
-          <a:ln w="9525">
-            <a:noFill/>
-            <a:miter lim="800000"/>
-            <a:headEnd/>
-            <a:tailEnd/>
-          </a:ln>
-        </p:spPr>
-      </p:pic>
     </p:spTree>
   </p:cSld>
   <p:clrMapOvr>
@@ -12274,140 +12274,7 @@
       </p:grpSpPr>
       <p:sp>
         <p:nvSpPr>
-          <p:cNvPr id="47106" name="Rectangle 2"/>
-          <p:cNvSpPr>
-            <a:spLocks noGrp="1" noChangeArrowheads="1"/>
-          </p:cNvSpPr>
-          <p:nvPr>
-            <p:ph type="title"/>
-          </p:nvPr>
-        </p:nvSpPr>
-        <p:spPr>
-          <a:xfrm>
-            <a:off x="609600" y="198438"/>
-            <a:ext cx="10972800" cy="576262"/>
-          </a:xfrm>
-        </p:spPr>
-        <p:txBody>
-          <a:bodyPr>
-            <a:normAutofit fontScale="90000"/>
-          </a:bodyPr>
-          <a:lstStyle/>
-          <a:p>
-            <a:pPr eaLnBrk="1" hangingPunct="1"/>
-            <a:r>
-              <a:rPr lang="en-US" smtClean="0"/>
-              <a:t>Hybrid Systems</a:t>
-            </a:r>
-          </a:p>
-        </p:txBody>
-      </p:sp>
-      <p:sp>
-        <p:nvSpPr>
-          <p:cNvPr id="47107" name="Rectangle 3"/>
-          <p:cNvSpPr>
-            <a:spLocks noGrp="1" noChangeArrowheads="1"/>
-          </p:cNvSpPr>
-          <p:nvPr>
-            <p:ph type="body" idx="1"/>
-          </p:nvPr>
-        </p:nvSpPr>
-        <p:spPr>
-          <a:xfrm>
-            <a:off x="902525" y="985655"/>
-            <a:ext cx="10272156" cy="5765469"/>
-          </a:xfrm>
-        </p:spPr>
-        <p:txBody>
-          <a:bodyPr>
-            <a:normAutofit fontScale="92500" lnSpcReduction="10000"/>
-          </a:bodyPr>
-          <a:lstStyle/>
-          <a:p>
-            <a:r>
-              <a:rPr lang="en-US" dirty="0" smtClean="0"/>
-              <a:t>Most modern operating systems are actually not one pure model</a:t>
-            </a:r>
-          </a:p>
-          <a:p>
-            <a:pPr lvl="1"/>
-            <a:r>
-              <a:rPr lang="en-US" dirty="0" smtClean="0"/>
-              <a:t>Hybrid combines multiple approaches to address performance, security, usability needs</a:t>
-            </a:r>
-          </a:p>
-          <a:p>
-            <a:pPr lvl="1"/>
-            <a:r>
-              <a:rPr lang="en-US" dirty="0" smtClean="0"/>
-              <a:t>Linux and Solaris kernels in kernel address space, so monolithic, plus modular for dynamic loading of functionality</a:t>
-            </a:r>
-          </a:p>
-          <a:p>
-            <a:pPr lvl="1"/>
-            <a:r>
-              <a:rPr lang="en-US" dirty="0" smtClean="0"/>
-              <a:t>Windows mostly monolithic, plus microkernel for different subsystem </a:t>
-            </a:r>
-            <a:r>
-              <a:rPr lang="en-US" b="1" i="1" dirty="0" smtClean="0"/>
-              <a:t>personalities</a:t>
-            </a:r>
-          </a:p>
-          <a:p>
-            <a:r>
-              <a:rPr lang="en-US" dirty="0" smtClean="0"/>
-              <a:t>Apple Mac OS X hybrid, layered, </a:t>
-            </a:r>
-            <a:r>
-              <a:rPr lang="en-US" b="1" dirty="0" smtClean="0">
-                <a:solidFill>
-                  <a:srgbClr val="F7B217"/>
-                </a:solidFill>
-              </a:rPr>
-              <a:t>Aqua</a:t>
-            </a:r>
-            <a:r>
-              <a:rPr lang="en-US" dirty="0" smtClean="0"/>
-              <a:t> UI plus </a:t>
-            </a:r>
-            <a:r>
-              <a:rPr lang="en-US" b="1" dirty="0" smtClean="0">
-                <a:solidFill>
-                  <a:srgbClr val="F7B217"/>
-                </a:solidFill>
-              </a:rPr>
-              <a:t>Cocoa</a:t>
-            </a:r>
-            <a:r>
-              <a:rPr lang="en-US" dirty="0" smtClean="0"/>
-              <a:t> programming environment</a:t>
-            </a:r>
-          </a:p>
-          <a:p>
-            <a:pPr lvl="1"/>
-            <a:r>
-              <a:rPr lang="en-US" dirty="0" smtClean="0"/>
-              <a:t>Below is kernel consisting of Mach microkernel and BSD Unix parts, plus I/O kit and dynamically loadable modules (called </a:t>
-            </a:r>
-            <a:r>
-              <a:rPr lang="en-US" b="1" dirty="0" smtClean="0">
-                <a:solidFill>
-                  <a:srgbClr val="F7B217"/>
-                </a:solidFill>
-              </a:rPr>
-              <a:t>kernel extensions</a:t>
-            </a:r>
-            <a:r>
-              <a:rPr lang="en-US" dirty="0" smtClean="0"/>
-              <a:t>)</a:t>
-            </a:r>
-          </a:p>
-        </p:txBody>
-      </p:sp>
-      <p:sp>
-        <p:nvSpPr>
-          <p:cNvPr id="4" name="Номер слайда 5"/>
+          <p:cNvPr id="3" name="Номер слайда 2"/>
           <p:cNvSpPr>
             <a:spLocks noGrp="1"/>
           </p:cNvSpPr>
@@ -12415,12 +12282,7 @@
             <p:ph type="sldNum" sz="quarter" idx="12"/>
           </p:nvPr>
         </p:nvSpPr>
-        <p:spPr>
-          <a:xfrm>
-            <a:off x="10776031" y="6190938"/>
-            <a:ext cx="594673" cy="479419"/>
-          </a:xfrm>
-        </p:spPr>
+        <p:spPr/>
         <p:txBody>
           <a:bodyPr/>
           <a:lstStyle/>
@@ -12435,6 +12297,61 @@
           </a:p>
         </p:txBody>
       </p:sp>
+      <p:sp>
+        <p:nvSpPr>
+          <p:cNvPr id="4" name="Заголовок 3"/>
+          <p:cNvSpPr>
+            <a:spLocks noGrp="1"/>
+          </p:cNvSpPr>
+          <p:nvPr>
+            <p:ph type="title"/>
+          </p:nvPr>
+        </p:nvSpPr>
+        <p:spPr/>
+        <p:txBody>
+          <a:bodyPr/>
+          <a:lstStyle/>
+          <a:p>
+            <a:r>
+              <a:rPr lang="en-US" dirty="0" smtClean="0"/>
+              <a:t>Solaris Modular Approach</a:t>
+            </a:r>
+            <a:endParaRPr lang="ru-RU" dirty="0"/>
+          </a:p>
+        </p:txBody>
+      </p:sp>
+      <p:pic>
+        <p:nvPicPr>
+          <p:cNvPr id="5" name="Picture 4"/>
+          <p:cNvPicPr>
+            <a:picLocks noChangeAspect="1" noChangeArrowheads="1"/>
+          </p:cNvPicPr>
+          <p:nvPr/>
+        </p:nvPicPr>
+        <p:blipFill>
+          <a:blip r:embed="rId2" cstate="print"/>
+          <a:srcRect/>
+          <a:stretch>
+            <a:fillRect/>
+          </a:stretch>
+        </p:blipFill>
+        <p:spPr bwMode="auto">
+          <a:xfrm>
+            <a:off x="1656884" y="1669885"/>
+            <a:ext cx="9275233" cy="3748088"/>
+          </a:xfrm>
+          <a:prstGeom prst="rect">
+            <a:avLst/>
+          </a:prstGeom>
+          <a:noFill/>
+          <a:ln w="9525">
+            <a:noFill/>
+            <a:miter lim="800000"/>
+            <a:headEnd/>
+            <a:tailEnd/>
+          </a:ln>
+        </p:spPr>
+      </p:pic>
     </p:spTree>
   </p:cSld>
   <p:clrMapOvr>
@@ -12462,50 +12379,137 @@
       </p:grpSpPr>
       <p:sp>
         <p:nvSpPr>
-          <p:cNvPr id="48130" name="Title 1"/>
-          <p:cNvSpPr>
-            <a:spLocks noGrp="1"/>
+          <p:cNvPr id="47106" name="Rectangle 2"/>
+          <p:cNvSpPr>
+            <a:spLocks noGrp="1" noChangeArrowheads="1"/>
           </p:cNvSpPr>
           <p:nvPr>
             <p:ph type="title"/>
           </p:nvPr>
         </p:nvSpPr>
-        <p:spPr/>
-        <p:txBody>
-          <a:bodyPr/>
-          <a:lstStyle/>
-          <a:p>
+        <p:spPr>
+          <a:xfrm>
+            <a:off x="609600" y="198438"/>
+            <a:ext cx="10972800" cy="576262"/>
+          </a:xfrm>
+        </p:spPr>
+        <p:txBody>
+          <a:bodyPr>
+            <a:normAutofit fontScale="90000"/>
+          </a:bodyPr>
+          <a:lstStyle/>
+          <a:p>
+            <a:pPr eaLnBrk="1" hangingPunct="1"/>
             <a:r>
               <a:rPr lang="en-US" smtClean="0"/>
-              <a:t>Mac OS X Structure</a:t>
-            </a:r>
-          </a:p>
-        </p:txBody>
-      </p:sp>
-      <p:pic>
-        <p:nvPicPr>
-          <p:cNvPr id="48131" name="Content Placeholder 3" descr="2_16.pdf"/>
-          <p:cNvPicPr>
-            <a:picLocks noGrp="1" noChangeAspect="1"/>
-          </p:cNvPicPr>
-          <p:nvPr>
-            <p:ph idx="1"/>
-          </p:nvPr>
-        </p:nvPicPr>
-        <p:blipFill>
-          <a:blip r:embed="rId2" cstate="print"/>
-          <a:srcRect l="554" r="554"/>
-          <a:stretch>
-            <a:fillRect/>
-          </a:stretch>
-        </p:blipFill>
-        <p:spPr>
-          <a:xfrm>
-            <a:off x="1238251" y="1458914"/>
-            <a:ext cx="9880600" cy="4079875"/>
-          </a:xfrm>
-        </p:spPr>
-      </p:pic>
+              <a:t>Hybrid Systems</a:t>
+            </a:r>
+          </a:p>
+        </p:txBody>
+      </p:sp>
+      <p:sp>
+        <p:nvSpPr>
+          <p:cNvPr id="47107" name="Rectangle 3"/>
+          <p:cNvSpPr>
+            <a:spLocks noGrp="1" noChangeArrowheads="1"/>
+          </p:cNvSpPr>
+          <p:nvPr>
+            <p:ph type="body" idx="1"/>
+          </p:nvPr>
+        </p:nvSpPr>
+        <p:spPr>
+          <a:xfrm>
+            <a:off x="902525" y="985655"/>
+            <a:ext cx="10272156" cy="5765469"/>
+          </a:xfrm>
+        </p:spPr>
+        <p:txBody>
+          <a:bodyPr>
+            <a:normAutofit fontScale="92500" lnSpcReduction="10000"/>
+          </a:bodyPr>
+          <a:lstStyle/>
+          <a:p>
+            <a:r>
+              <a:rPr lang="en-US" dirty="0" smtClean="0"/>
+              <a:t>Most modern operating systems are actually not one pure model</a:t>
+            </a:r>
+          </a:p>
+          <a:p>
+            <a:pPr lvl="1"/>
+            <a:r>
+              <a:rPr lang="en-US" dirty="0" smtClean="0"/>
+              <a:t>Hybrid combines multiple approaches to address performance, security, usability needs</a:t>
+            </a:r>
+          </a:p>
+          <a:p>
+            <a:pPr lvl="1"/>
+            <a:r>
+              <a:rPr lang="en-US" dirty="0" smtClean="0"/>
+              <a:t>Linux and Solaris kernels in kernel address space, so monolithic, plus modular for dynamic loading of functionality</a:t>
+            </a:r>
+          </a:p>
+          <a:p>
+            <a:pPr lvl="1"/>
+            <a:r>
+              <a:rPr lang="en-US" dirty="0" smtClean="0"/>
+              <a:t>Windows mostly monolithic, plus microkernel for different subsystem </a:t>
+            </a:r>
+            <a:r>
+              <a:rPr lang="en-US" b="1" i="1" dirty="0" smtClean="0"/>
+              <a:t>personalities</a:t>
+            </a:r>
+          </a:p>
+          <a:p>
+            <a:r>
+              <a:rPr lang="en-US" dirty="0" smtClean="0"/>
+              <a:t>Apple Mac OS X hybrid, layered, </a:t>
+            </a:r>
+            <a:r>
+              <a:rPr lang="en-US" b="1" dirty="0" smtClean="0">
+                <a:solidFill>
+                  <a:srgbClr val="F7B217"/>
+                </a:solidFill>
+              </a:rPr>
+              <a:t>Aqua</a:t>
+            </a:r>
+            <a:r>
+              <a:rPr lang="en-US" dirty="0" smtClean="0"/>
+              <a:t> UI plus </a:t>
+            </a:r>
+            <a:r>
+              <a:rPr lang="en-US" b="1" dirty="0" smtClean="0">
+                <a:solidFill>
+                  <a:srgbClr val="F7B217"/>
+                </a:solidFill>
+              </a:rPr>
+              <a:t>Cocoa</a:t>
+            </a:r>
+            <a:r>
+              <a:rPr lang="en-US" dirty="0" smtClean="0"/>
+              <a:t> programming environment</a:t>
+            </a:r>
+          </a:p>
+          <a:p>
+            <a:pPr lvl="1"/>
+            <a:r>
+              <a:rPr lang="en-US" dirty="0" smtClean="0"/>
+              <a:t>Below is kernel consisting of Mach microkernel and BSD Unix parts, plus I/O kit and dynamically loadable modules (called </a:t>
+            </a:r>
+            <a:r>
+              <a:rPr lang="en-US" b="1" dirty="0" smtClean="0">
+                <a:solidFill>
+                  <a:srgbClr val="F7B217"/>
+                </a:solidFill>
+              </a:rPr>
+              <a:t>kernel extensions</a:t>
+            </a:r>
+            <a:r>
+              <a:rPr lang="en-US" dirty="0" smtClean="0"/>
+              <a:t>)</a:t>
+            </a:r>
+          </a:p>
+        </p:txBody>
+      </p:sp>
       <p:sp>
         <p:nvSpPr>
           <p:cNvPr id="4" name="Номер слайда 5"/>
@@ -12563,184 +12567,53 @@
       </p:grpSpPr>
       <p:sp>
         <p:nvSpPr>
-          <p:cNvPr id="49154" name="Rectangle 2"/>
-          <p:cNvSpPr>
-            <a:spLocks noGrp="1" noChangeArrowheads="1"/>
+          <p:cNvPr id="48130" name="Title 1"/>
+          <p:cNvSpPr>
+            <a:spLocks noGrp="1"/>
           </p:cNvSpPr>
           <p:nvPr>
             <p:ph type="title"/>
           </p:nvPr>
         </p:nvSpPr>
-        <p:spPr>
-          <a:xfrm>
-            <a:off x="609600" y="166688"/>
-            <a:ext cx="10972800" cy="576262"/>
-          </a:xfrm>
-        </p:spPr>
-        <p:txBody>
-          <a:bodyPr>
-            <a:normAutofit fontScale="90000"/>
-          </a:bodyPr>
-          <a:lstStyle/>
-          <a:p>
-            <a:pPr eaLnBrk="1" hangingPunct="1"/>
+        <p:spPr/>
+        <p:txBody>
+          <a:bodyPr/>
+          <a:lstStyle/>
+          <a:p>
             <a:r>
               <a:rPr lang="en-US" smtClean="0"/>
-              <a:t>iOS</a:t>
-            </a:r>
-          </a:p>
-        </p:txBody>
-      </p:sp>
-      <p:sp>
-        <p:nvSpPr>
-          <p:cNvPr id="49155" name="Rectangle 3"/>
-          <p:cNvSpPr>
-            <a:spLocks noGrp="1" noChangeArrowheads="1"/>
-          </p:cNvSpPr>
-          <p:nvPr>
-            <p:ph type="body" idx="1"/>
-          </p:nvPr>
-        </p:nvSpPr>
-        <p:spPr>
-          <a:xfrm>
-            <a:off x="695260" y="1067237"/>
-            <a:ext cx="8424989" cy="5499820"/>
-          </a:xfrm>
-        </p:spPr>
-        <p:txBody>
-          <a:bodyPr>
-            <a:normAutofit fontScale="92500"/>
-          </a:bodyPr>
-          <a:lstStyle/>
-          <a:p>
-            <a:r>
-              <a:rPr lang="en-US" dirty="0" smtClean="0"/>
-              <a:t>Apple mobile OS for </a:t>
-            </a:r>
-            <a:r>
-              <a:rPr lang="en-US" b="1" i="1" dirty="0" err="1" smtClean="0"/>
-              <a:t>iPhone</a:t>
-            </a:r>
-            <a:r>
-              <a:rPr lang="en-US" dirty="0" smtClean="0"/>
-              <a:t>, </a:t>
-            </a:r>
-            <a:r>
-              <a:rPr lang="en-US" b="1" i="1" dirty="0" err="1" smtClean="0"/>
-              <a:t>iPad</a:t>
-            </a:r>
-            <a:endParaRPr lang="en-US" dirty="0" smtClean="0"/>
-          </a:p>
-          <a:p>
-            <a:pPr lvl="1"/>
-            <a:r>
-              <a:rPr lang="en-US" dirty="0" smtClean="0"/>
-              <a:t>Structured on Mac OS X, added functionality</a:t>
-            </a:r>
-          </a:p>
-          <a:p>
-            <a:pPr lvl="1"/>
-            <a:r>
-              <a:rPr lang="en-US" dirty="0" smtClean="0"/>
-              <a:t>Does not run OS X applications natively</a:t>
-            </a:r>
-          </a:p>
-          <a:p>
-            <a:pPr lvl="2"/>
-            <a:r>
-              <a:rPr lang="en-US" sz="2600" dirty="0" smtClean="0"/>
-              <a:t>Also runs on different CPU architecture (ARM vs. Intel)</a:t>
-            </a:r>
-          </a:p>
-          <a:p>
-            <a:pPr lvl="1"/>
-            <a:r>
-              <a:rPr lang="en-US" b="1" dirty="0" smtClean="0">
-                <a:solidFill>
-                  <a:srgbClr val="F7B217"/>
-                </a:solidFill>
-              </a:rPr>
-              <a:t>Cocoa Touch </a:t>
-            </a:r>
-            <a:r>
-              <a:rPr lang="en-US" dirty="0" smtClean="0"/>
-              <a:t>Objective-C API for developing apps</a:t>
-            </a:r>
-          </a:p>
-          <a:p>
-            <a:pPr lvl="1"/>
-            <a:r>
-              <a:rPr lang="en-US" b="1" dirty="0" smtClean="0">
-                <a:solidFill>
-                  <a:srgbClr val="F7B217"/>
-                </a:solidFill>
-              </a:rPr>
-              <a:t>Media services </a:t>
-            </a:r>
-            <a:r>
-              <a:rPr lang="en-US" dirty="0" smtClean="0"/>
-              <a:t>layer for graphics, audio, video</a:t>
-            </a:r>
-          </a:p>
-          <a:p>
-            <a:pPr lvl="1"/>
-            <a:r>
-              <a:rPr lang="en-US" b="1" dirty="0" smtClean="0">
-                <a:solidFill>
-                  <a:srgbClr val="F7B217"/>
-                </a:solidFill>
-              </a:rPr>
-              <a:t>Core services </a:t>
-            </a:r>
-            <a:r>
-              <a:rPr lang="en-US" dirty="0" smtClean="0"/>
-              <a:t>provides cloud computing, databases</a:t>
-            </a:r>
-          </a:p>
-          <a:p>
-            <a:pPr lvl="1"/>
-            <a:r>
-              <a:rPr lang="en-US" dirty="0" smtClean="0"/>
-              <a:t>Core operating system, based on Mac OS X kernel</a:t>
+              <a:t>Mac OS X Structure</a:t>
             </a:r>
           </a:p>
         </p:txBody>
       </p:sp>
       <p:pic>
         <p:nvPicPr>
-          <p:cNvPr id="49156" name="Picture 1" descr="2_17.pdf"/>
+          <p:cNvPr id="48131" name="Content Placeholder 3" descr="2_16.pdf"/>
           <p:cNvPicPr>
-            <a:picLocks noChangeAspect="1"/>
+            <a:picLocks noGrp="1" noChangeAspect="1"/>
           </p:cNvPicPr>
-          <p:nvPr/>
+          <p:nvPr>
+            <p:ph idx="1"/>
+          </p:nvPr>
         </p:nvPicPr>
         <p:blipFill>
-          <a:blip r:embed="rId3" cstate="print"/>
-          <a:srcRect/>
+          <a:blip r:embed="rId2" cstate="print"/>
+          <a:srcRect l="554" r="554"/>
           <a:stretch>
             <a:fillRect/>
           </a:stretch>
         </p:blipFill>
-        <p:spPr bwMode="auto">
-          <a:xfrm>
-            <a:off x="8743620" y="2454214"/>
-            <a:ext cx="2502311" cy="2043112"/>
-          </a:xfrm>
-          <a:prstGeom prst="rect">
-            <a:avLst/>
-          </a:prstGeom>
-          <a:noFill/>
-          <a:ln w="9525">
-            <a:noFill/>
-            <a:miter lim="800000"/>
-            <a:headEnd/>
-            <a:tailEnd/>
-          </a:ln>
+        <p:spPr>
+          <a:xfrm>
+            <a:off x="1238251" y="1458914"/>
+            <a:ext cx="9880600" cy="4079875"/>
+          </a:xfrm>
         </p:spPr>
       </p:pic>
       <p:sp>
         <p:nvSpPr>
-          <p:cNvPr id="5" name="Номер слайда 5"/>
+          <p:cNvPr id="4" name="Номер слайда 5"/>
           <p:cNvSpPr>
             <a:spLocks noGrp="1"/>
           </p:cNvSpPr>
@@ -12795,7 +12668,7 @@
       </p:grpSpPr>
       <p:sp>
         <p:nvSpPr>
-          <p:cNvPr id="50178" name="Rectangle 2"/>
+          <p:cNvPr id="49154" name="Rectangle 2"/>
           <p:cNvSpPr>
             <a:spLocks noGrp="1" noChangeArrowheads="1"/>
           </p:cNvSpPr>
@@ -12805,8 +12678,8 @@
         </p:nvSpPr>
         <p:spPr>
           <a:xfrm>
-            <a:off x="609600" y="152401"/>
-            <a:ext cx="10972800" cy="576263"/>
+            <a:off x="609600" y="166688"/>
+            <a:ext cx="10972800" cy="576262"/>
           </a:xfrm>
         </p:spPr>
         <p:txBody>
@@ -12818,14 +12691,14 @@
             <a:pPr eaLnBrk="1" hangingPunct="1"/>
             <a:r>
               <a:rPr lang="en-US" smtClean="0"/>
-              <a:t>Android</a:t>
-            </a:r>
-          </a:p>
-        </p:txBody>
-      </p:sp>
-      <p:sp>
-        <p:nvSpPr>
-          <p:cNvPr id="50179" name="Rectangle 3"/>
+              <a:t>iOS</a:t>
+            </a:r>
+          </a:p>
+        </p:txBody>
+      </p:sp>
+      <p:sp>
+        <p:nvSpPr>
+          <p:cNvPr id="49155" name="Rectangle 3"/>
           <p:cNvSpPr>
             <a:spLocks noGrp="1" noChangeArrowheads="1"/>
           </p:cNvSpPr>
@@ -12835,130 +12708,144 @@
         </p:nvSpPr>
         <p:spPr>
           <a:xfrm>
-            <a:off x="807523" y="1044576"/>
-            <a:ext cx="10497786" cy="5617481"/>
+            <a:off x="695260" y="1067237"/>
+            <a:ext cx="8424989" cy="5499820"/>
           </a:xfrm>
         </p:spPr>
         <p:txBody>
           <a:bodyPr>
-            <a:normAutofit fontScale="92500" lnSpcReduction="20000"/>
+            <a:normAutofit fontScale="92500"/>
           </a:bodyPr>
           <a:lstStyle/>
           <a:p>
             <a:r>
               <a:rPr lang="en-US" dirty="0" smtClean="0"/>
-              <a:t>Developed by Open Handset Alliance (mostly Google)</a:t>
-            </a:r>
+              <a:t>Apple mobile OS for </a:t>
+            </a:r>
+            <a:r>
+              <a:rPr lang="en-US" b="1" i="1" dirty="0" err="1" smtClean="0"/>
+              <a:t>iPhone</a:t>
+            </a:r>
+            <a:r>
+              <a:rPr lang="en-US" dirty="0" smtClean="0"/>
+              <a:t>, </a:t>
+            </a:r>
+            <a:r>
+              <a:rPr lang="en-US" b="1" i="1" dirty="0" err="1" smtClean="0"/>
+              <a:t>iPad</a:t>
+            </a:r>
+            <a:endParaRPr lang="en-US" dirty="0" smtClean="0"/>
           </a:p>
           <a:p>
             <a:pPr lvl="1"/>
             <a:r>
               <a:rPr lang="en-US" dirty="0" smtClean="0"/>
-              <a:t>Open Source</a:t>
-            </a:r>
-          </a:p>
-          <a:p>
-            <a:r>
-              <a:rPr lang="en-US" dirty="0" smtClean="0"/>
-              <a:t>Similar stack to IOS</a:t>
-            </a:r>
-          </a:p>
-          <a:p>
-            <a:r>
-              <a:rPr lang="en-US" dirty="0" smtClean="0"/>
-              <a:t>Based on Linux kernel but modified</a:t>
+              <a:t>Structured on Mac OS X, added functionality</a:t>
             </a:r>
           </a:p>
           <a:p>
             <a:pPr lvl="1"/>
             <a:r>
               <a:rPr lang="en-US" dirty="0" smtClean="0"/>
-              <a:t>Provides process, memory, device-driver management</a:t>
+              <a:t>Does not run OS X applications natively</a:t>
+            </a:r>
+          </a:p>
+          <a:p>
+            <a:pPr lvl="2"/>
+            <a:r>
+              <a:rPr lang="en-US" sz="2600" dirty="0" smtClean="0"/>
+              <a:t>Also runs on different CPU architecture (ARM vs. Intel)</a:t>
             </a:r>
           </a:p>
           <a:p>
             <a:pPr lvl="1"/>
             <a:r>
-              <a:rPr lang="en-US" dirty="0" smtClean="0"/>
-              <a:t>Adds power management </a:t>
-            </a:r>
-          </a:p>
-          <a:p>
-            <a:r>
-              <a:rPr lang="en-US" dirty="0" smtClean="0"/>
-              <a:t>Runtime environment includes core set of libraries and </a:t>
-            </a:r>
-            <a:r>
-              <a:rPr lang="en-US" dirty="0" err="1" smtClean="0"/>
-              <a:t>Dalvik</a:t>
-            </a:r>
-            <a:r>
-              <a:rPr lang="en-US" dirty="0" smtClean="0"/>
-              <a:t> virtual machine</a:t>
+              <a:rPr lang="en-US" b="1" dirty="0" smtClean="0">
+                <a:solidFill>
+                  <a:srgbClr val="F7B217"/>
+                </a:solidFill>
+              </a:rPr>
+              <a:t>Cocoa Touch </a:t>
+            </a:r>
+            <a:r>
+              <a:rPr lang="en-US" dirty="0" smtClean="0"/>
+              <a:t>Objective-C API for developing apps</a:t>
             </a:r>
           </a:p>
           <a:p>
             <a:pPr lvl="1"/>
             <a:r>
-              <a:rPr lang="en-US" dirty="0" smtClean="0"/>
-              <a:t>Apps developed in Java plus Android API</a:t>
-            </a:r>
-          </a:p>
-          <a:p>
-            <a:pPr lvl="2"/>
-            <a:r>
-              <a:rPr lang="en-US" dirty="0" smtClean="0"/>
-              <a:t>Java class files compiled to Java </a:t>
-            </a:r>
-            <a:r>
-              <a:rPr lang="en-US" dirty="0" err="1" smtClean="0"/>
-              <a:t>bytecode</a:t>
-            </a:r>
-            <a:r>
-              <a:rPr lang="en-US" dirty="0" smtClean="0"/>
-              <a:t> then translated to executable than runs in </a:t>
-            </a:r>
-            <a:r>
-              <a:rPr lang="en-US" dirty="0" err="1" smtClean="0"/>
-              <a:t>Dalvik</a:t>
-            </a:r>
-            <a:r>
-              <a:rPr lang="en-US" dirty="0" smtClean="0"/>
-              <a:t> VM</a:t>
-            </a:r>
-          </a:p>
-          <a:p>
-            <a:r>
-              <a:rPr lang="en-US" dirty="0" smtClean="0"/>
-              <a:t>Libraries include frameworks for web browser (</a:t>
-            </a:r>
-            <a:r>
-              <a:rPr lang="en-US" dirty="0" err="1" smtClean="0"/>
-              <a:t>webkit</a:t>
-            </a:r>
-            <a:r>
-              <a:rPr lang="en-US" dirty="0" smtClean="0"/>
-              <a:t>), database (</a:t>
-            </a:r>
-            <a:r>
-              <a:rPr lang="en-US" dirty="0" err="1" smtClean="0"/>
-              <a:t>SQLite</a:t>
-            </a:r>
-            <a:r>
-              <a:rPr lang="en-US" dirty="0" smtClean="0"/>
-              <a:t>), multimedia, smaller </a:t>
-            </a:r>
-            <a:r>
-              <a:rPr lang="en-US" dirty="0" err="1" smtClean="0"/>
-              <a:t>libc</a:t>
-            </a:r>
-            <a:endParaRPr lang="en-US" dirty="0" smtClean="0"/>
-          </a:p>
-        </p:txBody>
-      </p:sp>
-      <p:sp>
-        <p:nvSpPr>
-          <p:cNvPr id="4" name="Номер слайда 5"/>
+              <a:rPr lang="en-US" b="1" dirty="0" smtClean="0">
+                <a:solidFill>
+                  <a:srgbClr val="F7B217"/>
+                </a:solidFill>
+              </a:rPr>
+              <a:t>Media services </a:t>
+            </a:r>
+            <a:r>
+              <a:rPr lang="en-US" dirty="0" smtClean="0"/>
+              <a:t>layer for graphics, audio, video</a:t>
+            </a:r>
+          </a:p>
+          <a:p>
+            <a:pPr lvl="1"/>
+            <a:r>
+              <a:rPr lang="en-US" b="1" dirty="0" smtClean="0">
+                <a:solidFill>
+                  <a:srgbClr val="F7B217"/>
+                </a:solidFill>
+              </a:rPr>
+              <a:t>Core services </a:t>
+            </a:r>
+            <a:r>
+              <a:rPr lang="en-US" dirty="0" smtClean="0"/>
+              <a:t>provides cloud computing, databases</a:t>
+            </a:r>
+          </a:p>
+          <a:p>
+            <a:pPr lvl="1"/>
+            <a:r>
+              <a:rPr lang="en-US" dirty="0" smtClean="0"/>
+              <a:t>Core operating system, based on Mac OS X kernel</a:t>
+            </a:r>
+          </a:p>
+        </p:txBody>
+      </p:sp>
+      <p:pic>
+        <p:nvPicPr>
+          <p:cNvPr id="49156" name="Picture 1" descr="2_17.pdf"/>
+          <p:cNvPicPr>
+            <a:picLocks noChangeAspect="1"/>
+          </p:cNvPicPr>
+          <p:nvPr/>
+        </p:nvPicPr>
+        <p:blipFill>
+          <a:blip r:embed="rId3" cstate="print"/>
+          <a:srcRect/>
+          <a:stretch>
+            <a:fillRect/>
+          </a:stretch>
+        </p:blipFill>
+        <p:spPr bwMode="auto">
+          <a:xfrm>
+            <a:off x="8743620" y="2454214"/>
+            <a:ext cx="2502311" cy="2043112"/>
+          </a:xfrm>
+          <a:prstGeom prst="rect">
+            <a:avLst/>
+          </a:prstGeom>
+          <a:noFill/>
+          <a:ln w="9525">
+            <a:noFill/>
+            <a:miter lim="800000"/>
+            <a:headEnd/>
+            <a:tailEnd/>
+          </a:ln>
+        </p:spPr>
+      </p:pic>
+      <p:sp>
+        <p:nvSpPr>
+          <p:cNvPr id="5" name="Номер слайда 5"/>
           <p:cNvSpPr>
             <a:spLocks noGrp="1"/>
           </p:cNvSpPr>
@@ -13228,6 +13115,224 @@
       </p:grpSpPr>
       <p:sp>
         <p:nvSpPr>
+          <p:cNvPr id="50178" name="Rectangle 2"/>
+          <p:cNvSpPr>
+            <a:spLocks noGrp="1" noChangeArrowheads="1"/>
+          </p:cNvSpPr>
+          <p:nvPr>
+            <p:ph type="title"/>
+          </p:nvPr>
+        </p:nvSpPr>
+        <p:spPr>
+          <a:xfrm>
+            <a:off x="609600" y="152401"/>
+            <a:ext cx="10972800" cy="576263"/>
+          </a:xfrm>
+        </p:spPr>
+        <p:txBody>
+          <a:bodyPr>
+            <a:normAutofit fontScale="90000"/>
+          </a:bodyPr>
+          <a:lstStyle/>
+          <a:p>
+            <a:pPr eaLnBrk="1" hangingPunct="1"/>
+            <a:r>
+              <a:rPr lang="en-US" smtClean="0"/>
+              <a:t>Android</a:t>
+            </a:r>
+          </a:p>
+        </p:txBody>
+      </p:sp>
+      <p:sp>
+        <p:nvSpPr>
+          <p:cNvPr id="50179" name="Rectangle 3"/>
+          <p:cNvSpPr>
+            <a:spLocks noGrp="1" noChangeArrowheads="1"/>
+          </p:cNvSpPr>
+          <p:nvPr>
+            <p:ph type="body" idx="1"/>
+          </p:nvPr>
+        </p:nvSpPr>
+        <p:spPr>
+          <a:xfrm>
+            <a:off x="807523" y="1044576"/>
+            <a:ext cx="10497786" cy="5617481"/>
+          </a:xfrm>
+        </p:spPr>
+        <p:txBody>
+          <a:bodyPr>
+            <a:normAutofit fontScale="92500" lnSpcReduction="20000"/>
+          </a:bodyPr>
+          <a:lstStyle/>
+          <a:p>
+            <a:r>
+              <a:rPr lang="en-US" dirty="0" smtClean="0"/>
+              <a:t>Developed by Open Handset Alliance (mostly Google)</a:t>
+            </a:r>
+          </a:p>
+          <a:p>
+            <a:pPr lvl="1"/>
+            <a:r>
+              <a:rPr lang="en-US" dirty="0" smtClean="0"/>
+              <a:t>Open Source</a:t>
+            </a:r>
+          </a:p>
+          <a:p>
+            <a:r>
+              <a:rPr lang="en-US" dirty="0" smtClean="0"/>
+              <a:t>Similar stack to IOS</a:t>
+            </a:r>
+          </a:p>
+          <a:p>
+            <a:r>
+              <a:rPr lang="en-US" dirty="0" smtClean="0"/>
+              <a:t>Based on Linux kernel but modified</a:t>
+            </a:r>
+          </a:p>
+          <a:p>
+            <a:pPr lvl="1"/>
+            <a:r>
+              <a:rPr lang="en-US" dirty="0" smtClean="0"/>
+              <a:t>Provides process, memory, device-driver management</a:t>
+            </a:r>
+          </a:p>
+          <a:p>
+            <a:pPr lvl="1"/>
+            <a:r>
+              <a:rPr lang="en-US" dirty="0" smtClean="0"/>
+              <a:t>Adds power management </a:t>
+            </a:r>
+          </a:p>
+          <a:p>
+            <a:r>
+              <a:rPr lang="en-US" dirty="0" smtClean="0"/>
+              <a:t>Runtime environment includes core set of libraries and </a:t>
+            </a:r>
+            <a:r>
+              <a:rPr lang="en-US" dirty="0" err="1" smtClean="0"/>
+              <a:t>Dalvik</a:t>
+            </a:r>
+            <a:r>
+              <a:rPr lang="en-US" dirty="0" smtClean="0"/>
+              <a:t> virtual machine</a:t>
+            </a:r>
+          </a:p>
+          <a:p>
+            <a:pPr lvl="1"/>
+            <a:r>
+              <a:rPr lang="en-US" dirty="0" smtClean="0"/>
+              <a:t>Apps developed in Java plus Android API</a:t>
+            </a:r>
+          </a:p>
+          <a:p>
+            <a:pPr lvl="2"/>
+            <a:r>
+              <a:rPr lang="en-US" dirty="0" smtClean="0"/>
+              <a:t>Java class files compiled to Java </a:t>
+            </a:r>
+            <a:r>
+              <a:rPr lang="en-US" dirty="0" err="1" smtClean="0"/>
+              <a:t>bytecode</a:t>
+            </a:r>
+            <a:r>
+              <a:rPr lang="en-US" dirty="0" smtClean="0"/>
+              <a:t> then translated to executable than runs in </a:t>
+            </a:r>
+            <a:r>
+              <a:rPr lang="en-US" dirty="0" err="1" smtClean="0"/>
+              <a:t>Dalvik</a:t>
+            </a:r>
+            <a:r>
+              <a:rPr lang="en-US" dirty="0" smtClean="0"/>
+              <a:t> VM</a:t>
+            </a:r>
+          </a:p>
+          <a:p>
+            <a:r>
+              <a:rPr lang="en-US" dirty="0" smtClean="0"/>
+              <a:t>Libraries include frameworks for web browser (</a:t>
+            </a:r>
+            <a:r>
+              <a:rPr lang="en-US" dirty="0" err="1" smtClean="0"/>
+              <a:t>webkit</a:t>
+            </a:r>
+            <a:r>
+              <a:rPr lang="en-US" dirty="0" smtClean="0"/>
+              <a:t>), database (</a:t>
+            </a:r>
+            <a:r>
+              <a:rPr lang="en-US" dirty="0" err="1" smtClean="0"/>
+              <a:t>SQLite</a:t>
+            </a:r>
+            <a:r>
+              <a:rPr lang="en-US" dirty="0" smtClean="0"/>
+              <a:t>), multimedia, smaller </a:t>
+            </a:r>
+            <a:r>
+              <a:rPr lang="en-US" dirty="0" err="1" smtClean="0"/>
+              <a:t>libc</a:t>
+            </a:r>
+            <a:endParaRPr lang="en-US" dirty="0" smtClean="0"/>
+          </a:p>
+        </p:txBody>
+      </p:sp>
+      <p:sp>
+        <p:nvSpPr>
+          <p:cNvPr id="4" name="Номер слайда 5"/>
+          <p:cNvSpPr>
+            <a:spLocks noGrp="1"/>
+          </p:cNvSpPr>
+          <p:nvPr>
+            <p:ph type="sldNum" sz="quarter" idx="12"/>
+          </p:nvPr>
+        </p:nvSpPr>
+        <p:spPr>
+          <a:xfrm>
+            <a:off x="10776031" y="6190938"/>
+            <a:ext cx="594673" cy="479419"/>
+          </a:xfrm>
+        </p:spPr>
+        <p:txBody>
+          <a:bodyPr/>
+          <a:lstStyle/>
+          <a:p>
+            <a:pPr algn="ctr"/>
+            <a:fld id="{1397BFD8-F312-4EF2-A268-44FB4BDDBBB0}" type="slidenum">
+              <a:rPr lang="ru-RU" smtClean="0"/>
+              <a:pPr algn="ctr"/>
+              <a:t>40</a:t>
+            </a:fld>
+            <a:endParaRPr lang="ru-RU" dirty="0"/>
+          </a:p>
+        </p:txBody>
+      </p:sp>
+    </p:spTree>
+  </p:cSld>
+  <p:clrMapOvr>
+    <a:masterClrMapping/>
+  </p:clrMapOvr>
+</p:sld>
+</file>
+
+<file path=ppt/slides/slide41.xml><?xml version="1.0" encoding="utf-8"?>
+<p:sld xmlns:a="http://schemas.openxmlformats.org/drawingml/2006/main" xmlns:r="http://schemas.openxmlformats.org/officeDocument/2006/relationships" xmlns:p="http://schemas.openxmlformats.org/presentationml/2006/main">
+  <p:cSld>
+    <p:spTree>
+      <p:nvGrpSpPr>
+        <p:cNvPr id="1" name=""/>
+        <p:cNvGrpSpPr/>
+        <p:nvPr/>
+      </p:nvGrpSpPr>
+      <p:grpSpPr>
+        <a:xfrm>
+          <a:off x="0" y="0"/>
+          <a:ext cx="0" cy="0"/>
+          <a:chOff x="0" y="0"/>
+          <a:chExt cx="0" cy="0"/>
+        </a:xfrm>
+      </p:grpSpPr>
+      <p:sp>
+        <p:nvSpPr>
           <p:cNvPr id="4" name="Прямоугольник 3"/>
           <p:cNvSpPr/>
           <p:nvPr/>
@@ -13708,7 +13813,7 @@
             <a:fld id="{1397BFD8-F312-4EF2-A268-44FB4BDDBBB0}" type="slidenum">
               <a:rPr lang="ru-RU" smtClean="0"/>
               <a:pPr algn="ctr"/>
-              <a:t>40</a:t>
+              <a:t>41</a:t>
             </a:fld>
             <a:endParaRPr lang="ru-RU" dirty="0"/>
           </a:p>
@@ -13717,7 +13822,7 @@
     </p:spTree>
     <p:extLst>
       <p:ext uri="{BB962C8B-B14F-4D97-AF65-F5344CB8AC3E}">
-        <p14:creationId xmlns="" xmlns:p14="http://schemas.microsoft.com/office/powerpoint/2010/main" val="4217875043"/>
+        <p14:creationId xmlns:p14="http://schemas.microsoft.com/office/powerpoint/2010/main" xmlns="" val="4217875043"/>
       </p:ext>
     </p:extLst>
   </p:cSld>
@@ -13753,127 +13858,7 @@
       </p:grpSpPr>
       <p:sp>
         <p:nvSpPr>
-          <p:cNvPr id="15362" name="Rectangle 2"/>
-          <p:cNvSpPr>
-            <a:spLocks noGrp="1" noChangeArrowheads="1"/>
-          </p:cNvSpPr>
-          <p:nvPr>
-            <p:ph type="title"/>
-          </p:nvPr>
-        </p:nvSpPr>
-        <p:spPr>
-          <a:xfrm>
-            <a:off x="609600" y="155576"/>
-            <a:ext cx="10972800" cy="576263"/>
-          </a:xfrm>
-        </p:spPr>
-        <p:txBody>
-          <a:bodyPr>
-            <a:normAutofit fontScale="90000"/>
-          </a:bodyPr>
-          <a:lstStyle/>
-          <a:p>
-            <a:pPr eaLnBrk="1" hangingPunct="1"/>
-            <a:r>
-              <a:rPr lang="en-US" smtClean="0"/>
-              <a:t>System Calls</a:t>
-            </a:r>
-          </a:p>
-        </p:txBody>
-      </p:sp>
-      <p:sp>
-        <p:nvSpPr>
-          <p:cNvPr id="15363" name="Rectangle 3"/>
-          <p:cNvSpPr>
-            <a:spLocks noGrp="1" noChangeArrowheads="1"/>
-          </p:cNvSpPr>
-          <p:nvPr>
-            <p:ph type="body" idx="1"/>
-          </p:nvPr>
-        </p:nvSpPr>
-        <p:spPr>
-          <a:xfrm>
-            <a:off x="843148" y="1106488"/>
-            <a:ext cx="10462161" cy="5329938"/>
-          </a:xfrm>
-        </p:spPr>
-        <p:txBody>
-          <a:bodyPr>
-            <a:normAutofit lnSpcReduction="10000"/>
-          </a:bodyPr>
-          <a:lstStyle/>
-          <a:p>
-            <a:pPr>
-              <a:lnSpc>
-                <a:spcPct val="90000"/>
-              </a:lnSpc>
-            </a:pPr>
-            <a:r>
-              <a:rPr lang="en-US" dirty="0" smtClean="0"/>
-              <a:t>Programming interface to the services provided by the OS</a:t>
-            </a:r>
-            <a:endParaRPr lang="en-US" sz="800" dirty="0" smtClean="0"/>
-          </a:p>
-          <a:p>
-            <a:pPr>
-              <a:lnSpc>
-                <a:spcPct val="90000"/>
-              </a:lnSpc>
-            </a:pPr>
-            <a:r>
-              <a:rPr lang="en-US" dirty="0" smtClean="0"/>
-              <a:t>Typically written in a high-level language (C or C++)</a:t>
-            </a:r>
-            <a:endParaRPr lang="en-US" sz="800" dirty="0" smtClean="0"/>
-          </a:p>
-          <a:p>
-            <a:pPr>
-              <a:lnSpc>
-                <a:spcPct val="90000"/>
-              </a:lnSpc>
-            </a:pPr>
-            <a:r>
-              <a:rPr lang="en-US" dirty="0" smtClean="0"/>
-              <a:t>Mostly accessed by programs via a high-level </a:t>
-            </a:r>
-            <a:r>
-              <a:rPr lang="en-US" b="1" dirty="0" smtClean="0">
-                <a:solidFill>
-                  <a:srgbClr val="F7B217"/>
-                </a:solidFill>
-              </a:rPr>
-              <a:t>Application Programming Interface (API)</a:t>
-            </a:r>
-            <a:r>
-              <a:rPr lang="en-US" dirty="0" smtClean="0">
-                <a:solidFill>
-                  <a:srgbClr val="F7B217"/>
-                </a:solidFill>
-              </a:rPr>
-              <a:t> </a:t>
-            </a:r>
-            <a:r>
-              <a:rPr lang="en-US" dirty="0" smtClean="0"/>
-              <a:t>rather than direct system call use</a:t>
-            </a:r>
-            <a:endParaRPr lang="en-US" sz="800" dirty="0" smtClean="0"/>
-          </a:p>
-          <a:p>
-            <a:pPr>
-              <a:lnSpc>
-                <a:spcPct val="90000"/>
-              </a:lnSpc>
-            </a:pPr>
-            <a:r>
-              <a:rPr lang="en-US" dirty="0" smtClean="0"/>
-              <a:t>Three most common APIs are Win32 API for Windows, POSIX API for POSIX-based systems (including virtually all versions of UNIX, Linux, and Mac OS X), and Java API for the Java virtual machine (JVM)</a:t>
-            </a:r>
-          </a:p>
-        </p:txBody>
-      </p:sp>
-      <p:sp>
-        <p:nvSpPr>
-          <p:cNvPr id="5" name="Номер слайда 5"/>
+          <p:cNvPr id="3" name="Номер слайда 2"/>
           <p:cNvSpPr>
             <a:spLocks noGrp="1"/>
           </p:cNvSpPr>
@@ -13881,12 +13866,7 @@
             <p:ph type="sldNum" sz="quarter" idx="12"/>
           </p:nvPr>
         </p:nvSpPr>
-        <p:spPr>
-          <a:xfrm>
-            <a:off x="10776031" y="6190938"/>
-            <a:ext cx="594673" cy="479419"/>
-          </a:xfrm>
-        </p:spPr>
+        <p:spPr/>
         <p:txBody>
           <a:bodyPr/>
           <a:lstStyle/>
@@ -13901,6 +13881,61 @@
           </a:p>
         </p:txBody>
       </p:sp>
+      <p:sp>
+        <p:nvSpPr>
+          <p:cNvPr id="4" name="Заголовок 3"/>
+          <p:cNvSpPr>
+            <a:spLocks noGrp="1"/>
+          </p:cNvSpPr>
+          <p:nvPr>
+            <p:ph type="title"/>
+          </p:nvPr>
+        </p:nvSpPr>
+        <p:spPr/>
+        <p:txBody>
+          <a:bodyPr/>
+          <a:lstStyle/>
+          <a:p>
+            <a:r>
+              <a:rPr lang="en-US" dirty="0" smtClean="0"/>
+              <a:t>A View of Operating System Services</a:t>
+            </a:r>
+            <a:endParaRPr lang="ru-RU" dirty="0"/>
+          </a:p>
+        </p:txBody>
+      </p:sp>
+      <p:pic>
+        <p:nvPicPr>
+          <p:cNvPr id="5" name="Picture 4" descr="2"/>
+          <p:cNvPicPr>
+            <a:picLocks noChangeAspect="1" noChangeArrowheads="1"/>
+          </p:cNvPicPr>
+          <p:nvPr/>
+        </p:nvPicPr>
+        <p:blipFill>
+          <a:blip r:embed="rId2" cstate="print"/>
+          <a:srcRect/>
+          <a:stretch>
+            <a:fillRect/>
+          </a:stretch>
+        </p:blipFill>
+        <p:spPr bwMode="auto">
+          <a:xfrm>
+            <a:off x="1511324" y="1221775"/>
+            <a:ext cx="9538564" cy="4762195"/>
+          </a:xfrm>
+          <a:prstGeom prst="rect">
+            <a:avLst/>
+          </a:prstGeom>
+          <a:noFill/>
+          <a:ln w="9525">
+            <a:noFill/>
+            <a:miter lim="800000"/>
+            <a:headEnd/>
+            <a:tailEnd/>
+          </a:ln>
+        </p:spPr>
+      </p:pic>
     </p:spTree>
   </p:cSld>
   <p:clrMapOvr>
@@ -13928,7 +13963,7 @@
       </p:grpSpPr>
       <p:sp>
         <p:nvSpPr>
-          <p:cNvPr id="16386" name="Rectangle 2"/>
+          <p:cNvPr id="15362" name="Rectangle 2"/>
           <p:cNvSpPr>
             <a:spLocks noGrp="1" noChangeArrowheads="1"/>
           </p:cNvSpPr>
@@ -13938,8 +13973,8 @@
         </p:nvSpPr>
         <p:spPr>
           <a:xfrm>
-            <a:off x="609600" y="214313"/>
-            <a:ext cx="10972800" cy="576262"/>
+            <a:off x="609600" y="155576"/>
+            <a:ext cx="10972800" cy="576263"/>
           </a:xfrm>
         </p:spPr>
         <p:txBody>
@@ -13951,14 +13986,14 @@
             <a:pPr eaLnBrk="1" hangingPunct="1"/>
             <a:r>
               <a:rPr lang="en-US" smtClean="0"/>
-              <a:t>Example of System Calls</a:t>
-            </a:r>
-          </a:p>
-        </p:txBody>
-      </p:sp>
-      <p:sp>
-        <p:nvSpPr>
-          <p:cNvPr id="16387" name="Rectangle 5"/>
+              <a:t>System Calls</a:t>
+            </a:r>
+          </a:p>
+        </p:txBody>
+      </p:sp>
+      <p:sp>
+        <p:nvSpPr>
+          <p:cNvPr id="15363" name="Rectangle 3"/>
           <p:cNvSpPr>
             <a:spLocks noGrp="1" noChangeArrowheads="1"/>
           </p:cNvSpPr>
@@ -13968,124 +14003,87 @@
         </p:nvSpPr>
         <p:spPr>
           <a:xfrm>
-            <a:off x="838200" y="999928"/>
-            <a:ext cx="10515600" cy="4997896"/>
-          </a:xfrm>
-        </p:spPr>
-        <p:txBody>
-          <a:bodyPr/>
-          <a:lstStyle/>
-          <a:p>
-            <a:r>
-              <a:rPr lang="en-US" dirty="0" smtClean="0"/>
-              <a:t>System call sequence to copy the contents of one file to another file</a:t>
-            </a:r>
-          </a:p>
-        </p:txBody>
-      </p:sp>
-      <p:pic>
-        <p:nvPicPr>
-          <p:cNvPr id="16388" name="Picture 5"/>
-          <p:cNvPicPr>
-            <a:picLocks noChangeAspect="1" noChangeArrowheads="1"/>
-          </p:cNvPicPr>
-          <p:nvPr/>
-        </p:nvPicPr>
-        <p:blipFill>
-          <a:blip r:embed="rId3" cstate="print"/>
-          <a:srcRect/>
-          <a:stretch>
-            <a:fillRect/>
-          </a:stretch>
-        </p:blipFill>
-        <p:spPr bwMode="auto">
-          <a:xfrm>
-            <a:off x="1945218" y="2042556"/>
-            <a:ext cx="7916333" cy="4655127"/>
-          </a:xfrm>
-          <a:prstGeom prst="rect">
-            <a:avLst/>
-          </a:prstGeom>
-          <a:noFill/>
-          <a:ln w="9525">
-            <a:noFill/>
-            <a:miter lim="800000"/>
-            <a:headEnd/>
-            <a:tailEnd/>
-          </a:ln>
-        </p:spPr>
-      </p:pic>
-      <p:sp>
-        <p:nvSpPr>
-          <p:cNvPr id="16389" name="Line 6"/>
-          <p:cNvSpPr>
-            <a:spLocks noChangeShapeType="1"/>
-          </p:cNvSpPr>
-          <p:nvPr/>
-        </p:nvSpPr>
-        <p:spPr bwMode="auto">
-          <a:xfrm>
-            <a:off x="9810751" y="2129350"/>
-            <a:ext cx="0" cy="420688"/>
-          </a:xfrm>
-          <a:prstGeom prst="line">
-            <a:avLst/>
-          </a:prstGeom>
-          <a:noFill/>
-          <a:ln w="9525">
-            <a:solidFill>
-              <a:schemeClr val="tx1"/>
-            </a:solidFill>
-            <a:round/>
-            <a:headEnd/>
-            <a:tailEnd/>
-          </a:ln>
-        </p:spPr>
-        <p:txBody>
-          <a:bodyPr wrap="none"/>
-          <a:lstStyle/>
-          <a:p>
-            <a:endParaRPr lang="ru-RU"/>
-          </a:p>
-        </p:txBody>
-      </p:sp>
-      <p:sp>
-        <p:nvSpPr>
-          <p:cNvPr id="16390" name="Line 7"/>
-          <p:cNvSpPr>
-            <a:spLocks noChangeShapeType="1"/>
-          </p:cNvSpPr>
-          <p:nvPr/>
-        </p:nvSpPr>
-        <p:spPr bwMode="auto">
-          <a:xfrm>
-            <a:off x="1992609" y="2107951"/>
-            <a:ext cx="0" cy="430213"/>
-          </a:xfrm>
-          <a:prstGeom prst="line">
-            <a:avLst/>
-          </a:prstGeom>
-          <a:noFill/>
-          <a:ln w="9525">
-            <a:solidFill>
-              <a:schemeClr val="tx1"/>
-            </a:solidFill>
-            <a:round/>
-            <a:headEnd/>
-            <a:tailEnd/>
-          </a:ln>
-        </p:spPr>
-        <p:txBody>
-          <a:bodyPr wrap="none"/>
-          <a:lstStyle/>
-          <a:p>
-            <a:endParaRPr lang="ru-RU"/>
-          </a:p>
-        </p:txBody>
-      </p:sp>
-      <p:sp>
-        <p:nvSpPr>
-          <p:cNvPr id="7" name="Номер слайда 5"/>
+            <a:off x="843148" y="1106488"/>
+            <a:ext cx="10462161" cy="5329938"/>
+          </a:xfrm>
+        </p:spPr>
+        <p:txBody>
+          <a:bodyPr>
+            <a:normAutofit lnSpcReduction="10000"/>
+          </a:bodyPr>
+          <a:lstStyle/>
+          <a:p>
+            <a:pPr>
+              <a:lnSpc>
+                <a:spcPct val="90000"/>
+              </a:lnSpc>
+            </a:pPr>
+            <a:r>
+              <a:rPr lang="en-US" dirty="0" smtClean="0"/>
+              <a:t>Programming interface to the services provided by the OS</a:t>
+            </a:r>
+            <a:endParaRPr lang="en-US" sz="800" dirty="0" smtClean="0"/>
+          </a:p>
+          <a:p>
+            <a:pPr>
+              <a:lnSpc>
+                <a:spcPct val="90000"/>
+              </a:lnSpc>
+            </a:pPr>
+            <a:r>
+              <a:rPr lang="en-US" dirty="0" smtClean="0"/>
+              <a:t>Typically written in a high-level language (C or C++)</a:t>
+            </a:r>
+            <a:endParaRPr lang="en-US" sz="800" dirty="0" smtClean="0"/>
+          </a:p>
+          <a:p>
+            <a:pPr>
+              <a:lnSpc>
+                <a:spcPct val="90000"/>
+              </a:lnSpc>
+            </a:pPr>
+            <a:r>
+              <a:rPr lang="en-US" dirty="0" smtClean="0"/>
+              <a:t>Mostly accessed by programs via a high-level </a:t>
+            </a:r>
+            <a:r>
+              <a:rPr lang="en-US" b="1" dirty="0" smtClean="0">
+                <a:solidFill>
+                  <a:srgbClr val="F7B217"/>
+                </a:solidFill>
+              </a:rPr>
+              <a:t>Application Programming Interface (API)</a:t>
+            </a:r>
+            <a:r>
+              <a:rPr lang="en-US" dirty="0" smtClean="0">
+                <a:solidFill>
+                  <a:srgbClr val="F7B217"/>
+                </a:solidFill>
+              </a:rPr>
+              <a:t> </a:t>
+            </a:r>
+            <a:r>
+              <a:rPr lang="en-US" dirty="0" smtClean="0"/>
+              <a:t>rather than direct system call use</a:t>
+            </a:r>
+            <a:endParaRPr lang="en-US" sz="800" dirty="0" smtClean="0"/>
+          </a:p>
+          <a:p>
+            <a:pPr>
+              <a:lnSpc>
+                <a:spcPct val="90000"/>
+              </a:lnSpc>
+            </a:pPr>
+            <a:r>
+              <a:rPr lang="en-US" dirty="0" smtClean="0"/>
+              <a:t>Three most common APIs are Win32 API for Windows, POSIX API for POSIX-based systems (including virtually all versions of UNIX, Linux, and Mac OS X), and Java API for the Java virtual machine (JVM)</a:t>
+            </a:r>
+          </a:p>
+        </p:txBody>
+      </p:sp>
+      <p:sp>
+        <p:nvSpPr>
+          <p:cNvPr id="5" name="Номер слайда 5"/>
           <p:cNvSpPr>
             <a:spLocks noGrp="1"/>
           </p:cNvSpPr>
@@ -14118,13 +14116,6 @@
   <p:clrMapOvr>
     <a:masterClrMapping/>
   </p:clrMapOvr>
-  <p:timing>
-    <p:tnLst>
-      <p:par>
-        <p:cTn id="1" dur="indefinite" restart="never" nodeType="tmRoot"/>
-      </p:par>
-    </p:tnLst>
-  </p:timing>
 </p:sld>
 </file>
 
@@ -14147,7 +14138,7 @@
       </p:grpSpPr>
       <p:sp>
         <p:nvSpPr>
-          <p:cNvPr id="17410" name="Rectangle 2"/>
+          <p:cNvPr id="16386" name="Rectangle 2"/>
           <p:cNvSpPr>
             <a:spLocks noGrp="1" noChangeArrowheads="1"/>
           </p:cNvSpPr>
@@ -14157,7 +14148,7 @@
         </p:nvSpPr>
         <p:spPr>
           <a:xfrm>
-            <a:off x="609600" y="182563"/>
+            <a:off x="609600" y="214313"/>
             <a:ext cx="10972800" cy="576262"/>
           </a:xfrm>
         </p:spPr>
@@ -14170,16 +14161,43 @@
             <a:pPr eaLnBrk="1" hangingPunct="1"/>
             <a:r>
               <a:rPr lang="en-US" smtClean="0"/>
-              <a:t>Example of Standard API</a:t>
+              <a:t>Example of System Calls</a:t>
+            </a:r>
+          </a:p>
+        </p:txBody>
+      </p:sp>
+      <p:sp>
+        <p:nvSpPr>
+          <p:cNvPr id="16387" name="Rectangle 5"/>
+          <p:cNvSpPr>
+            <a:spLocks noGrp="1" noChangeArrowheads="1"/>
+          </p:cNvSpPr>
+          <p:nvPr>
+            <p:ph type="body" idx="1"/>
+          </p:nvPr>
+        </p:nvSpPr>
+        <p:spPr>
+          <a:xfrm>
+            <a:off x="838200" y="999928"/>
+            <a:ext cx="10515600" cy="4997896"/>
+          </a:xfrm>
+        </p:spPr>
+        <p:txBody>
+          <a:bodyPr/>
+          <a:lstStyle/>
+          <a:p>
+            <a:r>
+              <a:rPr lang="en-US" dirty="0" smtClean="0"/>
+              <a:t>System call sequence to copy the contents of one file to another file</a:t>
             </a:r>
           </a:p>
         </p:txBody>
       </p:sp>
       <p:pic>
         <p:nvPicPr>
-          <p:cNvPr id="17411" name="Picture 1" descr="Screen Shot 2012-12-01 at 12.25.00 PM.png"/>
+          <p:cNvPr id="16388" name="Picture 5"/>
           <p:cNvPicPr>
-            <a:picLocks noChangeAspect="1"/>
+            <a:picLocks noChangeAspect="1" noChangeArrowheads="1"/>
           </p:cNvPicPr>
           <p:nvPr/>
         </p:nvPicPr>
@@ -14192,8 +14210,8 @@
         </p:blipFill>
         <p:spPr bwMode="auto">
           <a:xfrm>
-            <a:off x="3132026" y="995547"/>
-            <a:ext cx="5695950" cy="5805488"/>
+            <a:off x="1945218" y="2042556"/>
+            <a:ext cx="7916333" cy="4655127"/>
           </a:xfrm>
           <a:prstGeom prst="rect">
             <a:avLst/>
@@ -14209,7 +14227,75 @@
       </p:pic>
       <p:sp>
         <p:nvSpPr>
-          <p:cNvPr id="4" name="Номер слайда 5"/>
+          <p:cNvPr id="16389" name="Line 6"/>
+          <p:cNvSpPr>
+            <a:spLocks noChangeShapeType="1"/>
+          </p:cNvSpPr>
+          <p:nvPr/>
+        </p:nvSpPr>
+        <p:spPr bwMode="auto">
+          <a:xfrm>
+            <a:off x="9810751" y="2129350"/>
+            <a:ext cx="0" cy="420688"/>
+          </a:xfrm>
+          <a:prstGeom prst="line">
+            <a:avLst/>
+          </a:prstGeom>
+          <a:noFill/>
+          <a:ln w="9525">
+            <a:solidFill>
+              <a:schemeClr val="tx1"/>
+            </a:solidFill>
+            <a:round/>
+            <a:headEnd/>
+            <a:tailEnd/>
+          </a:ln>
+        </p:spPr>
+        <p:txBody>
+          <a:bodyPr wrap="none"/>
+          <a:lstStyle/>
+          <a:p>
+            <a:endParaRPr lang="ru-RU"/>
+          </a:p>
+        </p:txBody>
+      </p:sp>
+      <p:sp>
+        <p:nvSpPr>
+          <p:cNvPr id="16390" name="Line 7"/>
+          <p:cNvSpPr>
+            <a:spLocks noChangeShapeType="1"/>
+          </p:cNvSpPr>
+          <p:nvPr/>
+        </p:nvSpPr>
+        <p:spPr bwMode="auto">
+          <a:xfrm>
+            <a:off x="1992609" y="2107951"/>
+            <a:ext cx="0" cy="430213"/>
+          </a:xfrm>
+          <a:prstGeom prst="line">
+            <a:avLst/>
+          </a:prstGeom>
+          <a:noFill/>
+          <a:ln w="9525">
+            <a:solidFill>
+              <a:schemeClr val="tx1"/>
+            </a:solidFill>
+            <a:round/>
+            <a:headEnd/>
+            <a:tailEnd/>
+          </a:ln>
+        </p:spPr>
+        <p:txBody>
+          <a:bodyPr wrap="none"/>
+          <a:lstStyle/>
+          <a:p>
+            <a:endParaRPr lang="ru-RU"/>
+          </a:p>
+        </p:txBody>
+      </p:sp>
+      <p:sp>
+        <p:nvSpPr>
+          <p:cNvPr id="7" name="Номер слайда 5"/>
           <p:cNvSpPr>
             <a:spLocks noGrp="1"/>
           </p:cNvSpPr>
@@ -14242,6 +14328,13 @@
   <p:clrMapOvr>
     <a:masterClrMapping/>
   </p:clrMapOvr>
+  <p:timing>
+    <p:tnLst>
+      <p:par>
+        <p:cTn id="1" dur="indefinite" restart="never" nodeType="tmRoot"/>
+      </p:par>
+    </p:tnLst>
+  </p:timing>
 </p:sld>
 </file>
 
@@ -14264,7 +14357,7 @@
       </p:grpSpPr>
       <p:sp>
         <p:nvSpPr>
-          <p:cNvPr id="18434" name="Rectangle 2"/>
+          <p:cNvPr id="17410" name="Rectangle 2"/>
           <p:cNvSpPr>
             <a:spLocks noGrp="1" noChangeArrowheads="1"/>
           </p:cNvSpPr>
@@ -14274,7 +14367,7 @@
         </p:nvSpPr>
         <p:spPr>
           <a:xfrm>
-            <a:off x="630767" y="198438"/>
+            <a:off x="609600" y="182563"/>
             <a:ext cx="10972800" cy="576262"/>
           </a:xfrm>
         </p:spPr>
@@ -14287,90 +14380,43 @@
             <a:pPr eaLnBrk="1" hangingPunct="1"/>
             <a:r>
               <a:rPr lang="en-US" smtClean="0"/>
-              <a:t>System Call Implementation</a:t>
-            </a:r>
-          </a:p>
-        </p:txBody>
-      </p:sp>
-      <p:sp>
-        <p:nvSpPr>
-          <p:cNvPr id="18435" name="Rectangle 3"/>
-          <p:cNvSpPr>
-            <a:spLocks noGrp="1" noChangeArrowheads="1"/>
-          </p:cNvSpPr>
-          <p:nvPr>
-            <p:ph type="body" idx="1"/>
-          </p:nvPr>
-        </p:nvSpPr>
-        <p:spPr>
-          <a:xfrm>
-            <a:off x="866900" y="1079114"/>
-            <a:ext cx="10462160" cy="5624511"/>
-          </a:xfrm>
-        </p:spPr>
-        <p:txBody>
-          <a:bodyPr>
-            <a:normAutofit fontScale="92500" lnSpcReduction="10000"/>
-          </a:bodyPr>
-          <a:lstStyle/>
-          <a:p>
-            <a:r>
-              <a:rPr lang="en-US" dirty="0" smtClean="0"/>
-              <a:t>Typically, a number associated with each system call</a:t>
-            </a:r>
-          </a:p>
-          <a:p>
-            <a:pPr lvl="1"/>
-            <a:r>
-              <a:rPr lang="en-US" b="1" dirty="0" smtClean="0">
-                <a:solidFill>
-                  <a:srgbClr val="F7B217"/>
-                </a:solidFill>
-              </a:rPr>
-              <a:t>System-call interface </a:t>
-            </a:r>
-            <a:r>
-              <a:rPr lang="en-US" dirty="0" smtClean="0"/>
-              <a:t>maintains a table indexed according to these numbers</a:t>
-            </a:r>
-            <a:endParaRPr lang="en-US" sz="800" dirty="0" smtClean="0"/>
-          </a:p>
-          <a:p>
-            <a:r>
-              <a:rPr lang="en-US" dirty="0" smtClean="0"/>
-              <a:t>The system call interface invokes  the intended system call in OS kernel and returns status of the system call and any return values</a:t>
-            </a:r>
-            <a:endParaRPr lang="en-US" sz="800" dirty="0" smtClean="0"/>
-          </a:p>
-          <a:p>
-            <a:r>
-              <a:rPr lang="en-US" dirty="0" smtClean="0"/>
-              <a:t>The caller need know nothing about how the system call is implemented</a:t>
-            </a:r>
-          </a:p>
-          <a:p>
-            <a:pPr lvl="1"/>
-            <a:r>
-              <a:rPr lang="en-US" dirty="0" smtClean="0"/>
-              <a:t>Just needs to obey API and understand what OS will do as a result call</a:t>
-            </a:r>
-          </a:p>
-          <a:p>
-            <a:pPr lvl="1"/>
-            <a:r>
-              <a:rPr lang="en-US" dirty="0" smtClean="0"/>
-              <a:t>Most details of  OS interface hidden from programmer by API  </a:t>
-            </a:r>
-          </a:p>
-          <a:p>
-            <a:pPr lvl="2"/>
-            <a:r>
-              <a:rPr lang="en-US" sz="2600" dirty="0" smtClean="0"/>
-              <a:t>Managed by run-time support library (set of functions built into libraries included with compiler)</a:t>
-            </a:r>
-          </a:p>
-        </p:txBody>
-      </p:sp>
+              <a:t>Example of Standard API</a:t>
+            </a:r>
+          </a:p>
+        </p:txBody>
+      </p:sp>
+      <p:pic>
+        <p:nvPicPr>
+          <p:cNvPr id="17411" name="Picture 1" descr="Screen Shot 2012-12-01 at 12.25.00 PM.png"/>
+          <p:cNvPicPr>
+            <a:picLocks noChangeAspect="1"/>
+          </p:cNvPicPr>
+          <p:nvPr/>
+        </p:nvPicPr>
+        <p:blipFill>
+          <a:blip r:embed="rId3" cstate="print"/>
+          <a:srcRect/>
+          <a:stretch>
+            <a:fillRect/>
+          </a:stretch>
+        </p:blipFill>
+        <p:spPr bwMode="auto">
+          <a:xfrm>
+            <a:off x="3132026" y="995547"/>
+            <a:ext cx="5695950" cy="5805488"/>
+          </a:xfrm>
+          <a:prstGeom prst="rect">
+            <a:avLst/>
+          </a:prstGeom>
+          <a:noFill/>
+          <a:ln w="9525">
+            <a:noFill/>
+            <a:miter lim="800000"/>
+            <a:headEnd/>
+            <a:tailEnd/>
+          </a:ln>
+        </p:spPr>
+      </p:pic>
       <p:sp>
         <p:nvSpPr>
           <p:cNvPr id="4" name="Номер слайда 5"/>
@@ -14428,7 +14474,116 @@
       </p:grpSpPr>
       <p:sp>
         <p:nvSpPr>
-          <p:cNvPr id="3" name="Номер слайда 2"/>
+          <p:cNvPr id="18434" name="Rectangle 2"/>
+          <p:cNvSpPr>
+            <a:spLocks noGrp="1" noChangeArrowheads="1"/>
+          </p:cNvSpPr>
+          <p:nvPr>
+            <p:ph type="title"/>
+          </p:nvPr>
+        </p:nvSpPr>
+        <p:spPr>
+          <a:xfrm>
+            <a:off x="630767" y="198438"/>
+            <a:ext cx="10972800" cy="576262"/>
+          </a:xfrm>
+        </p:spPr>
+        <p:txBody>
+          <a:bodyPr>
+            <a:normAutofit fontScale="90000"/>
+          </a:bodyPr>
+          <a:lstStyle/>
+          <a:p>
+            <a:pPr eaLnBrk="1" hangingPunct="1"/>
+            <a:r>
+              <a:rPr lang="en-US" smtClean="0"/>
+              <a:t>System Call Implementation</a:t>
+            </a:r>
+          </a:p>
+        </p:txBody>
+      </p:sp>
+      <p:sp>
+        <p:nvSpPr>
+          <p:cNvPr id="18435" name="Rectangle 3"/>
+          <p:cNvSpPr>
+            <a:spLocks noGrp="1" noChangeArrowheads="1"/>
+          </p:cNvSpPr>
+          <p:nvPr>
+            <p:ph type="body" idx="1"/>
+          </p:nvPr>
+        </p:nvSpPr>
+        <p:spPr>
+          <a:xfrm>
+            <a:off x="866900" y="1079114"/>
+            <a:ext cx="10462160" cy="5624511"/>
+          </a:xfrm>
+        </p:spPr>
+        <p:txBody>
+          <a:bodyPr>
+            <a:normAutofit fontScale="92500" lnSpcReduction="10000"/>
+          </a:bodyPr>
+          <a:lstStyle/>
+          <a:p>
+            <a:r>
+              <a:rPr lang="en-US" dirty="0" smtClean="0"/>
+              <a:t>Typically, a number associated with each system call</a:t>
+            </a:r>
+          </a:p>
+          <a:p>
+            <a:pPr lvl="1"/>
+            <a:r>
+              <a:rPr lang="en-US" b="1" dirty="0" smtClean="0">
+                <a:solidFill>
+                  <a:srgbClr val="F7B217"/>
+                </a:solidFill>
+              </a:rPr>
+              <a:t>System-call interface </a:t>
+            </a:r>
+            <a:r>
+              <a:rPr lang="en-US" dirty="0" smtClean="0"/>
+              <a:t>maintains a table indexed according to these numbers</a:t>
+            </a:r>
+            <a:endParaRPr lang="en-US" sz="800" dirty="0" smtClean="0"/>
+          </a:p>
+          <a:p>
+            <a:r>
+              <a:rPr lang="en-US" dirty="0" smtClean="0"/>
+              <a:t>The system call interface invokes  the intended system call in OS kernel and returns status of the system call and any return values</a:t>
+            </a:r>
+            <a:endParaRPr lang="en-US" sz="800" dirty="0" smtClean="0"/>
+          </a:p>
+          <a:p>
+            <a:r>
+              <a:rPr lang="en-US" dirty="0" smtClean="0"/>
+              <a:t>The caller need know nothing about how the system call is implemented</a:t>
+            </a:r>
+          </a:p>
+          <a:p>
+            <a:pPr lvl="1"/>
+            <a:r>
+              <a:rPr lang="en-US" dirty="0" smtClean="0"/>
+              <a:t>Just needs to obey API and understand what OS will do as a result call</a:t>
+            </a:r>
+          </a:p>
+          <a:p>
+            <a:pPr lvl="1"/>
+            <a:r>
+              <a:rPr lang="en-US" dirty="0" smtClean="0"/>
+              <a:t>Most details of  OS interface hidden from programmer by API  </a:t>
+            </a:r>
+          </a:p>
+          <a:p>
+            <a:pPr lvl="2"/>
+            <a:r>
+              <a:rPr lang="en-US" sz="2600" dirty="0" smtClean="0"/>
+              <a:t>Managed by run-time support library (set of functions built into libraries included with compiler)</a:t>
+            </a:r>
+          </a:p>
+        </p:txBody>
+      </p:sp>
+      <p:sp>
+        <p:nvSpPr>
+          <p:cNvPr id="4" name="Номер слайда 5"/>
           <p:cNvSpPr>
             <a:spLocks noGrp="1"/>
           </p:cNvSpPr>
@@ -14436,7 +14591,12 @@
             <p:ph type="sldNum" sz="quarter" idx="12"/>
           </p:nvPr>
         </p:nvSpPr>
-        <p:spPr/>
+        <p:spPr>
+          <a:xfrm>
+            <a:off x="10776031" y="6190938"/>
+            <a:ext cx="594673" cy="479419"/>
+          </a:xfrm>
+        </p:spPr>
         <p:txBody>
           <a:bodyPr/>
           <a:lstStyle/>
@@ -14451,61 +14611,6 @@
           </a:p>
         </p:txBody>
       </p:sp>
-      <p:sp>
-        <p:nvSpPr>
-          <p:cNvPr id="4" name="Заголовок 3"/>
-          <p:cNvSpPr>
-            <a:spLocks noGrp="1"/>
-          </p:cNvSpPr>
-          <p:nvPr>
-            <p:ph type="title"/>
-          </p:nvPr>
-        </p:nvSpPr>
-        <p:spPr/>
-        <p:txBody>
-          <a:bodyPr/>
-          <a:lstStyle/>
-          <a:p>
-            <a:r>
-              <a:rPr lang="en-US" dirty="0" smtClean="0"/>
-              <a:t>API – System Call – OS Relationship</a:t>
-            </a:r>
-            <a:endParaRPr lang="ru-RU" dirty="0"/>
-          </a:p>
-        </p:txBody>
-      </p:sp>
-      <p:pic>
-        <p:nvPicPr>
-          <p:cNvPr id="5" name="Picture 5" descr="2"/>
-          <p:cNvPicPr>
-            <a:picLocks noChangeAspect="1" noChangeArrowheads="1"/>
-          </p:cNvPicPr>
-          <p:nvPr/>
-        </p:nvPicPr>
-        <p:blipFill>
-          <a:blip r:embed="rId2" cstate="print"/>
-          <a:srcRect/>
-          <a:stretch>
-            <a:fillRect/>
-          </a:stretch>
-        </p:blipFill>
-        <p:spPr bwMode="auto">
-          <a:xfrm>
-            <a:off x="1706801" y="1211816"/>
-            <a:ext cx="8750808" cy="5358384"/>
-          </a:xfrm>
-          <a:prstGeom prst="rect">
-            <a:avLst/>
-          </a:prstGeom>
-          <a:noFill/>
-          <a:ln w="9525">
-            <a:noFill/>
-            <a:miter lim="800000"/>
-            <a:headEnd/>
-            <a:tailEnd/>
-          </a:ln>
-        </p:spPr>
-      </p:pic>
     </p:spTree>
   </p:cSld>
   <p:clrMapOvr>
@@ -14789,7 +14894,7 @@
   <a:extraClrSchemeLst/>
   <a:extLst>
     <a:ext uri="{05A4C25C-085E-4340-85A3-A5531E510DB2}">
-      <thm15:themeFamily xmlns="" xmlns:thm15="http://schemas.microsoft.com/office/thememl/2012/main" name="Office Theme" id="{62F939B6-93AF-4DB8-9C6B-D6C7DFDC589F}" vid="{4A3C46E8-61CC-4603-A589-7422A47A8E4A}"/>
+      <thm15:themeFamily xmlns:thm15="http://schemas.microsoft.com/office/thememl/2012/main" xmlns="" name="Office Theme" id="{62F939B6-93AF-4DB8-9C6B-D6C7DFDC589F}" vid="{4A3C46E8-61CC-4603-A589-7422A47A8E4A}"/>
     </a:ext>
   </a:extLst>
 </a:theme>
@@ -15050,7 +15155,7 @@
   <a:extraClrSchemeLst/>
   <a:extLst>
     <a:ext uri="{05A4C25C-085E-4340-85A3-A5531E510DB2}">
-      <thm15:themeFamily xmlns="" xmlns:thm15="http://schemas.microsoft.com/office/thememl/2012/main" name="Office Theme" id="{62F939B6-93AF-4DB8-9C6B-D6C7DFDC589F}" vid="{4A3C46E8-61CC-4603-A589-7422A47A8E4A}"/>
+      <thm15:themeFamily xmlns:thm15="http://schemas.microsoft.com/office/thememl/2012/main" xmlns="" name="Office Theme" id="{62F939B6-93AF-4DB8-9C6B-D6C7DFDC589F}" vid="{4A3C46E8-61CC-4603-A589-7422A47A8E4A}"/>
     </a:ext>
   </a:extLst>
 </a:theme>
@@ -15311,7 +15416,7 @@
   <a:extraClrSchemeLst/>
   <a:extLst>
     <a:ext uri="{05A4C25C-085E-4340-85A3-A5531E510DB2}">
-      <thm15:themeFamily xmlns="" xmlns:thm15="http://schemas.microsoft.com/office/thememl/2012/main" name="Office Theme" id="{62F939B6-93AF-4DB8-9C6B-D6C7DFDC589F}" vid="{4A3C46E8-61CC-4603-A589-7422A47A8E4A}"/>
+      <thm15:themeFamily xmlns:thm15="http://schemas.microsoft.com/office/thememl/2012/main" xmlns="" name="Office Theme" id="{62F939B6-93AF-4DB8-9C6B-D6C7DFDC589F}" vid="{4A3C46E8-61CC-4603-A589-7422A47A8E4A}"/>
     </a:ext>
   </a:extLst>
 </a:theme>

--- a/docs/part2os/03_SystemCalls/OS_Lecture_03.pptx
+++ b/docs/part2os/03_SystemCalls/OS_Lecture_03.pptx
@@ -152,7 +152,7 @@
   </p:defaultTextStyle>
   <p:extLst>
     <p:ext uri="{EFAFB233-063F-42B5-8137-9DF3F51BA10A}">
-      <p15:sldGuideLst xmlns:p15="http://schemas.microsoft.com/office/powerpoint/2012/main" xmlns="">
+      <p15:sldGuideLst xmlns="" xmlns:p15="http://schemas.microsoft.com/office/powerpoint/2012/main">
         <p15:guide id="1" orient="horz" pos="2160">
           <p15:clr>
             <a:srgbClr val="A4A3A4"/>
@@ -166,7 +166,7 @@
       </p15:sldGuideLst>
     </p:ext>
     <p:ext uri="{2D200454-40CA-4A62-9FC3-DE9A4176ACB9}">
-      <p15:notesGuideLst xmlns:p15="http://schemas.microsoft.com/office/powerpoint/2012/main" xmlns="">
+      <p15:notesGuideLst xmlns="" xmlns:p15="http://schemas.microsoft.com/office/powerpoint/2012/main">
         <p15:guide id="1" orient="horz" pos="2880">
           <p15:clr>
             <a:srgbClr val="A4A3A4"/>
@@ -350,7 +350,7 @@
     </p:spTree>
     <p:extLst>
       <p:ext uri="{BB962C8B-B14F-4D97-AF65-F5344CB8AC3E}">
-        <p14:creationId xmlns:p14="http://schemas.microsoft.com/office/powerpoint/2010/main" xmlns="" val="827279973"/>
+        <p14:creationId xmlns="" xmlns:p14="http://schemas.microsoft.com/office/powerpoint/2010/main" val="827279973"/>
       </p:ext>
     </p:extLst>
   </p:cSld>
@@ -611,7 +611,7 @@
     </p:spTree>
     <p:extLst>
       <p:ext uri="{BB962C8B-B14F-4D97-AF65-F5344CB8AC3E}">
-        <p14:creationId xmlns:p14="http://schemas.microsoft.com/office/powerpoint/2010/main" xmlns="" val="3865021395"/>
+        <p14:creationId xmlns="" xmlns:p14="http://schemas.microsoft.com/office/powerpoint/2010/main" val="3865021395"/>
       </p:ext>
     </p:extLst>
   </p:cSld>
@@ -825,7 +825,7 @@
     </p:spTree>
     <p:extLst>
       <p:ext uri="{BB962C8B-B14F-4D97-AF65-F5344CB8AC3E}">
-        <p14:creationId xmlns:p14="http://schemas.microsoft.com/office/powerpoint/2010/main" xmlns="" val="2381791527"/>
+        <p14:creationId xmlns="" xmlns:p14="http://schemas.microsoft.com/office/powerpoint/2010/main" val="2381791527"/>
       </p:ext>
     </p:extLst>
   </p:cSld>
@@ -3058,7 +3058,7 @@
     </p:spTree>
     <p:extLst>
       <p:ext uri="{BB962C8B-B14F-4D97-AF65-F5344CB8AC3E}">
-        <p14:creationId xmlns:p14="http://schemas.microsoft.com/office/powerpoint/2010/main" xmlns="" val="1915950851"/>
+        <p14:creationId xmlns="" xmlns:p14="http://schemas.microsoft.com/office/powerpoint/2010/main" val="1915950851"/>
       </p:ext>
     </p:extLst>
   </p:cSld>
@@ -3852,7 +3852,7 @@
     </p:spTree>
     <p:extLst>
       <p:ext uri="{BB962C8B-B14F-4D97-AF65-F5344CB8AC3E}">
-        <p14:creationId xmlns:p14="http://schemas.microsoft.com/office/powerpoint/2010/main" xmlns="" val="322455162"/>
+        <p14:creationId xmlns="" xmlns:p14="http://schemas.microsoft.com/office/powerpoint/2010/main" val="322455162"/>
       </p:ext>
     </p:extLst>
   </p:cSld>
@@ -4026,7 +4026,7 @@
     </p:spTree>
     <p:extLst>
       <p:ext uri="{BB962C8B-B14F-4D97-AF65-F5344CB8AC3E}">
-        <p14:creationId xmlns:p14="http://schemas.microsoft.com/office/powerpoint/2010/main" xmlns="" val="971117636"/>
+        <p14:creationId xmlns="" xmlns:p14="http://schemas.microsoft.com/office/powerpoint/2010/main" val="971117636"/>
       </p:ext>
     </p:extLst>
   </p:cSld>
@@ -4203,7 +4203,7 @@
     </p:spTree>
     <p:extLst>
       <p:ext uri="{BB962C8B-B14F-4D97-AF65-F5344CB8AC3E}">
-        <p14:creationId xmlns:p14="http://schemas.microsoft.com/office/powerpoint/2010/main" xmlns="" val="3348877825"/>
+        <p14:creationId xmlns="" xmlns:p14="http://schemas.microsoft.com/office/powerpoint/2010/main" val="3348877825"/>
       </p:ext>
     </p:extLst>
   </p:cSld>
@@ -4528,7 +4528,7 @@
     </p:spTree>
     <p:extLst>
       <p:ext uri="{BB962C8B-B14F-4D97-AF65-F5344CB8AC3E}">
-        <p14:creationId xmlns:p14="http://schemas.microsoft.com/office/powerpoint/2010/main" xmlns="" val="3256953994"/>
+        <p14:creationId xmlns="" xmlns:p14="http://schemas.microsoft.com/office/powerpoint/2010/main" val="3256953994"/>
       </p:ext>
     </p:extLst>
   </p:cSld>
@@ -4778,7 +4778,7 @@
     </p:spTree>
     <p:extLst>
       <p:ext uri="{BB962C8B-B14F-4D97-AF65-F5344CB8AC3E}">
-        <p14:creationId xmlns:p14="http://schemas.microsoft.com/office/powerpoint/2010/main" xmlns="" val="3067076846"/>
+        <p14:creationId xmlns="" xmlns:p14="http://schemas.microsoft.com/office/powerpoint/2010/main" val="3067076846"/>
       </p:ext>
     </p:extLst>
   </p:cSld>
@@ -5014,7 +5014,7 @@
     </p:spTree>
     <p:extLst>
       <p:ext uri="{BB962C8B-B14F-4D97-AF65-F5344CB8AC3E}">
-        <p14:creationId xmlns:p14="http://schemas.microsoft.com/office/powerpoint/2010/main" xmlns="" val="3710015975"/>
+        <p14:creationId xmlns="" xmlns:p14="http://schemas.microsoft.com/office/powerpoint/2010/main" val="3710015975"/>
       </p:ext>
     </p:extLst>
   </p:cSld>
@@ -5385,7 +5385,7 @@
     </p:spTree>
     <p:extLst>
       <p:ext uri="{BB962C8B-B14F-4D97-AF65-F5344CB8AC3E}">
-        <p14:creationId xmlns:p14="http://schemas.microsoft.com/office/powerpoint/2010/main" xmlns="" val="4075590966"/>
+        <p14:creationId xmlns="" xmlns:p14="http://schemas.microsoft.com/office/powerpoint/2010/main" val="4075590966"/>
       </p:ext>
     </p:extLst>
   </p:cSld>
@@ -5507,7 +5507,7 @@
     </p:spTree>
     <p:extLst>
       <p:ext uri="{BB962C8B-B14F-4D97-AF65-F5344CB8AC3E}">
-        <p14:creationId xmlns:p14="http://schemas.microsoft.com/office/powerpoint/2010/main" xmlns="" val="2889604898"/>
+        <p14:creationId xmlns="" xmlns:p14="http://schemas.microsoft.com/office/powerpoint/2010/main" val="2889604898"/>
       </p:ext>
     </p:extLst>
   </p:cSld>
@@ -5606,7 +5606,7 @@
     </p:spTree>
     <p:extLst>
       <p:ext uri="{BB962C8B-B14F-4D97-AF65-F5344CB8AC3E}">
-        <p14:creationId xmlns:p14="http://schemas.microsoft.com/office/powerpoint/2010/main" xmlns="" val="152384765"/>
+        <p14:creationId xmlns="" xmlns:p14="http://schemas.microsoft.com/office/powerpoint/2010/main" val="152384765"/>
       </p:ext>
     </p:extLst>
   </p:cSld>
@@ -5887,7 +5887,7 @@
     </p:spTree>
     <p:extLst>
       <p:ext uri="{BB962C8B-B14F-4D97-AF65-F5344CB8AC3E}">
-        <p14:creationId xmlns:p14="http://schemas.microsoft.com/office/powerpoint/2010/main" xmlns="" val="2127791886"/>
+        <p14:creationId xmlns="" xmlns:p14="http://schemas.microsoft.com/office/powerpoint/2010/main" val="2127791886"/>
       </p:ext>
     </p:extLst>
   </p:cSld>
@@ -6144,7 +6144,7 @@
     </p:spTree>
     <p:extLst>
       <p:ext uri="{BB962C8B-B14F-4D97-AF65-F5344CB8AC3E}">
-        <p14:creationId xmlns:p14="http://schemas.microsoft.com/office/powerpoint/2010/main" xmlns="" val="1752705130"/>
+        <p14:creationId xmlns="" xmlns:p14="http://schemas.microsoft.com/office/powerpoint/2010/main" val="1752705130"/>
       </p:ext>
     </p:extLst>
   </p:cSld>
@@ -6397,7 +6397,7 @@
     </p:spTree>
     <p:extLst>
       <p:ext uri="{BB962C8B-B14F-4D97-AF65-F5344CB8AC3E}">
-        <p14:creationId xmlns:p14="http://schemas.microsoft.com/office/powerpoint/2010/main" xmlns="" val="968833914"/>
+        <p14:creationId xmlns="" xmlns:p14="http://schemas.microsoft.com/office/powerpoint/2010/main" val="968833914"/>
       </p:ext>
     </p:extLst>
   </p:cSld>
@@ -6891,7 +6891,7 @@
     </p:spTree>
     <p:extLst>
       <p:ext uri="{BB962C8B-B14F-4D97-AF65-F5344CB8AC3E}">
-        <p14:creationId xmlns:p14="http://schemas.microsoft.com/office/powerpoint/2010/main" xmlns="" val="2492894732"/>
+        <p14:creationId xmlns="" xmlns:p14="http://schemas.microsoft.com/office/powerpoint/2010/main" val="2492894732"/>
       </p:ext>
     </p:extLst>
   </p:cSld>
@@ -7525,7 +7525,7 @@
             <a:r>
               <a:rPr lang="en-US" b="1" dirty="0" smtClean="0">
                 <a:solidFill>
-                  <a:srgbClr val="3366FF"/>
+                  <a:srgbClr val="F7B217"/>
                 </a:solidFill>
               </a:rPr>
               <a:t>Debugger</a:t>
@@ -7537,7 +7537,7 @@
             <a:r>
               <a:rPr lang="en-US" b="1" dirty="0" smtClean="0">
                 <a:solidFill>
-                  <a:srgbClr val="3366FF"/>
+                  <a:srgbClr val="F7B217"/>
                 </a:solidFill>
               </a:rPr>
               <a:t>bugs, single step </a:t>
@@ -7552,7 +7552,7 @@
             <a:r>
               <a:rPr lang="en-US" b="1" dirty="0" smtClean="0">
                 <a:solidFill>
-                  <a:srgbClr val="3366FF"/>
+                  <a:srgbClr val="F7B217"/>
                 </a:solidFill>
               </a:rPr>
               <a:t>Locks</a:t>
@@ -9577,7 +9577,7 @@
             <a:r>
               <a:rPr lang="en-US" b="1" dirty="0" smtClean="0">
                 <a:solidFill>
-                  <a:srgbClr val="3366FF"/>
+                  <a:srgbClr val="F7B217"/>
                 </a:solidFill>
               </a:rPr>
               <a:t>registry</a:t>
@@ -9936,7 +9936,7 @@
               </a:lnSpc>
             </a:pPr>
             <a:r>
-              <a:rPr lang="en-US" b="1" smtClean="0"/>
+              <a:rPr lang="en-US" b="1" dirty="0" smtClean="0"/>
               <a:t>Background Services</a:t>
             </a:r>
           </a:p>
@@ -9947,7 +9947,7 @@
               </a:lnSpc>
             </a:pPr>
             <a:r>
-              <a:rPr lang="en-US" smtClean="0"/>
+              <a:rPr lang="en-US" dirty="0" smtClean="0"/>
               <a:t>Launch at boot time</a:t>
             </a:r>
           </a:p>
@@ -9958,7 +9958,7 @@
               </a:lnSpc>
             </a:pPr>
             <a:r>
-              <a:rPr lang="en-US" smtClean="0"/>
+              <a:rPr lang="en-US" dirty="0" smtClean="0"/>
               <a:t>Some for system startup, then terminate</a:t>
             </a:r>
           </a:p>
@@ -9969,7 +9969,7 @@
               </a:lnSpc>
             </a:pPr>
             <a:r>
-              <a:rPr lang="en-US" smtClean="0"/>
+              <a:rPr lang="en-US" dirty="0" smtClean="0"/>
               <a:t>Some from system boot to shutdown</a:t>
             </a:r>
           </a:p>
@@ -9980,7 +9980,7 @@
               </a:lnSpc>
             </a:pPr>
             <a:r>
-              <a:rPr lang="en-US" smtClean="0"/>
+              <a:rPr lang="en-US" dirty="0" smtClean="0"/>
               <a:t>Provide facilities like disk checking, process scheduling, error logging, printing</a:t>
             </a:r>
           </a:p>
@@ -9991,7 +9991,7 @@
               </a:lnSpc>
             </a:pPr>
             <a:r>
-              <a:rPr lang="en-US" smtClean="0"/>
+              <a:rPr lang="en-US" dirty="0" smtClean="0"/>
               <a:t>Run in user context not kernel context</a:t>
             </a:r>
           </a:p>
@@ -10002,46 +10002,54 @@
               </a:lnSpc>
             </a:pPr>
             <a:r>
-              <a:rPr lang="en-US" smtClean="0"/>
+              <a:rPr lang="en-US" dirty="0" smtClean="0"/>
               <a:t>Known as </a:t>
             </a:r>
             <a:r>
-              <a:rPr lang="en-US" b="1" smtClean="0">
+              <a:rPr lang="en-US" b="1" dirty="0" smtClean="0">
                 <a:solidFill>
-                  <a:srgbClr val="3366FF"/>
+                  <a:srgbClr val="F7B217"/>
                 </a:solidFill>
               </a:rPr>
               <a:t>services</a:t>
             </a:r>
             <a:r>
-              <a:rPr lang="en-US" smtClean="0"/>
+              <a:rPr lang="en-US" dirty="0" smtClean="0"/>
               <a:t>, </a:t>
             </a:r>
             <a:r>
-              <a:rPr lang="en-US" b="1" smtClean="0">
+              <a:rPr lang="en-US" b="1" dirty="0" smtClean="0">
                 <a:solidFill>
-                  <a:srgbClr val="3366FF"/>
+                  <a:srgbClr val="F7B217"/>
                 </a:solidFill>
               </a:rPr>
               <a:t>subsystems</a:t>
             </a:r>
             <a:r>
-              <a:rPr lang="en-US" smtClean="0"/>
+              <a:rPr lang="en-US" dirty="0" smtClean="0"/>
               <a:t>, </a:t>
             </a:r>
             <a:r>
-              <a:rPr lang="en-US" b="1" smtClean="0">
+              <a:rPr lang="en-US" b="1" dirty="0" smtClean="0">
                 <a:solidFill>
-                  <a:srgbClr val="3366FF"/>
+                  <a:srgbClr val="F7B217"/>
                 </a:solidFill>
               </a:rPr>
               <a:t>daemons</a:t>
             </a:r>
             <a:r>
-              <a:rPr lang="en-US" smtClean="0"/>
+              <a:rPr lang="en-US" dirty="0" smtClean="0">
+                <a:solidFill>
+                  <a:srgbClr val="F7B217"/>
+                </a:solidFill>
+              </a:rPr>
               <a:t> </a:t>
             </a:r>
-            <a:endParaRPr lang="en-US" b="1" smtClean="0"/>
+            <a:endParaRPr lang="en-US" b="1" dirty="0" smtClean="0">
+              <a:solidFill>
+                <a:srgbClr val="F7B217"/>
+              </a:solidFill>
+            </a:endParaRPr>
           </a:p>
           <a:p>
             <a:pPr lvl="1">
@@ -10051,7 +10059,7 @@
               <a:buFont typeface="Monotype Sorts" pitchFamily="-84" charset="2"/>
               <a:buNone/>
             </a:pPr>
-            <a:endParaRPr lang="en-US" sz="800" smtClean="0"/>
+            <a:endParaRPr lang="en-US" sz="800" dirty="0" smtClean="0"/>
           </a:p>
           <a:p>
             <a:pPr>
@@ -10060,7 +10068,7 @@
               </a:lnSpc>
             </a:pPr>
             <a:r>
-              <a:rPr lang="en-US" b="1" smtClean="0"/>
+              <a:rPr lang="en-US" b="1" dirty="0" smtClean="0"/>
               <a:t>Application programs</a:t>
             </a:r>
           </a:p>
@@ -10071,15 +10079,15 @@
               </a:lnSpc>
             </a:pPr>
             <a:r>
-              <a:rPr lang="en-US" smtClean="0"/>
+              <a:rPr lang="en-US" dirty="0" smtClean="0"/>
               <a:t>Don</a:t>
             </a:r>
             <a:r>
-              <a:rPr lang="en-US" altLang="en-US" smtClean="0"/>
+              <a:rPr lang="en-US" altLang="en-US" dirty="0" smtClean="0"/>
               <a:t>’</a:t>
             </a:r>
             <a:r>
-              <a:rPr lang="en-US" smtClean="0"/>
+              <a:rPr lang="en-US" dirty="0" smtClean="0"/>
               <a:t>t pertain to system</a:t>
             </a:r>
           </a:p>
@@ -10090,7 +10098,7 @@
               </a:lnSpc>
             </a:pPr>
             <a:r>
-              <a:rPr lang="en-US" smtClean="0"/>
+              <a:rPr lang="en-US" dirty="0" smtClean="0"/>
               <a:t>Run by users</a:t>
             </a:r>
           </a:p>
@@ -10101,7 +10109,7 @@
               </a:lnSpc>
             </a:pPr>
             <a:r>
-              <a:rPr lang="en-US" smtClean="0"/>
+              <a:rPr lang="en-US" dirty="0" smtClean="0"/>
               <a:t>Not typically considered part of OS</a:t>
             </a:r>
           </a:p>
@@ -10112,7 +10120,7 @@
               </a:lnSpc>
             </a:pPr>
             <a:r>
-              <a:rPr lang="en-US" smtClean="0"/>
+              <a:rPr lang="en-US" dirty="0" smtClean="0"/>
               <a:t>Launched by command line, mouse click, finger poke</a:t>
             </a:r>
           </a:p>
@@ -10185,8 +10193,8 @@
         </p:nvSpPr>
         <p:spPr>
           <a:xfrm>
-            <a:off x="1439334" y="65088"/>
-            <a:ext cx="10282767" cy="576262"/>
+            <a:off x="1439334" y="136337"/>
+            <a:ext cx="10282767" cy="766185"/>
           </a:xfrm>
         </p:spPr>
         <p:txBody>
@@ -10197,7 +10205,7 @@
           <a:p>
             <a:pPr eaLnBrk="1" hangingPunct="1"/>
             <a:r>
-              <a:rPr lang="en-US" sz="3200" dirty="0" smtClean="0"/>
+              <a:rPr lang="en-US" sz="3600" dirty="0" smtClean="0"/>
               <a:t>Operating System Design and Implementation</a:t>
             </a:r>
           </a:p>
@@ -10277,17 +10285,33 @@
             <a:endParaRPr lang="en-US" sz="800" dirty="0" smtClean="0"/>
           </a:p>
           <a:p>
+            <a:r>
+              <a:rPr lang="en-US" b="1" dirty="0" smtClean="0">
+                <a:solidFill>
+                  <a:srgbClr val="F7B217"/>
+                </a:solidFill>
+              </a:rPr>
+              <a:t>User</a:t>
+            </a:r>
             <a:r>
               <a:rPr lang="en-US" b="1" dirty="0" smtClean="0">
                 <a:solidFill>
                   <a:srgbClr val="3366FF"/>
                 </a:solidFill>
               </a:rPr>
-              <a:t>User </a:t>
+              <a:t> </a:t>
             </a:r>
             <a:r>
               <a:rPr lang="en-US" dirty="0" smtClean="0"/>
               <a:t>goals and </a:t>
+            </a:r>
+            <a:r>
+              <a:rPr lang="en-US" b="1" dirty="0" smtClean="0">
+                <a:solidFill>
+                  <a:srgbClr val="F7B217"/>
+                </a:solidFill>
+              </a:rPr>
+              <a:t>System</a:t>
             </a:r>
             <a:r>
               <a:rPr lang="en-US" b="1" dirty="0" smtClean="0">
@@ -10295,7 +10319,7 @@
                   <a:srgbClr val="3366FF"/>
                 </a:solidFill>
               </a:rPr>
-              <a:t>System </a:t>
+              <a:t> </a:t>
             </a:r>
             <a:r>
               <a:rPr lang="en-US" dirty="0" smtClean="0"/>
@@ -10440,7 +10464,7 @@
             <a:r>
               <a:rPr lang="en-US" b="1" dirty="0" smtClean="0">
                 <a:solidFill>
-                  <a:srgbClr val="3366FF"/>
+                  <a:srgbClr val="F7B217"/>
                 </a:solidFill>
               </a:rPr>
               <a:t>Policy</a:t>
@@ -10467,7 +10491,7 @@
             <a:r>
               <a:rPr lang="en-US" b="1" dirty="0" smtClean="0">
                 <a:solidFill>
-                  <a:srgbClr val="3366FF"/>
+                  <a:srgbClr val="F7B217"/>
                 </a:solidFill>
               </a:rPr>
               <a:t>Mechanism</a:t>
@@ -10505,7 +10529,7 @@
             <a:r>
               <a:rPr lang="en-US" b="1" dirty="0" smtClean="0">
                 <a:solidFill>
-                  <a:srgbClr val="3366FF"/>
+                  <a:srgbClr val="F7B217"/>
                 </a:solidFill>
               </a:rPr>
               <a:t>software engineering</a:t>
@@ -10714,25 +10738,41 @@
                   <a:srgbClr val="3366FF"/>
                 </a:solidFill>
               </a:rPr>
-              <a:t> port </a:t>
-            </a:r>
-            <a:r>
-              <a:rPr lang="en-US" dirty="0" smtClean="0"/>
-              <a:t>to other hardware</a:t>
-            </a:r>
-          </a:p>
-          <a:p>
-            <a:pPr lvl="1"/>
-            <a:r>
-              <a:rPr lang="en-US" dirty="0" smtClean="0"/>
-              <a:t>But slower</a:t>
-            </a:r>
-          </a:p>
-          <a:p>
+              <a:t> </a:t>
+            </a:r>
+            <a:r>
+              <a:rPr lang="en-US" b="1" dirty="0" smtClean="0">
+                <a:solidFill>
+                  <a:srgbClr val="F7B217"/>
+                </a:solidFill>
+              </a:rPr>
+              <a:t>port</a:t>
+            </a:r>
             <a:r>
               <a:rPr lang="en-US" b="1" dirty="0" smtClean="0">
                 <a:solidFill>
                   <a:srgbClr val="3366FF"/>
+                </a:solidFill>
+              </a:rPr>
+              <a:t> </a:t>
+            </a:r>
+            <a:r>
+              <a:rPr lang="en-US" dirty="0" smtClean="0"/>
+              <a:t>to other hardware</a:t>
+            </a:r>
+          </a:p>
+          <a:p>
+            <a:pPr lvl="1"/>
+            <a:r>
+              <a:rPr lang="en-US" dirty="0" smtClean="0"/>
+              <a:t>But slower</a:t>
+            </a:r>
+          </a:p>
+          <a:p>
+            <a:r>
+              <a:rPr lang="en-US" b="1" dirty="0" smtClean="0">
+                <a:solidFill>
+                  <a:srgbClr val="F7B217"/>
                 </a:solidFill>
               </a:rPr>
               <a:t>Emulation</a:t>
@@ -13822,7 +13862,7 @@
     </p:spTree>
     <p:extLst>
       <p:ext uri="{BB962C8B-B14F-4D97-AF65-F5344CB8AC3E}">
-        <p14:creationId xmlns:p14="http://schemas.microsoft.com/office/powerpoint/2010/main" xmlns="" val="4217875043"/>
+        <p14:creationId xmlns="" xmlns:p14="http://schemas.microsoft.com/office/powerpoint/2010/main" val="4217875043"/>
       </p:ext>
     </p:extLst>
   </p:cSld>
@@ -14894,7 +14934,7 @@
   <a:extraClrSchemeLst/>
   <a:extLst>
     <a:ext uri="{05A4C25C-085E-4340-85A3-A5531E510DB2}">
-      <thm15:themeFamily xmlns:thm15="http://schemas.microsoft.com/office/thememl/2012/main" xmlns="" name="Office Theme" id="{62F939B6-93AF-4DB8-9C6B-D6C7DFDC589F}" vid="{4A3C46E8-61CC-4603-A589-7422A47A8E4A}"/>
+      <thm15:themeFamily xmlns="" xmlns:thm15="http://schemas.microsoft.com/office/thememl/2012/main" name="Office Theme" id="{62F939B6-93AF-4DB8-9C6B-D6C7DFDC589F}" vid="{4A3C46E8-61CC-4603-A589-7422A47A8E4A}"/>
     </a:ext>
   </a:extLst>
 </a:theme>
@@ -15155,7 +15195,7 @@
   <a:extraClrSchemeLst/>
   <a:extLst>
     <a:ext uri="{05A4C25C-085E-4340-85A3-A5531E510DB2}">
-      <thm15:themeFamily xmlns:thm15="http://schemas.microsoft.com/office/thememl/2012/main" xmlns="" name="Office Theme" id="{62F939B6-93AF-4DB8-9C6B-D6C7DFDC589F}" vid="{4A3C46E8-61CC-4603-A589-7422A47A8E4A}"/>
+      <thm15:themeFamily xmlns="" xmlns:thm15="http://schemas.microsoft.com/office/thememl/2012/main" name="Office Theme" id="{62F939B6-93AF-4DB8-9C6B-D6C7DFDC589F}" vid="{4A3C46E8-61CC-4603-A589-7422A47A8E4A}"/>
     </a:ext>
   </a:extLst>
 </a:theme>
@@ -15416,7 +15456,7 @@
   <a:extraClrSchemeLst/>
   <a:extLst>
     <a:ext uri="{05A4C25C-085E-4340-85A3-A5531E510DB2}">
-      <thm15:themeFamily xmlns:thm15="http://schemas.microsoft.com/office/thememl/2012/main" xmlns="" name="Office Theme" id="{62F939B6-93AF-4DB8-9C6B-D6C7DFDC589F}" vid="{4A3C46E8-61CC-4603-A589-7422A47A8E4A}"/>
+      <thm15:themeFamily xmlns="" xmlns:thm15="http://schemas.microsoft.com/office/thememl/2012/main" name="Office Theme" id="{62F939B6-93AF-4DB8-9C6B-D6C7DFDC589F}" vid="{4A3C46E8-61CC-4603-A589-7422A47A8E4A}"/>
     </a:ext>
   </a:extLst>
 </a:theme>

--- a/docs/part2os/03_SystemCalls/OS_Lecture_03.pptx
+++ b/docs/part2os/03_SystemCalls/OS_Lecture_03.pptx
@@ -152,7 +152,7 @@
   </p:defaultTextStyle>
   <p:extLst>
     <p:ext uri="{EFAFB233-063F-42B5-8137-9DF3F51BA10A}">
-      <p15:sldGuideLst xmlns="" xmlns:p15="http://schemas.microsoft.com/office/powerpoint/2012/main">
+      <p15:sldGuideLst xmlns:p15="http://schemas.microsoft.com/office/powerpoint/2012/main" xmlns="">
         <p15:guide id="1" orient="horz" pos="2160">
           <p15:clr>
             <a:srgbClr val="A4A3A4"/>
@@ -166,7 +166,7 @@
       </p15:sldGuideLst>
     </p:ext>
     <p:ext uri="{2D200454-40CA-4A62-9FC3-DE9A4176ACB9}">
-      <p15:notesGuideLst xmlns="" xmlns:p15="http://schemas.microsoft.com/office/powerpoint/2012/main">
+      <p15:notesGuideLst xmlns:p15="http://schemas.microsoft.com/office/powerpoint/2012/main" xmlns="">
         <p15:guide id="1" orient="horz" pos="2880">
           <p15:clr>
             <a:srgbClr val="A4A3A4"/>
@@ -350,7 +350,7 @@
     </p:spTree>
     <p:extLst>
       <p:ext uri="{BB962C8B-B14F-4D97-AF65-F5344CB8AC3E}">
-        <p14:creationId xmlns="" xmlns:p14="http://schemas.microsoft.com/office/powerpoint/2010/main" val="827279973"/>
+        <p14:creationId xmlns:p14="http://schemas.microsoft.com/office/powerpoint/2010/main" xmlns="" val="827279973"/>
       </p:ext>
     </p:extLst>
   </p:cSld>
@@ -611,7 +611,7 @@
     </p:spTree>
     <p:extLst>
       <p:ext uri="{BB962C8B-B14F-4D97-AF65-F5344CB8AC3E}">
-        <p14:creationId xmlns="" xmlns:p14="http://schemas.microsoft.com/office/powerpoint/2010/main" val="3865021395"/>
+        <p14:creationId xmlns:p14="http://schemas.microsoft.com/office/powerpoint/2010/main" xmlns="" val="3865021395"/>
       </p:ext>
     </p:extLst>
   </p:cSld>
@@ -825,7 +825,7 @@
     </p:spTree>
     <p:extLst>
       <p:ext uri="{BB962C8B-B14F-4D97-AF65-F5344CB8AC3E}">
-        <p14:creationId xmlns="" xmlns:p14="http://schemas.microsoft.com/office/powerpoint/2010/main" val="2381791527"/>
+        <p14:creationId xmlns:p14="http://schemas.microsoft.com/office/powerpoint/2010/main" xmlns="" val="2381791527"/>
       </p:ext>
     </p:extLst>
   </p:cSld>
@@ -3058,7 +3058,7 @@
     </p:spTree>
     <p:extLst>
       <p:ext uri="{BB962C8B-B14F-4D97-AF65-F5344CB8AC3E}">
-        <p14:creationId xmlns="" xmlns:p14="http://schemas.microsoft.com/office/powerpoint/2010/main" val="1915950851"/>
+        <p14:creationId xmlns:p14="http://schemas.microsoft.com/office/powerpoint/2010/main" xmlns="" val="1915950851"/>
       </p:ext>
     </p:extLst>
   </p:cSld>
@@ -3852,7 +3852,7 @@
     </p:spTree>
     <p:extLst>
       <p:ext uri="{BB962C8B-B14F-4D97-AF65-F5344CB8AC3E}">
-        <p14:creationId xmlns="" xmlns:p14="http://schemas.microsoft.com/office/powerpoint/2010/main" val="322455162"/>
+        <p14:creationId xmlns:p14="http://schemas.microsoft.com/office/powerpoint/2010/main" xmlns="" val="322455162"/>
       </p:ext>
     </p:extLst>
   </p:cSld>
@@ -4026,7 +4026,7 @@
     </p:spTree>
     <p:extLst>
       <p:ext uri="{BB962C8B-B14F-4D97-AF65-F5344CB8AC3E}">
-        <p14:creationId xmlns="" xmlns:p14="http://schemas.microsoft.com/office/powerpoint/2010/main" val="971117636"/>
+        <p14:creationId xmlns:p14="http://schemas.microsoft.com/office/powerpoint/2010/main" xmlns="" val="971117636"/>
       </p:ext>
     </p:extLst>
   </p:cSld>
@@ -4203,7 +4203,7 @@
     </p:spTree>
     <p:extLst>
       <p:ext uri="{BB962C8B-B14F-4D97-AF65-F5344CB8AC3E}">
-        <p14:creationId xmlns="" xmlns:p14="http://schemas.microsoft.com/office/powerpoint/2010/main" val="3348877825"/>
+        <p14:creationId xmlns:p14="http://schemas.microsoft.com/office/powerpoint/2010/main" xmlns="" val="3348877825"/>
       </p:ext>
     </p:extLst>
   </p:cSld>
@@ -4528,7 +4528,7 @@
     </p:spTree>
     <p:extLst>
       <p:ext uri="{BB962C8B-B14F-4D97-AF65-F5344CB8AC3E}">
-        <p14:creationId xmlns="" xmlns:p14="http://schemas.microsoft.com/office/powerpoint/2010/main" val="3256953994"/>
+        <p14:creationId xmlns:p14="http://schemas.microsoft.com/office/powerpoint/2010/main" xmlns="" val="3256953994"/>
       </p:ext>
     </p:extLst>
   </p:cSld>
@@ -4778,7 +4778,7 @@
     </p:spTree>
     <p:extLst>
       <p:ext uri="{BB962C8B-B14F-4D97-AF65-F5344CB8AC3E}">
-        <p14:creationId xmlns="" xmlns:p14="http://schemas.microsoft.com/office/powerpoint/2010/main" val="3067076846"/>
+        <p14:creationId xmlns:p14="http://schemas.microsoft.com/office/powerpoint/2010/main" xmlns="" val="3067076846"/>
       </p:ext>
     </p:extLst>
   </p:cSld>
@@ -5014,7 +5014,7 @@
     </p:spTree>
     <p:extLst>
       <p:ext uri="{BB962C8B-B14F-4D97-AF65-F5344CB8AC3E}">
-        <p14:creationId xmlns="" xmlns:p14="http://schemas.microsoft.com/office/powerpoint/2010/main" val="3710015975"/>
+        <p14:creationId xmlns:p14="http://schemas.microsoft.com/office/powerpoint/2010/main" xmlns="" val="3710015975"/>
       </p:ext>
     </p:extLst>
   </p:cSld>
@@ -5385,7 +5385,7 @@
     </p:spTree>
     <p:extLst>
       <p:ext uri="{BB962C8B-B14F-4D97-AF65-F5344CB8AC3E}">
-        <p14:creationId xmlns="" xmlns:p14="http://schemas.microsoft.com/office/powerpoint/2010/main" val="4075590966"/>
+        <p14:creationId xmlns:p14="http://schemas.microsoft.com/office/powerpoint/2010/main" xmlns="" val="4075590966"/>
       </p:ext>
     </p:extLst>
   </p:cSld>
@@ -5507,7 +5507,7 @@
     </p:spTree>
     <p:extLst>
       <p:ext uri="{BB962C8B-B14F-4D97-AF65-F5344CB8AC3E}">
-        <p14:creationId xmlns="" xmlns:p14="http://schemas.microsoft.com/office/powerpoint/2010/main" val="2889604898"/>
+        <p14:creationId xmlns:p14="http://schemas.microsoft.com/office/powerpoint/2010/main" xmlns="" val="2889604898"/>
       </p:ext>
     </p:extLst>
   </p:cSld>
@@ -5606,7 +5606,7 @@
     </p:spTree>
     <p:extLst>
       <p:ext uri="{BB962C8B-B14F-4D97-AF65-F5344CB8AC3E}">
-        <p14:creationId xmlns="" xmlns:p14="http://schemas.microsoft.com/office/powerpoint/2010/main" val="152384765"/>
+        <p14:creationId xmlns:p14="http://schemas.microsoft.com/office/powerpoint/2010/main" xmlns="" val="152384765"/>
       </p:ext>
     </p:extLst>
   </p:cSld>
@@ -5887,7 +5887,7 @@
     </p:spTree>
     <p:extLst>
       <p:ext uri="{BB962C8B-B14F-4D97-AF65-F5344CB8AC3E}">
-        <p14:creationId xmlns="" xmlns:p14="http://schemas.microsoft.com/office/powerpoint/2010/main" val="2127791886"/>
+        <p14:creationId xmlns:p14="http://schemas.microsoft.com/office/powerpoint/2010/main" xmlns="" val="2127791886"/>
       </p:ext>
     </p:extLst>
   </p:cSld>
@@ -6144,7 +6144,7 @@
     </p:spTree>
     <p:extLst>
       <p:ext uri="{BB962C8B-B14F-4D97-AF65-F5344CB8AC3E}">
-        <p14:creationId xmlns="" xmlns:p14="http://schemas.microsoft.com/office/powerpoint/2010/main" val="1752705130"/>
+        <p14:creationId xmlns:p14="http://schemas.microsoft.com/office/powerpoint/2010/main" xmlns="" val="1752705130"/>
       </p:ext>
     </p:extLst>
   </p:cSld>
@@ -6397,7 +6397,7 @@
     </p:spTree>
     <p:extLst>
       <p:ext uri="{BB962C8B-B14F-4D97-AF65-F5344CB8AC3E}">
-        <p14:creationId xmlns="" xmlns:p14="http://schemas.microsoft.com/office/powerpoint/2010/main" val="968833914"/>
+        <p14:creationId xmlns:p14="http://schemas.microsoft.com/office/powerpoint/2010/main" xmlns="" val="968833914"/>
       </p:ext>
     </p:extLst>
   </p:cSld>
@@ -6891,7 +6891,7 @@
     </p:spTree>
     <p:extLst>
       <p:ext uri="{BB962C8B-B14F-4D97-AF65-F5344CB8AC3E}">
-        <p14:creationId xmlns="" xmlns:p14="http://schemas.microsoft.com/office/powerpoint/2010/main" val="2492894732"/>
+        <p14:creationId xmlns:p14="http://schemas.microsoft.com/office/powerpoint/2010/main" xmlns="" val="2492894732"/>
       </p:ext>
     </p:extLst>
   </p:cSld>
@@ -7010,6 +7010,13 @@
   <p:clrMapOvr>
     <a:masterClrMapping/>
   </p:clrMapOvr>
+  <p:timing>
+    <p:tnLst>
+      <p:par>
+        <p:cTn id="1" dur="indefinite" restart="never" nodeType="tmRoot"/>
+      </p:par>
+    </p:tnLst>
+  </p:timing>
 </p:sld>
 </file>
 
@@ -7282,6 +7289,13 @@
   <p:clrMapOvr>
     <a:masterClrMapping/>
   </p:clrMapOvr>
+  <p:timing>
+    <p:tnLst>
+      <p:par>
+        <p:cTn id="1" dur="indefinite" restart="never" nodeType="tmRoot"/>
+      </p:par>
+    </p:tnLst>
+  </p:timing>
 </p:sld>
 </file>
 
@@ -7387,6 +7401,13 @@
   <p:clrMapOvr>
     <a:masterClrMapping/>
   </p:clrMapOvr>
+  <p:timing>
+    <p:tnLst>
+      <p:par>
+        <p:cTn id="1" dur="indefinite" restart="never" nodeType="tmRoot"/>
+      </p:par>
+    </p:tnLst>
+  </p:timing>
 </p:sld>
 </file>
 
@@ -7599,6 +7620,13 @@
   <p:clrMapOvr>
     <a:masterClrMapping/>
   </p:clrMapOvr>
+  <p:timing>
+    <p:tnLst>
+      <p:par>
+        <p:cTn id="1" dur="indefinite" restart="never" nodeType="tmRoot"/>
+      </p:par>
+    </p:tnLst>
+  </p:timing>
 </p:sld>
 </file>
 
@@ -7779,6 +7807,13 @@
   <p:clrMapOvr>
     <a:masterClrMapping/>
   </p:clrMapOvr>
+  <p:timing>
+    <p:tnLst>
+      <p:par>
+        <p:cTn id="1" dur="indefinite" restart="never" nodeType="tmRoot"/>
+      </p:par>
+    </p:tnLst>
+  </p:timing>
 </p:sld>
 </file>
 
@@ -8092,6 +8127,13 @@
   <p:clrMapOvr>
     <a:masterClrMapping/>
   </p:clrMapOvr>
+  <p:timing>
+    <p:tnLst>
+      <p:par>
+        <p:cTn id="1" dur="indefinite" restart="never" nodeType="tmRoot"/>
+      </p:par>
+    </p:tnLst>
+  </p:timing>
 </p:sld>
 </file>
 
@@ -8224,6 +8266,13 @@
   <p:clrMapOvr>
     <a:masterClrMapping/>
   </p:clrMapOvr>
+  <p:timing>
+    <p:tnLst>
+      <p:par>
+        <p:cTn id="1" dur="indefinite" restart="never" nodeType="tmRoot"/>
+      </p:par>
+    </p:tnLst>
+  </p:timing>
 </p:sld>
 </file>
 
@@ -8341,6 +8390,13 @@
   <p:clrMapOvr>
     <a:masterClrMapping/>
   </p:clrMapOvr>
+  <p:timing>
+    <p:tnLst>
+      <p:par>
+        <p:cTn id="1" dur="indefinite" restart="never" nodeType="tmRoot"/>
+      </p:par>
+    </p:tnLst>
+  </p:timing>
 </p:sld>
 </file>
 
@@ -8493,6 +8549,13 @@
   <p:clrMapOvr>
     <a:masterClrMapping/>
   </p:clrMapOvr>
+  <p:timing>
+    <p:tnLst>
+      <p:par>
+        <p:cTn id="1" dur="indefinite" restart="never" nodeType="tmRoot"/>
+      </p:par>
+    </p:tnLst>
+  </p:timing>
 </p:sld>
 </file>
 
@@ -8775,6 +8838,13 @@
   <p:clrMapOvr>
     <a:masterClrMapping/>
   </p:clrMapOvr>
+  <p:timing>
+    <p:tnLst>
+      <p:par>
+        <p:cTn id="1" dur="indefinite" restart="never" nodeType="tmRoot"/>
+      </p:par>
+    </p:tnLst>
+  </p:timing>
 </p:sld>
 </file>
 
@@ -9217,6 +9287,13 @@
   <p:clrMapOvr>
     <a:masterClrMapping/>
   </p:clrMapOvr>
+  <p:timing>
+    <p:tnLst>
+      <p:par>
+        <p:cTn id="1" dur="indefinite" restart="never" nodeType="tmRoot"/>
+      </p:par>
+    </p:tnLst>
+  </p:timing>
 </p:sld>
 </file>
 
@@ -9395,6 +9472,13 @@
   <p:clrMapOvr>
     <a:masterClrMapping/>
   </p:clrMapOvr>
+  <p:timing>
+    <p:tnLst>
+      <p:par>
+        <p:cTn id="1" dur="indefinite" restart="never" nodeType="tmRoot"/>
+      </p:par>
+    </p:tnLst>
+  </p:timing>
 </p:sld>
 </file>
 
@@ -9634,6 +9718,13 @@
   <p:clrMapOvr>
     <a:masterClrMapping/>
   </p:clrMapOvr>
+  <p:timing>
+    <p:tnLst>
+      <p:par>
+        <p:cTn id="1" dur="indefinite" restart="never" nodeType="tmRoot"/>
+      </p:par>
+    </p:tnLst>
+  </p:timing>
 </p:sld>
 </file>
 
@@ -9696,8 +9787,8 @@
         </p:nvSpPr>
         <p:spPr>
           <a:xfrm>
-            <a:off x="1138767" y="1122362"/>
-            <a:ext cx="9518651" cy="5735638"/>
+            <a:off x="866899" y="1122362"/>
+            <a:ext cx="10497787" cy="5735638"/>
           </a:xfrm>
         </p:spPr>
         <p:txBody>
@@ -9712,7 +9803,7 @@
               </a:lnSpc>
             </a:pPr>
             <a:r>
-              <a:rPr lang="en-US" b="1" dirty="0" smtClean="0"/>
+              <a:rPr lang="en-US" sz="4000" b="1" dirty="0" smtClean="0"/>
               <a:t>File modification</a:t>
             </a:r>
           </a:p>
@@ -9723,7 +9814,7 @@
               </a:lnSpc>
             </a:pPr>
             <a:r>
-              <a:rPr lang="en-US" dirty="0" smtClean="0"/>
+              <a:rPr lang="en-US" sz="3400" dirty="0" smtClean="0"/>
               <a:t>Text editors to create and modify files</a:t>
             </a:r>
           </a:p>
@@ -9734,10 +9825,10 @@
               </a:lnSpc>
             </a:pPr>
             <a:r>
-              <a:rPr lang="en-US" dirty="0" smtClean="0"/>
+              <a:rPr lang="en-US" sz="3400" dirty="0" smtClean="0"/>
               <a:t>Special commands to search contents of files or perform transformations of the text</a:t>
             </a:r>
-            <a:endParaRPr lang="en-US" sz="800" dirty="0" smtClean="0"/>
+            <a:endParaRPr lang="en-US" sz="1000" dirty="0" smtClean="0"/>
           </a:p>
           <a:p>
             <a:pPr>
@@ -9746,14 +9837,14 @@
               </a:lnSpc>
             </a:pPr>
             <a:r>
-              <a:rPr lang="en-US" b="1" dirty="0" smtClean="0"/>
+              <a:rPr lang="en-US" sz="4000" b="1" dirty="0" smtClean="0"/>
               <a:t>Programming-language support </a:t>
             </a:r>
             <a:r>
-              <a:rPr lang="en-US" dirty="0" smtClean="0"/>
+              <a:rPr lang="en-US" sz="4000" dirty="0" smtClean="0"/>
               <a:t>- Compilers, assemblers, debuggers and interpreters sometimes provided</a:t>
             </a:r>
-            <a:endParaRPr lang="en-US" sz="800" dirty="0" smtClean="0"/>
+            <a:endParaRPr lang="en-US" sz="1000" dirty="0" smtClean="0"/>
           </a:p>
           <a:p>
             <a:pPr>
@@ -9762,22 +9853,22 @@
               </a:lnSpc>
             </a:pPr>
             <a:r>
-              <a:rPr lang="en-US" b="1" dirty="0" smtClean="0"/>
+              <a:rPr lang="en-US" sz="4000" b="1" dirty="0" smtClean="0"/>
               <a:t>Program loading and execution</a:t>
             </a:r>
             <a:r>
-              <a:rPr lang="en-US" dirty="0" smtClean="0"/>
+              <a:rPr lang="en-US" sz="4000" dirty="0" smtClean="0"/>
               <a:t>- Absolute loaders, </a:t>
             </a:r>
             <a:r>
-              <a:rPr lang="en-US" dirty="0" err="1" smtClean="0"/>
+              <a:rPr lang="en-US" sz="4000" dirty="0" err="1" smtClean="0"/>
               <a:t>relocatable</a:t>
             </a:r>
             <a:r>
-              <a:rPr lang="en-US" dirty="0" smtClean="0"/>
+              <a:rPr lang="en-US" sz="4000" dirty="0" smtClean="0"/>
               <a:t> loaders, linkage editors, and overlay-loaders, debugging systems for higher-level and machine language</a:t>
             </a:r>
-            <a:endParaRPr lang="en-US" sz="800" dirty="0" smtClean="0"/>
+            <a:endParaRPr lang="en-US" sz="1000" dirty="0" smtClean="0"/>
           </a:p>
           <a:p>
             <a:pPr>
@@ -9786,11 +9877,11 @@
               </a:lnSpc>
             </a:pPr>
             <a:r>
-              <a:rPr lang="en-US" b="1" dirty="0" smtClean="0"/>
+              <a:rPr lang="en-US" sz="4000" b="1" dirty="0" smtClean="0"/>
               <a:t>Communications</a:t>
             </a:r>
             <a:r>
-              <a:rPr lang="en-US" dirty="0" smtClean="0"/>
+              <a:rPr lang="en-US" sz="4000" dirty="0" smtClean="0"/>
               <a:t> - Provide the mechanism for creating virtual connections among processes, users, and computer systems</a:t>
             </a:r>
           </a:p>
@@ -9801,15 +9892,15 @@
               </a:lnSpc>
             </a:pPr>
             <a:r>
-              <a:rPr lang="en-US" dirty="0" smtClean="0"/>
+              <a:rPr lang="en-US" sz="3400" dirty="0" smtClean="0"/>
               <a:t>Allow users to send messages to one another</a:t>
             </a:r>
             <a:r>
-              <a:rPr lang="ja-JP" altLang="en-US" dirty="0" smtClean="0"/>
+              <a:rPr lang="ja-JP" altLang="en-US" sz="3400" dirty="0" smtClean="0"/>
               <a:t>’</a:t>
             </a:r>
             <a:r>
-              <a:rPr lang="en-US" altLang="ja-JP" dirty="0" smtClean="0"/>
+              <a:rPr lang="en-US" altLang="ja-JP" sz="3400" dirty="0" smtClean="0"/>
               <a:t>s screens, browse web pages, send electronic-mail messages, log in remotely, transfer files from one machine to another</a:t>
             </a:r>
           </a:p>
@@ -9858,6 +9949,13 @@
   <p:clrMapOvr>
     <a:masterClrMapping/>
   </p:clrMapOvr>
+  <p:timing>
+    <p:tnLst>
+      <p:par>
+        <p:cTn id="1" dur="indefinite" restart="never" nodeType="tmRoot"/>
+      </p:par>
+    </p:tnLst>
+  </p:timing>
 </p:sld>
 </file>
 
@@ -9920,8 +10018,8 @@
         </p:nvSpPr>
         <p:spPr>
           <a:xfrm>
-            <a:off x="1075267" y="1108075"/>
-            <a:ext cx="10234084" cy="5187950"/>
+            <a:off x="890649" y="1056904"/>
+            <a:ext cx="10418702" cy="5628903"/>
           </a:xfrm>
         </p:spPr>
         <p:txBody>
@@ -9936,7 +10034,7 @@
               </a:lnSpc>
             </a:pPr>
             <a:r>
-              <a:rPr lang="en-US" b="1" dirty="0" smtClean="0"/>
+              <a:rPr lang="en-US" sz="3900" b="1" dirty="0" smtClean="0"/>
               <a:t>Background Services</a:t>
             </a:r>
           </a:p>
@@ -9958,7 +10056,7 @@
               </a:lnSpc>
             </a:pPr>
             <a:r>
-              <a:rPr lang="en-US" dirty="0" smtClean="0"/>
+              <a:rPr lang="en-US" sz="2600" dirty="0" smtClean="0"/>
               <a:t>Some for system startup, then terminate</a:t>
             </a:r>
           </a:p>
@@ -9969,7 +10067,7 @@
               </a:lnSpc>
             </a:pPr>
             <a:r>
-              <a:rPr lang="en-US" dirty="0" smtClean="0"/>
+              <a:rPr lang="en-US" sz="2600" dirty="0" smtClean="0"/>
               <a:t>Some from system boot to shutdown</a:t>
             </a:r>
           </a:p>
@@ -10068,7 +10166,7 @@
               </a:lnSpc>
             </a:pPr>
             <a:r>
-              <a:rPr lang="en-US" b="1" dirty="0" smtClean="0"/>
+              <a:rPr lang="en-US" sz="3900" b="1" dirty="0" smtClean="0"/>
               <a:t>Application programs</a:t>
             </a:r>
           </a:p>
@@ -10161,6 +10259,13 @@
   <p:clrMapOvr>
     <a:masterClrMapping/>
   </p:clrMapOvr>
+  <p:timing>
+    <p:tnLst>
+      <p:par>
+        <p:cTn id="1" dur="indefinite" restart="never" nodeType="tmRoot"/>
+      </p:par>
+    </p:tnLst>
+  </p:timing>
 </p:sld>
 </file>
 
@@ -10377,6 +10482,13 @@
   <p:clrMapOvr>
     <a:masterClrMapping/>
   </p:clrMapOvr>
+  <p:timing>
+    <p:tnLst>
+      <p:par>
+        <p:cTn id="1" dur="indefinite" restart="never" nodeType="tmRoot"/>
+      </p:par>
+    </p:tnLst>
+  </p:timing>
 </p:sld>
 </file>
 
@@ -10409,17 +10521,19 @@
         </p:nvSpPr>
         <p:spPr>
           <a:xfrm>
-            <a:off x="1426633" y="106363"/>
+            <a:off x="619133" y="177613"/>
             <a:ext cx="10972800" cy="576262"/>
           </a:xfrm>
         </p:spPr>
         <p:txBody>
-          <a:bodyPr/>
+          <a:bodyPr>
+            <a:noAutofit/>
+          </a:bodyPr>
           <a:lstStyle/>
           <a:p>
             <a:pPr eaLnBrk="1" hangingPunct="1"/>
             <a:r>
-              <a:rPr lang="en-US" sz="2400" smtClean="0"/>
+              <a:rPr lang="en-US" sz="3600" dirty="0" smtClean="0"/>
               <a:t>Operating System Design and Implementation (Cont.)</a:t>
             </a:r>
           </a:p>
@@ -10586,6 +10700,13 @@
   <p:clrMapOvr>
     <a:masterClrMapping/>
   </p:clrMapOvr>
+  <p:timing>
+    <p:tnLst>
+      <p:par>
+        <p:cTn id="1" dur="indefinite" restart="never" nodeType="tmRoot"/>
+      </p:par>
+    </p:tnLst>
+  </p:timing>
 </p:sld>
 </file>
 
@@ -10833,6 +10954,13 @@
   <p:clrMapOvr>
     <a:masterClrMapping/>
   </p:clrMapOvr>
+  <p:timing>
+    <p:tnLst>
+      <p:par>
+        <p:cTn id="1" dur="indefinite" restart="never" nodeType="tmRoot"/>
+      </p:par>
+    </p:tnLst>
+  </p:timing>
 </p:sld>
 </file>
 
@@ -10981,6 +11109,13 @@
   <p:clrMapOvr>
     <a:masterClrMapping/>
   </p:clrMapOvr>
+  <p:timing>
+    <p:tnLst>
+      <p:par>
+        <p:cTn id="1" dur="indefinite" restart="never" nodeType="tmRoot"/>
+      </p:par>
+    </p:tnLst>
+  </p:timing>
 </p:sld>
 </file>
 
@@ -11142,6 +11277,13 @@
   <p:clrMapOvr>
     <a:masterClrMapping/>
   </p:clrMapOvr>
+  <p:timing>
+    <p:tnLst>
+      <p:par>
+        <p:cTn id="1" dur="indefinite" restart="never" nodeType="tmRoot"/>
+      </p:par>
+    </p:tnLst>
+  </p:timing>
 </p:sld>
 </file>
 
@@ -11341,6 +11483,13 @@
   <p:clrMapOvr>
     <a:masterClrMapping/>
   </p:clrMapOvr>
+  <p:timing>
+    <p:tnLst>
+      <p:par>
+        <p:cTn id="1" dur="indefinite" restart="never" nodeType="tmRoot"/>
+      </p:par>
+    </p:tnLst>
+  </p:timing>
 </p:sld>
 </file>
 
@@ -11488,6 +11637,13 @@
   <p:clrMapOvr>
     <a:masterClrMapping/>
   </p:clrMapOvr>
+  <p:timing>
+    <p:tnLst>
+      <p:par>
+        <p:cTn id="1" dur="indefinite" restart="never" nodeType="tmRoot"/>
+      </p:par>
+    </p:tnLst>
+  </p:timing>
 </p:sld>
 </file>
 
@@ -11620,6 +11776,13 @@
   <p:clrMapOvr>
     <a:masterClrMapping/>
   </p:clrMapOvr>
+  <p:timing>
+    <p:tnLst>
+      <p:par>
+        <p:cTn id="1" dur="indefinite" restart="never" nodeType="tmRoot"/>
+      </p:par>
+    </p:tnLst>
+  </p:timing>
 </p:sld>
 </file>
 
@@ -13133,6 +13296,13 @@
   <p:clrMapOvr>
     <a:masterClrMapping/>
   </p:clrMapOvr>
+  <p:timing>
+    <p:tnLst>
+      <p:par>
+        <p:cTn id="1" dur="indefinite" restart="never" nodeType="tmRoot"/>
+      </p:par>
+    </p:tnLst>
+  </p:timing>
 </p:sld>
 </file>
 
@@ -13862,7 +14032,7 @@
     </p:spTree>
     <p:extLst>
       <p:ext uri="{BB962C8B-B14F-4D97-AF65-F5344CB8AC3E}">
-        <p14:creationId xmlns="" xmlns:p14="http://schemas.microsoft.com/office/powerpoint/2010/main" val="4217875043"/>
+        <p14:creationId xmlns:p14="http://schemas.microsoft.com/office/powerpoint/2010/main" xmlns="" val="4217875043"/>
       </p:ext>
     </p:extLst>
   </p:cSld>
@@ -13981,6 +14151,13 @@
   <p:clrMapOvr>
     <a:masterClrMapping/>
   </p:clrMapOvr>
+  <p:timing>
+    <p:tnLst>
+      <p:par>
+        <p:cTn id="1" dur="indefinite" restart="never" nodeType="tmRoot"/>
+      </p:par>
+    </p:tnLst>
+  </p:timing>
 </p:sld>
 </file>
 
@@ -14156,6 +14333,13 @@
   <p:clrMapOvr>
     <a:masterClrMapping/>
   </p:clrMapOvr>
+  <p:timing>
+    <p:tnLst>
+      <p:par>
+        <p:cTn id="1" dur="indefinite" restart="never" nodeType="tmRoot"/>
+      </p:par>
+    </p:tnLst>
+  </p:timing>
 </p:sld>
 </file>
 
@@ -14492,6 +14676,13 @@
   <p:clrMapOvr>
     <a:masterClrMapping/>
   </p:clrMapOvr>
+  <p:timing>
+    <p:tnLst>
+      <p:par>
+        <p:cTn id="1" dur="indefinite" restart="never" nodeType="tmRoot"/>
+      </p:par>
+    </p:tnLst>
+  </p:timing>
 </p:sld>
 </file>
 
@@ -14656,6 +14847,13 @@
   <p:clrMapOvr>
     <a:masterClrMapping/>
   </p:clrMapOvr>
+  <p:timing>
+    <p:tnLst>
+      <p:par>
+        <p:cTn id="1" dur="indefinite" restart="never" nodeType="tmRoot"/>
+      </p:par>
+    </p:tnLst>
+  </p:timing>
 </p:sld>
 </file>
 
@@ -14934,7 +15132,7 @@
   <a:extraClrSchemeLst/>
   <a:extLst>
     <a:ext uri="{05A4C25C-085E-4340-85A3-A5531E510DB2}">
-      <thm15:themeFamily xmlns="" xmlns:thm15="http://schemas.microsoft.com/office/thememl/2012/main" name="Office Theme" id="{62F939B6-93AF-4DB8-9C6B-D6C7DFDC589F}" vid="{4A3C46E8-61CC-4603-A589-7422A47A8E4A}"/>
+      <thm15:themeFamily xmlns:thm15="http://schemas.microsoft.com/office/thememl/2012/main" xmlns="" name="Office Theme" id="{62F939B6-93AF-4DB8-9C6B-D6C7DFDC589F}" vid="{4A3C46E8-61CC-4603-A589-7422A47A8E4A}"/>
     </a:ext>
   </a:extLst>
 </a:theme>
@@ -15195,7 +15393,7 @@
   <a:extraClrSchemeLst/>
   <a:extLst>
     <a:ext uri="{05A4C25C-085E-4340-85A3-A5531E510DB2}">
-      <thm15:themeFamily xmlns="" xmlns:thm15="http://schemas.microsoft.com/office/thememl/2012/main" name="Office Theme" id="{62F939B6-93AF-4DB8-9C6B-D6C7DFDC589F}" vid="{4A3C46E8-61CC-4603-A589-7422A47A8E4A}"/>
+      <thm15:themeFamily xmlns:thm15="http://schemas.microsoft.com/office/thememl/2012/main" xmlns="" name="Office Theme" id="{62F939B6-93AF-4DB8-9C6B-D6C7DFDC589F}" vid="{4A3C46E8-61CC-4603-A589-7422A47A8E4A}"/>
     </a:ext>
   </a:extLst>
 </a:theme>
@@ -15456,7 +15654,7 @@
   <a:extraClrSchemeLst/>
   <a:extLst>
     <a:ext uri="{05A4C25C-085E-4340-85A3-A5531E510DB2}">
-      <thm15:themeFamily xmlns="" xmlns:thm15="http://schemas.microsoft.com/office/thememl/2012/main" name="Office Theme" id="{62F939B6-93AF-4DB8-9C6B-D6C7DFDC589F}" vid="{4A3C46E8-61CC-4603-A589-7422A47A8E4A}"/>
+      <thm15:themeFamily xmlns:thm15="http://schemas.microsoft.com/office/thememl/2012/main" xmlns="" name="Office Theme" id="{62F939B6-93AF-4DB8-9C6B-D6C7DFDC589F}" vid="{4A3C46E8-61CC-4603-A589-7422A47A8E4A}"/>
     </a:ext>
   </a:extLst>
 </a:theme>
